--- a/OllisTeile.pptx
+++ b/OllisTeile.pptx
@@ -5,10 +5,10 @@
     <p:sldMasterId id="2147483660" r:id="rId1"/>
   </p:sldMasterIdLst>
   <p:notesMasterIdLst>
-    <p:notesMasterId r:id="rId28"/>
+    <p:notesMasterId r:id="rId30"/>
   </p:notesMasterIdLst>
   <p:handoutMasterIdLst>
-    <p:handoutMasterId r:id="rId29"/>
+    <p:handoutMasterId r:id="rId31"/>
   </p:handoutMasterIdLst>
   <p:sldIdLst>
     <p:sldId id="353" r:id="rId2"/>
@@ -33,10 +33,12 @@
     <p:sldId id="381" r:id="rId21"/>
     <p:sldId id="382" r:id="rId22"/>
     <p:sldId id="383" r:id="rId23"/>
-    <p:sldId id="310" r:id="rId24"/>
-    <p:sldId id="265" r:id="rId25"/>
-    <p:sldId id="339" r:id="rId26"/>
-    <p:sldId id="346" r:id="rId27"/>
+    <p:sldId id="384" r:id="rId24"/>
+    <p:sldId id="385" r:id="rId25"/>
+    <p:sldId id="310" r:id="rId26"/>
+    <p:sldId id="265" r:id="rId27"/>
+    <p:sldId id="339" r:id="rId28"/>
+    <p:sldId id="346" r:id="rId29"/>
   </p:sldIdLst>
   <p:sldSz cx="12195175" cy="6859588"/>
   <p:notesSz cx="6797675" cy="9874250"/>
@@ -3039,6 +3041,128 @@
             <a:endParaRPr lang="en-US" baseline="0" dirty="0" smtClean="0"/>
           </a:p>
           <a:p>
+            <a:r>
+              <a:rPr lang="en-US" baseline="0" dirty="0" err="1" smtClean="0"/>
+              <a:t>Wichtig</a:t>
+            </a:r>
+            <a:r>
+              <a:rPr lang="en-US" baseline="0" dirty="0" smtClean="0"/>
+              <a:t> </a:t>
+            </a:r>
+            <a:r>
+              <a:rPr lang="en-US" baseline="0" dirty="0" err="1" smtClean="0"/>
+              <a:t>für</a:t>
+            </a:r>
+            <a:r>
+              <a:rPr lang="en-US" baseline="0" dirty="0" smtClean="0"/>
+              <a:t> JavaScript </a:t>
+            </a:r>
+            <a:r>
+              <a:rPr lang="en-US" baseline="0" dirty="0" err="1" smtClean="0"/>
+              <a:t>ist</a:t>
+            </a:r>
+            <a:r>
+              <a:rPr lang="en-US" baseline="0" dirty="0" smtClean="0"/>
+              <a:t> </a:t>
+            </a:r>
+            <a:r>
+              <a:rPr lang="en-US" baseline="0" dirty="0" err="1" smtClean="0"/>
+              <a:t>außerdem</a:t>
+            </a:r>
+            <a:r>
+              <a:rPr lang="en-US" baseline="0" dirty="0" smtClean="0"/>
+              <a:t>: Scope </a:t>
+            </a:r>
+            <a:r>
+              <a:rPr lang="en-US" baseline="0" dirty="0" err="1" smtClean="0"/>
+              <a:t>ändert</a:t>
+            </a:r>
+            <a:r>
+              <a:rPr lang="en-US" baseline="0" dirty="0" smtClean="0"/>
+              <a:t> </a:t>
+            </a:r>
+            <a:r>
+              <a:rPr lang="en-US" baseline="0" dirty="0" err="1" smtClean="0"/>
+              <a:t>sich</a:t>
+            </a:r>
+            <a:r>
+              <a:rPr lang="en-US" baseline="0" dirty="0" smtClean="0"/>
+              <a:t> NUR </a:t>
+            </a:r>
+            <a:r>
+              <a:rPr lang="en-US" baseline="0" dirty="0" err="1" smtClean="0"/>
+              <a:t>wenn</a:t>
+            </a:r>
+            <a:r>
+              <a:rPr lang="en-US" baseline="0" dirty="0" smtClean="0"/>
+              <a:t> man </a:t>
+            </a:r>
+            <a:r>
+              <a:rPr lang="en-US" baseline="0" dirty="0" err="1" smtClean="0"/>
+              <a:t>Funktionsaufruf</a:t>
+            </a:r>
+            <a:r>
+              <a:rPr lang="en-US" baseline="0" dirty="0" smtClean="0"/>
+              <a:t> </a:t>
+            </a:r>
+            <a:r>
+              <a:rPr lang="en-US" baseline="0" dirty="0" err="1" smtClean="0"/>
+              <a:t>ändert</a:t>
+            </a:r>
+            <a:r>
+              <a:rPr lang="en-US" baseline="0" dirty="0" smtClean="0"/>
+              <a:t>, also </a:t>
+            </a:r>
+            <a:r>
+              <a:rPr lang="en-US" baseline="0" dirty="0" err="1" smtClean="0"/>
+              <a:t>nicht</a:t>
+            </a:r>
+            <a:r>
+              <a:rPr lang="en-US" baseline="0" dirty="0" smtClean="0"/>
+              <a:t> </a:t>
+            </a:r>
+            <a:r>
+              <a:rPr lang="en-US" baseline="0" dirty="0" err="1" smtClean="0"/>
+              <a:t>wie</a:t>
+            </a:r>
+            <a:r>
+              <a:rPr lang="en-US" baseline="0" dirty="0" smtClean="0"/>
+              <a:t> </a:t>
+            </a:r>
+            <a:r>
+              <a:rPr lang="en-US" baseline="0" dirty="0" err="1" smtClean="0"/>
+              <a:t>bei</a:t>
+            </a:r>
+            <a:r>
+              <a:rPr lang="en-US" baseline="0" dirty="0" smtClean="0"/>
+              <a:t> </a:t>
+            </a:r>
+            <a:r>
+              <a:rPr lang="en-US" baseline="0" dirty="0" err="1" smtClean="0"/>
+              <a:t>anderen</a:t>
+            </a:r>
+            <a:r>
+              <a:rPr lang="en-US" baseline="0" dirty="0" smtClean="0"/>
+              <a:t> </a:t>
+            </a:r>
+            <a:r>
+              <a:rPr lang="en-US" baseline="0" dirty="0" err="1" smtClean="0"/>
+              <a:t>Sprachen</a:t>
+            </a:r>
+            <a:r>
+              <a:rPr lang="en-US" baseline="0" dirty="0" smtClean="0"/>
+              <a:t> </a:t>
+            </a:r>
+            <a:r>
+              <a:rPr lang="en-US" baseline="0" dirty="0" err="1" smtClean="0"/>
+              <a:t>bei</a:t>
+            </a:r>
+            <a:r>
+              <a:rPr lang="en-US" baseline="0" dirty="0" smtClean="0"/>
+              <a:t> IF und WHILE und so</a:t>
+            </a:r>
+          </a:p>
+          <a:p>
             <a:endParaRPr lang="en-US" baseline="0" dirty="0" smtClean="0"/>
           </a:p>
           <a:p>
@@ -3086,6 +3210,11 @@
               <a:rPr lang="en-US" baseline="0" dirty="0" smtClean="0"/>
               <a:t>:</a:t>
             </a:r>
+          </a:p>
+          <a:p>
+            <a:endParaRPr lang="en-US" baseline="0" dirty="0" smtClean="0"/>
+          </a:p>
+          <a:p>
             <a:endParaRPr lang="en-US" dirty="0"/>
           </a:p>
         </p:txBody>
@@ -4292,7 +4421,75 @@
           <a:bodyPr/>
           <a:lstStyle/>
           <a:p>
-            <a:endParaRPr lang="en-US"/>
+            <a:r>
+              <a:rPr lang="en-US" dirty="0" smtClean="0"/>
+              <a:t>1.</a:t>
+            </a:r>
+            <a:r>
+              <a:rPr lang="en-US" baseline="0" dirty="0" smtClean="0"/>
+              <a:t> </a:t>
+            </a:r>
+            <a:r>
+              <a:rPr lang="en-US" dirty="0" err="1" smtClean="0"/>
+              <a:t>Ergebnis</a:t>
+            </a:r>
+            <a:r>
+              <a:rPr lang="en-US" dirty="0" smtClean="0"/>
+              <a:t>:</a:t>
+            </a:r>
+            <a:r>
+              <a:rPr lang="en-US" baseline="0" dirty="0" smtClean="0"/>
+              <a:t> 5</a:t>
+            </a:r>
+          </a:p>
+          <a:p>
+            <a:r>
+              <a:rPr lang="en-US" dirty="0" smtClean="0"/>
+              <a:t>2. </a:t>
+            </a:r>
+            <a:r>
+              <a:rPr lang="en-US" dirty="0" err="1" smtClean="0"/>
+              <a:t>Ergebnis</a:t>
+            </a:r>
+            <a:r>
+              <a:rPr lang="en-US" dirty="0" smtClean="0"/>
+              <a:t>:</a:t>
+            </a:r>
+            <a:r>
+              <a:rPr lang="en-US" baseline="0" dirty="0" smtClean="0"/>
+              <a:t> 3</a:t>
+            </a:r>
+          </a:p>
+          <a:p>
+            <a:r>
+              <a:rPr lang="en-US" baseline="0" dirty="0" smtClean="0"/>
+              <a:t>3. </a:t>
+            </a:r>
+            <a:r>
+              <a:rPr lang="en-US" baseline="0" dirty="0" err="1" smtClean="0"/>
+              <a:t>Ergebnis</a:t>
+            </a:r>
+            <a:r>
+              <a:rPr lang="en-US" baseline="0" dirty="0" smtClean="0"/>
+              <a:t>: reference error, </a:t>
+            </a:r>
+            <a:r>
+              <a:rPr lang="en-US" baseline="0" dirty="0" err="1" smtClean="0"/>
+              <a:t>nicht</a:t>
+            </a:r>
+            <a:r>
+              <a:rPr lang="en-US" baseline="0" dirty="0" smtClean="0"/>
+              <a:t> </a:t>
+            </a:r>
+            <a:r>
+              <a:rPr lang="en-US" baseline="0" dirty="0" err="1" smtClean="0"/>
+              <a:t>nur</a:t>
+            </a:r>
+            <a:r>
+              <a:rPr lang="en-US" baseline="0" dirty="0" smtClean="0"/>
+              <a:t> undefined</a:t>
+            </a:r>
+            <a:endParaRPr lang="en-US" dirty="0"/>
           </a:p>
         </p:txBody>
       </p:sp>
@@ -4377,14 +4574,50 @@
           <a:bodyPr/>
           <a:lstStyle/>
           <a:p>
-            <a:endParaRPr lang="en-US"/>
+            <a:pPr marL="342900" indent="-342900">
+              <a:buAutoNum type="arabicPeriod"/>
+            </a:pPr>
+            <a:r>
+              <a:rPr lang="en-US" dirty="0" err="1" smtClean="0"/>
+              <a:t>Ergebnis</a:t>
+            </a:r>
+            <a:r>
+              <a:rPr lang="en-US" dirty="0" smtClean="0"/>
+              <a:t>:</a:t>
+            </a:r>
+            <a:r>
+              <a:rPr lang="en-US" baseline="0" dirty="0" smtClean="0"/>
+              <a:t> 8, 7, 6</a:t>
+            </a:r>
+          </a:p>
+          <a:p>
+            <a:pPr marL="342900" indent="-342900">
+              <a:buAutoNum type="arabicPeriod"/>
+            </a:pPr>
+            <a:r>
+              <a:rPr lang="en-US" baseline="0" dirty="0" err="1" smtClean="0"/>
+              <a:t>Ergebnis</a:t>
+            </a:r>
+            <a:r>
+              <a:rPr lang="en-US" baseline="0" dirty="0" smtClean="0"/>
+              <a:t>: 12. </a:t>
+            </a:r>
+            <a:r>
+              <a:rPr lang="en-US" baseline="0" dirty="0" err="1" smtClean="0"/>
+              <a:t>Warum</a:t>
+            </a:r>
+            <a:r>
+              <a:rPr lang="en-US" baseline="0" dirty="0" smtClean="0"/>
+              <a:t>?</a:t>
+            </a:r>
+            <a:endParaRPr lang="en-US" dirty="0"/>
           </a:p>
         </p:txBody>
       </p:sp>
     </p:spTree>
     <p:extLst>
       <p:ext uri="{BB962C8B-B14F-4D97-AF65-F5344CB8AC3E}">
-        <p14:creationId xmlns:p14="http://schemas.microsoft.com/office/powerpoint/2010/main" val="4081931190"/>
+        <p14:creationId xmlns:p14="http://schemas.microsoft.com/office/powerpoint/2010/main" val="2312615371"/>
       </p:ext>
     </p:extLst>
   </p:cSld>
@@ -4462,14 +4695,90 @@
           <a:bodyPr/>
           <a:lstStyle/>
           <a:p>
-            <a:endParaRPr lang="en-US"/>
+            <a:pPr marL="342900" indent="-342900">
+              <a:buAutoNum type="arabicPeriod"/>
+            </a:pPr>
+            <a:r>
+              <a:rPr lang="en-US" dirty="0" err="1" smtClean="0"/>
+              <a:t>Ergebnis</a:t>
+            </a:r>
+            <a:r>
+              <a:rPr lang="en-US" dirty="0" smtClean="0"/>
+              <a:t>:</a:t>
+            </a:r>
+            <a:r>
+              <a:rPr lang="en-US" baseline="0" dirty="0" smtClean="0"/>
+              <a:t> in a</a:t>
+            </a:r>
+          </a:p>
+          <a:p>
+            <a:pPr marL="342900" indent="-342900">
+              <a:buAutoNum type="arabicPeriod"/>
+            </a:pPr>
+            <a:r>
+              <a:rPr lang="en-US" baseline="0" dirty="0" err="1" smtClean="0"/>
+              <a:t>Ergebnis</a:t>
+            </a:r>
+            <a:r>
+              <a:rPr lang="en-US" baseline="0" dirty="0" smtClean="0"/>
+              <a:t>: </a:t>
+            </a:r>
+            <a:r>
+              <a:rPr lang="en-US" baseline="0" dirty="0" err="1" smtClean="0"/>
+              <a:t>Komplizierteres</a:t>
+            </a:r>
+            <a:r>
+              <a:rPr lang="en-US" baseline="0" dirty="0" smtClean="0"/>
+              <a:t> </a:t>
+            </a:r>
+            <a:r>
+              <a:rPr lang="en-US" baseline="0" dirty="0" err="1" smtClean="0"/>
+              <a:t>Beispiel</a:t>
+            </a:r>
+            <a:r>
+              <a:rPr lang="en-US" baseline="0" dirty="0" smtClean="0"/>
+              <a:t>. </a:t>
+            </a:r>
+            <a:r>
+              <a:rPr lang="en-US" baseline="0" dirty="0" err="1" smtClean="0"/>
+              <a:t>Wieder</a:t>
+            </a:r>
+            <a:r>
+              <a:rPr lang="en-US" baseline="0" dirty="0" smtClean="0"/>
+              <a:t> </a:t>
+            </a:r>
+            <a:r>
+              <a:rPr lang="en-US" baseline="0" dirty="0" err="1" smtClean="0"/>
+              <a:t>dasselbe</a:t>
+            </a:r>
+            <a:r>
+              <a:rPr lang="en-US" baseline="0" dirty="0" smtClean="0"/>
+              <a:t> </a:t>
+            </a:r>
+            <a:r>
+              <a:rPr lang="en-US" baseline="0" dirty="0" err="1" smtClean="0"/>
+              <a:t>Thema</a:t>
+            </a:r>
+            <a:r>
+              <a:rPr lang="en-US" baseline="0" dirty="0" smtClean="0"/>
+              <a:t> </a:t>
+            </a:r>
+            <a:r>
+              <a:rPr lang="en-US" baseline="0" dirty="0" err="1" smtClean="0"/>
+              <a:t>wie</a:t>
+            </a:r>
+            <a:r>
+              <a:rPr lang="en-US" baseline="0" dirty="0" smtClean="0"/>
+              <a:t> links, function hoisting</a:t>
+            </a:r>
+            <a:endParaRPr lang="en-US" dirty="0"/>
           </a:p>
         </p:txBody>
       </p:sp>
     </p:spTree>
     <p:extLst>
       <p:ext uri="{BB962C8B-B14F-4D97-AF65-F5344CB8AC3E}">
-        <p14:creationId xmlns:p14="http://schemas.microsoft.com/office/powerpoint/2010/main" val="1658375274"/>
+        <p14:creationId xmlns:p14="http://schemas.microsoft.com/office/powerpoint/2010/main" val="2312615371"/>
       </p:ext>
     </p:extLst>
   </p:cSld>
@@ -4554,7 +4863,7 @@
     </p:spTree>
     <p:extLst>
       <p:ext uri="{BB962C8B-B14F-4D97-AF65-F5344CB8AC3E}">
-        <p14:creationId xmlns:p14="http://schemas.microsoft.com/office/powerpoint/2010/main" val="1026738796"/>
+        <p14:creationId xmlns:p14="http://schemas.microsoft.com/office/powerpoint/2010/main" val="4081931190"/>
       </p:ext>
     </p:extLst>
   </p:cSld>
@@ -4600,6 +4909,176 @@
               <a:rPr lang="en-US" smtClean="0"/>
               <a:pPr/>
               <a:t>26</a:t>
+            </a:fld>
+            <a:endParaRPr lang="en-US" dirty="0"/>
+          </a:p>
+        </p:txBody>
+      </p:sp>
+      <p:sp>
+        <p:nvSpPr>
+          <p:cNvPr id="3" name="Slide Image Placeholder 2"/>
+          <p:cNvSpPr>
+            <a:spLocks noGrp="1" noRot="1" noChangeAspect="1"/>
+          </p:cNvSpPr>
+          <p:nvPr>
+            <p:ph type="sldImg"/>
+          </p:nvPr>
+        </p:nvSpPr>
+        <p:spPr/>
+      </p:sp>
+      <p:sp>
+        <p:nvSpPr>
+          <p:cNvPr id="5" name="Notes Placeholder 4"/>
+          <p:cNvSpPr>
+            <a:spLocks noGrp="1"/>
+          </p:cNvSpPr>
+          <p:nvPr>
+            <p:ph type="body" idx="1"/>
+          </p:nvPr>
+        </p:nvSpPr>
+        <p:spPr/>
+        <p:txBody>
+          <a:bodyPr/>
+          <a:lstStyle/>
+          <a:p>
+            <a:endParaRPr lang="en-US"/>
+          </a:p>
+        </p:txBody>
+      </p:sp>
+    </p:spTree>
+    <p:extLst>
+      <p:ext uri="{BB962C8B-B14F-4D97-AF65-F5344CB8AC3E}">
+        <p14:creationId xmlns:p14="http://schemas.microsoft.com/office/powerpoint/2010/main" val="1658375274"/>
+      </p:ext>
+    </p:extLst>
+  </p:cSld>
+  <p:clrMapOvr>
+    <a:masterClrMapping/>
+  </p:clrMapOvr>
+</p:notes>
+</file>
+
+<file path=ppt/notesSlides/notesSlide27.xml><?xml version="1.0" encoding="utf-8"?>
+<p:notes xmlns:a="http://schemas.openxmlformats.org/drawingml/2006/main" xmlns:r="http://schemas.openxmlformats.org/officeDocument/2006/relationships" xmlns:p="http://schemas.openxmlformats.org/presentationml/2006/main">
+  <p:cSld>
+    <p:spTree>
+      <p:nvGrpSpPr>
+        <p:cNvPr id="1" name=""/>
+        <p:cNvGrpSpPr/>
+        <p:nvPr/>
+      </p:nvGrpSpPr>
+      <p:grpSpPr>
+        <a:xfrm>
+          <a:off x="0" y="0"/>
+          <a:ext cx="0" cy="0"/>
+          <a:chOff x="0" y="0"/>
+          <a:chExt cx="0" cy="0"/>
+        </a:xfrm>
+      </p:grpSpPr>
+      <p:sp>
+        <p:nvSpPr>
+          <p:cNvPr id="4" name="Slide Number Placeholder 3"/>
+          <p:cNvSpPr>
+            <a:spLocks noGrp="1"/>
+          </p:cNvSpPr>
+          <p:nvPr>
+            <p:ph type="sldNum" sz="quarter" idx="10"/>
+          </p:nvPr>
+        </p:nvSpPr>
+        <p:spPr/>
+        <p:txBody>
+          <a:bodyPr/>
+          <a:lstStyle/>
+          <a:p>
+            <a:fld id="{7D8C2C35-2B8A-446E-BEC0-FD36716C29AC}" type="slidenum">
+              <a:rPr lang="en-US" smtClean="0"/>
+              <a:pPr/>
+              <a:t>27</a:t>
+            </a:fld>
+            <a:endParaRPr lang="en-US" dirty="0"/>
+          </a:p>
+        </p:txBody>
+      </p:sp>
+      <p:sp>
+        <p:nvSpPr>
+          <p:cNvPr id="3" name="Slide Image Placeholder 2"/>
+          <p:cNvSpPr>
+            <a:spLocks noGrp="1" noRot="1" noChangeAspect="1"/>
+          </p:cNvSpPr>
+          <p:nvPr>
+            <p:ph type="sldImg"/>
+          </p:nvPr>
+        </p:nvSpPr>
+        <p:spPr/>
+      </p:sp>
+      <p:sp>
+        <p:nvSpPr>
+          <p:cNvPr id="5" name="Notes Placeholder 4"/>
+          <p:cNvSpPr>
+            <a:spLocks noGrp="1"/>
+          </p:cNvSpPr>
+          <p:nvPr>
+            <p:ph type="body" idx="1"/>
+          </p:nvPr>
+        </p:nvSpPr>
+        <p:spPr/>
+        <p:txBody>
+          <a:bodyPr/>
+          <a:lstStyle/>
+          <a:p>
+            <a:endParaRPr lang="en-US"/>
+          </a:p>
+        </p:txBody>
+      </p:sp>
+    </p:spTree>
+    <p:extLst>
+      <p:ext uri="{BB962C8B-B14F-4D97-AF65-F5344CB8AC3E}">
+        <p14:creationId xmlns:p14="http://schemas.microsoft.com/office/powerpoint/2010/main" val="1026738796"/>
+      </p:ext>
+    </p:extLst>
+  </p:cSld>
+  <p:clrMapOvr>
+    <a:masterClrMapping/>
+  </p:clrMapOvr>
+</p:notes>
+</file>
+
+<file path=ppt/notesSlides/notesSlide28.xml><?xml version="1.0" encoding="utf-8"?>
+<p:notes xmlns:a="http://schemas.openxmlformats.org/drawingml/2006/main" xmlns:r="http://schemas.openxmlformats.org/officeDocument/2006/relationships" xmlns:p="http://schemas.openxmlformats.org/presentationml/2006/main">
+  <p:cSld>
+    <p:spTree>
+      <p:nvGrpSpPr>
+        <p:cNvPr id="1" name=""/>
+        <p:cNvGrpSpPr/>
+        <p:nvPr/>
+      </p:nvGrpSpPr>
+      <p:grpSpPr>
+        <a:xfrm>
+          <a:off x="0" y="0"/>
+          <a:ext cx="0" cy="0"/>
+          <a:chOff x="0" y="0"/>
+          <a:chExt cx="0" cy="0"/>
+        </a:xfrm>
+      </p:grpSpPr>
+      <p:sp>
+        <p:nvSpPr>
+          <p:cNvPr id="4" name="Slide Number Placeholder 3"/>
+          <p:cNvSpPr>
+            <a:spLocks noGrp="1"/>
+          </p:cNvSpPr>
+          <p:nvPr>
+            <p:ph type="sldNum" sz="quarter" idx="10"/>
+          </p:nvPr>
+        </p:nvSpPr>
+        <p:spPr/>
+        <p:txBody>
+          <a:bodyPr/>
+          <a:lstStyle/>
+          <a:p>
+            <a:fld id="{7D8C2C35-2B8A-446E-BEC0-FD36716C29AC}" type="slidenum">
+              <a:rPr lang="en-US" smtClean="0"/>
+              <a:pPr/>
+              <a:t>28</a:t>
             </a:fld>
             <a:endParaRPr lang="en-US" dirty="0"/>
           </a:p>
@@ -15963,7 +16442,23 @@
           <a:p>
             <a:r>
               <a:rPr lang="en-US" dirty="0" err="1" smtClean="0"/>
-              <a:t>Aufgaben</a:t>
+              <a:t>Funktionales</a:t>
+            </a:r>
+            <a:r>
+              <a:rPr lang="en-US" dirty="0" smtClean="0"/>
+              <a:t> </a:t>
+            </a:r>
+            <a:r>
+              <a:rPr lang="en-US" dirty="0" err="1" smtClean="0"/>
+              <a:t>Programmieren</a:t>
+            </a:r>
+            <a:r>
+              <a:rPr lang="en-US" dirty="0" smtClean="0"/>
+              <a:t>: </a:t>
+            </a:r>
+            <a:r>
+              <a:rPr lang="en-US" dirty="0" err="1" smtClean="0"/>
+              <a:t>Übungen</a:t>
             </a:r>
             <a:endParaRPr lang="en-US" dirty="0"/>
           </a:p>
@@ -20375,8 +20870,8 @@
           <a:lstStyle/>
           <a:p>
             <a:r>
-              <a:rPr lang="en-US" dirty="0" err="1" smtClean="0"/>
-              <a:t>Aufgaben</a:t>
+              <a:rPr lang="en-US" dirty="0" smtClean="0"/>
+              <a:t>Scope und Context: Quiz (1)</a:t>
             </a:r>
             <a:endParaRPr lang="en-US" dirty="0"/>
           </a:p>
@@ -20384,25 +20879,431 @@
       </p:sp>
       <p:sp>
         <p:nvSpPr>
-          <p:cNvPr id="3" name="Text Placeholder 2"/>
-          <p:cNvSpPr>
-            <a:spLocks noGrp="1"/>
-          </p:cNvSpPr>
-          <p:nvPr>
-            <p:ph type="body" sz="quarter" idx="10"/>
-          </p:nvPr>
+          <p:cNvPr id="6" name="Rectangle 5"/>
+          <p:cNvSpPr/>
+          <p:nvPr/>
         </p:nvSpPr>
-        <p:spPr/>
+        <p:spPr>
+          <a:xfrm>
+            <a:off x="317145" y="1397675"/>
+            <a:ext cx="6096000" cy="1754326"/>
+          </a:xfrm>
+          <a:prstGeom prst="rect">
+            <a:avLst/>
+          </a:prstGeom>
+        </p:spPr>
         <p:txBody>
-          <a:bodyPr/>
+          <a:bodyPr>
+            <a:spAutoFit/>
+          </a:bodyPr>
           <a:lstStyle/>
           <a:p>
-            <a:pPr lvl="0"/>
-            <a:r>
-              <a:rPr lang="en-US" dirty="0" smtClean="0"/>
-              <a:t>????</a:t>
-            </a:r>
-            <a:endParaRPr lang="en-US" dirty="0" smtClean="0"/>
+            <a:r>
+              <a:rPr lang="de-DE" sz="1800" dirty="0">
+                <a:solidFill>
+                  <a:srgbClr val="000000"/>
+                </a:solidFill>
+                <a:latin typeface="Consolas"/>
+              </a:rPr>
+              <a:t>(</a:t>
+            </a:r>
+            <a:r>
+              <a:rPr lang="de-DE" sz="1800" b="1" dirty="0" err="1">
+                <a:solidFill>
+                  <a:srgbClr val="7F0055"/>
+                </a:solidFill>
+                <a:latin typeface="Consolas"/>
+              </a:rPr>
+              <a:t>function</a:t>
+            </a:r>
+            <a:r>
+              <a:rPr lang="de-DE" sz="1800" b="1" dirty="0">
+                <a:solidFill>
+                  <a:srgbClr val="000000"/>
+                </a:solidFill>
+                <a:latin typeface="Consolas"/>
+              </a:rPr>
+              <a:t>() {</a:t>
+            </a:r>
+          </a:p>
+          <a:p>
+            <a:r>
+              <a:rPr lang="de-DE" sz="1800" dirty="0">
+                <a:solidFill>
+                  <a:srgbClr val="000000"/>
+                </a:solidFill>
+                <a:latin typeface="Consolas"/>
+              </a:rPr>
+              <a:t>    </a:t>
+            </a:r>
+            <a:r>
+              <a:rPr lang="de-DE" sz="1800" b="1" dirty="0" err="1">
+                <a:solidFill>
+                  <a:srgbClr val="7F0055"/>
+                </a:solidFill>
+                <a:latin typeface="Consolas"/>
+              </a:rPr>
+              <a:t>if</a:t>
+            </a:r>
+            <a:r>
+              <a:rPr lang="de-DE" sz="1800" b="1" dirty="0">
+                <a:solidFill>
+                  <a:srgbClr val="000000"/>
+                </a:solidFill>
+                <a:latin typeface="Consolas"/>
+              </a:rPr>
+              <a:t>(</a:t>
+            </a:r>
+            <a:r>
+              <a:rPr lang="de-DE" sz="1800" b="1" dirty="0" err="1">
+                <a:solidFill>
+                  <a:srgbClr val="7F0055"/>
+                </a:solidFill>
+                <a:latin typeface="Consolas"/>
+              </a:rPr>
+              <a:t>true</a:t>
+            </a:r>
+            <a:r>
+              <a:rPr lang="de-DE" sz="1800" b="1" dirty="0">
+                <a:solidFill>
+                  <a:srgbClr val="000000"/>
+                </a:solidFill>
+                <a:latin typeface="Consolas"/>
+              </a:rPr>
+              <a:t>) {</a:t>
+            </a:r>
+          </a:p>
+          <a:p>
+            <a:r>
+              <a:rPr lang="de-DE" sz="1800" dirty="0">
+                <a:solidFill>
+                  <a:srgbClr val="000000"/>
+                </a:solidFill>
+                <a:latin typeface="Consolas"/>
+              </a:rPr>
+              <a:t>        </a:t>
+            </a:r>
+            <a:r>
+              <a:rPr lang="de-DE" sz="1800" b="1" dirty="0" err="1">
+                <a:solidFill>
+                  <a:srgbClr val="7F0055"/>
+                </a:solidFill>
+                <a:latin typeface="Consolas"/>
+              </a:rPr>
+              <a:t>var</a:t>
+            </a:r>
+            <a:r>
+              <a:rPr lang="de-DE" sz="1800" b="1" dirty="0">
+                <a:solidFill>
+                  <a:srgbClr val="000000"/>
+                </a:solidFill>
+                <a:latin typeface="Consolas"/>
+              </a:rPr>
+              <a:t> a = 5;</a:t>
+            </a:r>
+          </a:p>
+          <a:p>
+            <a:r>
+              <a:rPr lang="de-DE" sz="1800" dirty="0">
+                <a:solidFill>
+                  <a:srgbClr val="000000"/>
+                </a:solidFill>
+                <a:latin typeface="Consolas"/>
+              </a:rPr>
+              <a:t>    }</a:t>
+            </a:r>
+          </a:p>
+          <a:p>
+            <a:r>
+              <a:rPr lang="de-DE" sz="1800" dirty="0">
+                <a:solidFill>
+                  <a:srgbClr val="000000"/>
+                </a:solidFill>
+                <a:latin typeface="Consolas"/>
+              </a:rPr>
+              <a:t>    console.log(a); </a:t>
+            </a:r>
+            <a:endParaRPr lang="de-DE" sz="1800" dirty="0">
+              <a:solidFill>
+                <a:srgbClr val="3F7F5F"/>
+              </a:solidFill>
+              <a:latin typeface="Consolas"/>
+            </a:endParaRPr>
+          </a:p>
+          <a:p>
+            <a:r>
+              <a:rPr lang="de-DE" sz="1800" dirty="0">
+                <a:solidFill>
+                  <a:srgbClr val="000000"/>
+                </a:solidFill>
+                <a:latin typeface="Consolas"/>
+              </a:rPr>
+              <a:t>})()</a:t>
+            </a:r>
+            <a:endParaRPr lang="de-DE" sz="1800" dirty="0"/>
+          </a:p>
+        </p:txBody>
+      </p:sp>
+      <p:sp>
+        <p:nvSpPr>
+          <p:cNvPr id="8" name="Rectangle 7"/>
+          <p:cNvSpPr/>
+          <p:nvPr/>
+        </p:nvSpPr>
+        <p:spPr>
+          <a:xfrm>
+            <a:off x="317145" y="3936832"/>
+            <a:ext cx="6096000" cy="1477328"/>
+          </a:xfrm>
+          <a:prstGeom prst="rect">
+            <a:avLst/>
+          </a:prstGeom>
+        </p:spPr>
+        <p:txBody>
+          <a:bodyPr>
+            <a:spAutoFit/>
+          </a:bodyPr>
+          <a:lstStyle/>
+          <a:p>
+            <a:r>
+              <a:rPr lang="de-DE" sz="1800" dirty="0">
+                <a:solidFill>
+                  <a:srgbClr val="000000"/>
+                </a:solidFill>
+                <a:latin typeface="Consolas"/>
+              </a:rPr>
+              <a:t>(</a:t>
+            </a:r>
+            <a:r>
+              <a:rPr lang="de-DE" sz="1800" b="1" dirty="0" err="1">
+                <a:solidFill>
+                  <a:srgbClr val="7F0055"/>
+                </a:solidFill>
+                <a:latin typeface="Consolas"/>
+              </a:rPr>
+              <a:t>function</a:t>
+            </a:r>
+            <a:r>
+              <a:rPr lang="de-DE" sz="1800" b="1" dirty="0">
+                <a:solidFill>
+                  <a:srgbClr val="000000"/>
+                </a:solidFill>
+                <a:latin typeface="Consolas"/>
+              </a:rPr>
+              <a:t>() {</a:t>
+            </a:r>
+          </a:p>
+          <a:p>
+            <a:r>
+              <a:rPr lang="de-DE" sz="1800" dirty="0">
+                <a:solidFill>
+                  <a:srgbClr val="000000"/>
+                </a:solidFill>
+                <a:latin typeface="Consolas"/>
+              </a:rPr>
+              <a:t>    a = 3;</a:t>
+            </a:r>
+          </a:p>
+          <a:p>
+            <a:r>
+              <a:rPr lang="de-DE" sz="1800" dirty="0">
+                <a:solidFill>
+                  <a:srgbClr val="000000"/>
+                </a:solidFill>
+                <a:latin typeface="Consolas"/>
+              </a:rPr>
+              <a:t>    alert(a);</a:t>
+            </a:r>
+          </a:p>
+          <a:p>
+            <a:r>
+              <a:rPr lang="de-DE" sz="1800" dirty="0">
+                <a:solidFill>
+                  <a:srgbClr val="000000"/>
+                </a:solidFill>
+                <a:latin typeface="Consolas"/>
+              </a:rPr>
+              <a:t>})();</a:t>
+            </a:r>
+          </a:p>
+          <a:p>
+            <a:r>
+              <a:rPr lang="de-DE" sz="1800" dirty="0">
+                <a:solidFill>
+                  <a:srgbClr val="000000"/>
+                </a:solidFill>
+                <a:latin typeface="Consolas"/>
+              </a:rPr>
+              <a:t>console.log(a); </a:t>
+            </a:r>
+            <a:endParaRPr lang="de-DE" sz="1800" dirty="0"/>
+          </a:p>
+        </p:txBody>
+      </p:sp>
+      <p:sp>
+        <p:nvSpPr>
+          <p:cNvPr id="10" name="Rectangle 9"/>
+          <p:cNvSpPr/>
+          <p:nvPr/>
+        </p:nvSpPr>
+        <p:spPr>
+          <a:xfrm>
+            <a:off x="5319432" y="1397675"/>
+            <a:ext cx="6664567" cy="1477328"/>
+          </a:xfrm>
+          <a:prstGeom prst="rect">
+            <a:avLst/>
+          </a:prstGeom>
+        </p:spPr>
+        <p:txBody>
+          <a:bodyPr wrap="square">
+            <a:spAutoFit/>
+          </a:bodyPr>
+          <a:lstStyle/>
+          <a:p>
+            <a:r>
+              <a:rPr lang="de-DE" sz="1800" b="1" dirty="0" err="1">
+                <a:solidFill>
+                  <a:srgbClr val="7F0055"/>
+                </a:solidFill>
+                <a:latin typeface="Consolas"/>
+              </a:rPr>
+              <a:t>function</a:t>
+            </a:r>
+            <a:r>
+              <a:rPr lang="de-DE" sz="1800" b="1" dirty="0">
+                <a:solidFill>
+                  <a:srgbClr val="000000"/>
+                </a:solidFill>
+                <a:latin typeface="Consolas"/>
+              </a:rPr>
+              <a:t> </a:t>
+            </a:r>
+            <a:r>
+              <a:rPr lang="de-DE" sz="1800" b="1" dirty="0" err="1">
+                <a:solidFill>
+                  <a:srgbClr val="000000"/>
+                </a:solidFill>
+                <a:latin typeface="Consolas"/>
+              </a:rPr>
+              <a:t>setVariable</a:t>
+            </a:r>
+            <a:r>
+              <a:rPr lang="de-DE" sz="1800" b="1" dirty="0">
+                <a:solidFill>
+                  <a:srgbClr val="000000"/>
+                </a:solidFill>
+                <a:latin typeface="Consolas"/>
+              </a:rPr>
+              <a:t>() {</a:t>
+            </a:r>
+          </a:p>
+          <a:p>
+            <a:r>
+              <a:rPr lang="de-DE" sz="1800" b="1" dirty="0" smtClean="0">
+                <a:solidFill>
+                  <a:srgbClr val="7F0055"/>
+                </a:solidFill>
+                <a:latin typeface="Consolas"/>
+              </a:rPr>
+              <a:t>    </a:t>
+            </a:r>
+            <a:r>
+              <a:rPr lang="de-DE" sz="1800" b="1" dirty="0" err="1" smtClean="0">
+                <a:solidFill>
+                  <a:srgbClr val="7F0055"/>
+                </a:solidFill>
+                <a:latin typeface="Consolas"/>
+              </a:rPr>
+              <a:t>var</a:t>
+            </a:r>
+            <a:r>
+              <a:rPr lang="de-DE" sz="1800" b="1" dirty="0" smtClean="0">
+                <a:solidFill>
+                  <a:srgbClr val="000000"/>
+                </a:solidFill>
+                <a:latin typeface="Consolas"/>
+              </a:rPr>
+              <a:t> </a:t>
+            </a:r>
+            <a:r>
+              <a:rPr lang="de-DE" sz="1800" b="1" dirty="0">
+                <a:solidFill>
+                  <a:srgbClr val="000000"/>
+                </a:solidFill>
+                <a:latin typeface="Consolas"/>
+              </a:rPr>
+              <a:t>a = </a:t>
+            </a:r>
+            <a:r>
+              <a:rPr lang="de-DE" sz="1800" b="1" dirty="0">
+                <a:solidFill>
+                  <a:srgbClr val="2A00FF"/>
+                </a:solidFill>
+                <a:latin typeface="Consolas"/>
+              </a:rPr>
+              <a:t>"7"</a:t>
+            </a:r>
+            <a:r>
+              <a:rPr lang="de-DE" sz="1800" b="1" dirty="0">
+                <a:solidFill>
+                  <a:srgbClr val="000000"/>
+                </a:solidFill>
+                <a:latin typeface="Consolas"/>
+              </a:rPr>
+              <a:t>;</a:t>
+            </a:r>
+          </a:p>
+          <a:p>
+            <a:r>
+              <a:rPr lang="de-DE" sz="1800" dirty="0">
+                <a:solidFill>
+                  <a:srgbClr val="000000"/>
+                </a:solidFill>
+                <a:latin typeface="Consolas"/>
+              </a:rPr>
+              <a:t>}</a:t>
+            </a:r>
+          </a:p>
+          <a:p>
+            <a:r>
+              <a:rPr lang="de-DE" sz="1800" dirty="0" err="1">
+                <a:solidFill>
+                  <a:srgbClr val="000000"/>
+                </a:solidFill>
+                <a:latin typeface="Consolas"/>
+              </a:rPr>
+              <a:t>setVariable</a:t>
+            </a:r>
+            <a:r>
+              <a:rPr lang="de-DE" sz="1800" dirty="0">
+                <a:solidFill>
+                  <a:srgbClr val="000000"/>
+                </a:solidFill>
+                <a:latin typeface="Consolas"/>
+              </a:rPr>
+              <a:t>();</a:t>
+            </a:r>
+          </a:p>
+          <a:p>
+            <a:r>
+              <a:rPr lang="en-GB" sz="1800" dirty="0">
+                <a:solidFill>
+                  <a:srgbClr val="000000"/>
+                </a:solidFill>
+                <a:latin typeface="Consolas"/>
+              </a:rPr>
+              <a:t>console.log(a); </a:t>
+            </a:r>
+            <a:r>
+              <a:rPr lang="en-GB" sz="1800" dirty="0">
+                <a:solidFill>
+                  <a:srgbClr val="3F7F5F"/>
+                </a:solidFill>
+                <a:latin typeface="Consolas"/>
+              </a:rPr>
+              <a:t>//reference error, a is not defined</a:t>
+            </a:r>
           </a:p>
         </p:txBody>
       </p:sp>
@@ -20446,6 +21347,1128 @@
       </p:grpSpPr>
       <p:sp>
         <p:nvSpPr>
+          <p:cNvPr id="2" name="Title 1"/>
+          <p:cNvSpPr>
+            <a:spLocks noGrp="1"/>
+          </p:cNvSpPr>
+          <p:nvPr>
+            <p:ph type="title"/>
+          </p:nvPr>
+        </p:nvSpPr>
+        <p:spPr/>
+        <p:txBody>
+          <a:bodyPr/>
+          <a:lstStyle/>
+          <a:p>
+            <a:r>
+              <a:rPr lang="en-US" dirty="0" smtClean="0"/>
+              <a:t>Scope und Context: Quiz (2)</a:t>
+            </a:r>
+            <a:endParaRPr lang="en-US" dirty="0"/>
+          </a:p>
+        </p:txBody>
+      </p:sp>
+      <p:sp>
+        <p:nvSpPr>
+          <p:cNvPr id="13" name="Rectangle 12"/>
+          <p:cNvSpPr/>
+          <p:nvPr/>
+        </p:nvSpPr>
+        <p:spPr>
+          <a:xfrm>
+            <a:off x="370915" y="1416586"/>
+            <a:ext cx="6096000" cy="3416320"/>
+          </a:xfrm>
+          <a:prstGeom prst="rect">
+            <a:avLst/>
+          </a:prstGeom>
+        </p:spPr>
+        <p:txBody>
+          <a:bodyPr>
+            <a:spAutoFit/>
+          </a:bodyPr>
+          <a:lstStyle/>
+          <a:p>
+            <a:r>
+              <a:rPr lang="de-DE" sz="1800" b="1" dirty="0" err="1">
+                <a:solidFill>
+                  <a:srgbClr val="7F0055"/>
+                </a:solidFill>
+                <a:latin typeface="Consolas"/>
+              </a:rPr>
+              <a:t>var</a:t>
+            </a:r>
+            <a:r>
+              <a:rPr lang="de-DE" sz="1800" b="1" dirty="0">
+                <a:solidFill>
+                  <a:srgbClr val="000000"/>
+                </a:solidFill>
+                <a:latin typeface="Consolas"/>
+              </a:rPr>
+              <a:t> a = 6;</a:t>
+            </a:r>
+          </a:p>
+          <a:p>
+            <a:r>
+              <a:rPr lang="de-DE" sz="1800" b="1" dirty="0" err="1">
+                <a:solidFill>
+                  <a:srgbClr val="7F0055"/>
+                </a:solidFill>
+                <a:latin typeface="Consolas"/>
+              </a:rPr>
+              <a:t>function</a:t>
+            </a:r>
+            <a:r>
+              <a:rPr lang="de-DE" sz="1800" b="1" dirty="0">
+                <a:solidFill>
+                  <a:srgbClr val="000000"/>
+                </a:solidFill>
+                <a:latin typeface="Consolas"/>
+              </a:rPr>
+              <a:t> </a:t>
+            </a:r>
+            <a:r>
+              <a:rPr lang="de-DE" sz="1800" b="1" dirty="0" err="1">
+                <a:solidFill>
+                  <a:srgbClr val="000000"/>
+                </a:solidFill>
+                <a:latin typeface="Consolas"/>
+              </a:rPr>
+              <a:t>test</a:t>
+            </a:r>
+            <a:r>
+              <a:rPr lang="de-DE" sz="1800" b="1" dirty="0">
+                <a:solidFill>
+                  <a:srgbClr val="000000"/>
+                </a:solidFill>
+                <a:latin typeface="Consolas"/>
+              </a:rPr>
+              <a:t>() {</a:t>
+            </a:r>
+          </a:p>
+          <a:p>
+            <a:r>
+              <a:rPr lang="de-DE" sz="1800" dirty="0">
+                <a:solidFill>
+                  <a:srgbClr val="000000"/>
+                </a:solidFill>
+                <a:latin typeface="Consolas"/>
+              </a:rPr>
+              <a:t>    </a:t>
+            </a:r>
+            <a:r>
+              <a:rPr lang="de-DE" sz="1800" b="1" dirty="0" err="1">
+                <a:solidFill>
+                  <a:srgbClr val="7F0055"/>
+                </a:solidFill>
+                <a:latin typeface="Consolas"/>
+              </a:rPr>
+              <a:t>var</a:t>
+            </a:r>
+            <a:r>
+              <a:rPr lang="de-DE" sz="1800" b="1" dirty="0">
+                <a:solidFill>
+                  <a:srgbClr val="000000"/>
+                </a:solidFill>
+                <a:latin typeface="Consolas"/>
+              </a:rPr>
+              <a:t> a = 7;</a:t>
+            </a:r>
+          </a:p>
+          <a:p>
+            <a:r>
+              <a:rPr lang="de-DE" sz="1800" dirty="0">
+                <a:solidFill>
+                  <a:srgbClr val="000000"/>
+                </a:solidFill>
+                <a:latin typeface="Consolas"/>
+              </a:rPr>
+              <a:t>    </a:t>
+            </a:r>
+            <a:r>
+              <a:rPr lang="de-DE" sz="1800" b="1" dirty="0" err="1">
+                <a:solidFill>
+                  <a:srgbClr val="7F0055"/>
+                </a:solidFill>
+                <a:latin typeface="Consolas"/>
+              </a:rPr>
+              <a:t>function</a:t>
+            </a:r>
+            <a:r>
+              <a:rPr lang="de-DE" sz="1800" b="1" dirty="0">
+                <a:solidFill>
+                  <a:srgbClr val="000000"/>
+                </a:solidFill>
+                <a:latin typeface="Consolas"/>
+              </a:rPr>
+              <a:t> </a:t>
+            </a:r>
+            <a:r>
+              <a:rPr lang="de-DE" sz="1800" b="1" dirty="0" err="1">
+                <a:solidFill>
+                  <a:srgbClr val="000000"/>
+                </a:solidFill>
+                <a:latin typeface="Consolas"/>
+              </a:rPr>
+              <a:t>again</a:t>
+            </a:r>
+            <a:r>
+              <a:rPr lang="de-DE" sz="1800" b="1" dirty="0">
+                <a:solidFill>
+                  <a:srgbClr val="000000"/>
+                </a:solidFill>
+                <a:latin typeface="Consolas"/>
+              </a:rPr>
+              <a:t>() {</a:t>
+            </a:r>
+          </a:p>
+          <a:p>
+            <a:r>
+              <a:rPr lang="de-DE" sz="1800" dirty="0">
+                <a:solidFill>
+                  <a:srgbClr val="000000"/>
+                </a:solidFill>
+                <a:latin typeface="Consolas"/>
+              </a:rPr>
+              <a:t>        </a:t>
+            </a:r>
+            <a:r>
+              <a:rPr lang="de-DE" sz="1800" b="1" dirty="0" err="1">
+                <a:solidFill>
+                  <a:srgbClr val="7F0055"/>
+                </a:solidFill>
+                <a:latin typeface="Consolas"/>
+              </a:rPr>
+              <a:t>var</a:t>
+            </a:r>
+            <a:r>
+              <a:rPr lang="de-DE" sz="1800" b="1" dirty="0">
+                <a:solidFill>
+                  <a:srgbClr val="000000"/>
+                </a:solidFill>
+                <a:latin typeface="Consolas"/>
+              </a:rPr>
+              <a:t> a = 8;</a:t>
+            </a:r>
+          </a:p>
+          <a:p>
+            <a:r>
+              <a:rPr lang="de-DE" sz="1800" dirty="0">
+                <a:solidFill>
+                  <a:srgbClr val="000000"/>
+                </a:solidFill>
+                <a:latin typeface="Consolas"/>
+              </a:rPr>
+              <a:t>        alert(a);  </a:t>
+            </a:r>
+          </a:p>
+          <a:p>
+            <a:r>
+              <a:rPr lang="de-DE" sz="1800" dirty="0">
+                <a:solidFill>
+                  <a:srgbClr val="000000"/>
+                </a:solidFill>
+                <a:latin typeface="Consolas"/>
+              </a:rPr>
+              <a:t>    }</a:t>
+            </a:r>
+          </a:p>
+          <a:p>
+            <a:r>
+              <a:rPr lang="de-DE" sz="1800" dirty="0">
+                <a:solidFill>
+                  <a:srgbClr val="000000"/>
+                </a:solidFill>
+                <a:latin typeface="Consolas"/>
+              </a:rPr>
+              <a:t>    </a:t>
+            </a:r>
+            <a:r>
+              <a:rPr lang="de-DE" sz="1800" dirty="0" err="1">
+                <a:solidFill>
+                  <a:srgbClr val="000000"/>
+                </a:solidFill>
+                <a:latin typeface="Consolas"/>
+              </a:rPr>
+              <a:t>again</a:t>
+            </a:r>
+            <a:r>
+              <a:rPr lang="de-DE" sz="1800" dirty="0">
+                <a:solidFill>
+                  <a:srgbClr val="000000"/>
+                </a:solidFill>
+                <a:latin typeface="Consolas"/>
+              </a:rPr>
+              <a:t>();</a:t>
+            </a:r>
+          </a:p>
+          <a:p>
+            <a:r>
+              <a:rPr lang="de-DE" sz="1800" dirty="0">
+                <a:solidFill>
+                  <a:srgbClr val="000000"/>
+                </a:solidFill>
+                <a:latin typeface="Consolas"/>
+              </a:rPr>
+              <a:t>    alert(a);  </a:t>
+            </a:r>
+          </a:p>
+          <a:p>
+            <a:r>
+              <a:rPr lang="de-DE" sz="1800" dirty="0">
+                <a:solidFill>
+                  <a:srgbClr val="000000"/>
+                </a:solidFill>
+                <a:latin typeface="Consolas"/>
+              </a:rPr>
+              <a:t>}</a:t>
+            </a:r>
+          </a:p>
+          <a:p>
+            <a:r>
+              <a:rPr lang="de-DE" sz="1800" dirty="0" err="1">
+                <a:solidFill>
+                  <a:srgbClr val="000000"/>
+                </a:solidFill>
+                <a:latin typeface="Consolas"/>
+              </a:rPr>
+              <a:t>test</a:t>
+            </a:r>
+            <a:r>
+              <a:rPr lang="de-DE" sz="1800" dirty="0">
+                <a:solidFill>
+                  <a:srgbClr val="000000"/>
+                </a:solidFill>
+                <a:latin typeface="Consolas"/>
+              </a:rPr>
+              <a:t>();</a:t>
+            </a:r>
+          </a:p>
+          <a:p>
+            <a:r>
+              <a:rPr lang="de-DE" sz="1800" dirty="0">
+                <a:solidFill>
+                  <a:srgbClr val="000000"/>
+                </a:solidFill>
+                <a:latin typeface="Consolas"/>
+              </a:rPr>
+              <a:t>​alert(a);​  </a:t>
+            </a:r>
+          </a:p>
+        </p:txBody>
+      </p:sp>
+      <p:sp>
+        <p:nvSpPr>
+          <p:cNvPr id="4" name="Rectangle 3"/>
+          <p:cNvSpPr/>
+          <p:nvPr/>
+        </p:nvSpPr>
+        <p:spPr>
+          <a:xfrm>
+            <a:off x="6466915" y="1416586"/>
+            <a:ext cx="6096000" cy="2308324"/>
+          </a:xfrm>
+          <a:prstGeom prst="rect">
+            <a:avLst/>
+          </a:prstGeom>
+        </p:spPr>
+        <p:txBody>
+          <a:bodyPr>
+            <a:spAutoFit/>
+          </a:bodyPr>
+          <a:lstStyle/>
+          <a:p>
+            <a:r>
+              <a:rPr lang="de-DE" sz="1800" b="1" dirty="0" err="1">
+                <a:solidFill>
+                  <a:srgbClr val="7F0055"/>
+                </a:solidFill>
+                <a:latin typeface="Consolas"/>
+              </a:rPr>
+              <a:t>function</a:t>
+            </a:r>
+            <a:r>
+              <a:rPr lang="de-DE" sz="1800" b="1" dirty="0">
+                <a:solidFill>
+                  <a:srgbClr val="000000"/>
+                </a:solidFill>
+                <a:latin typeface="Consolas"/>
+              </a:rPr>
+              <a:t> </a:t>
+            </a:r>
+            <a:r>
+              <a:rPr lang="de-DE" sz="1800" b="1" dirty="0" err="1">
+                <a:solidFill>
+                  <a:srgbClr val="000000"/>
+                </a:solidFill>
+                <a:latin typeface="Consolas"/>
+              </a:rPr>
+              <a:t>getFunc</a:t>
+            </a:r>
+            <a:r>
+              <a:rPr lang="de-DE" sz="1800" b="1" dirty="0">
+                <a:solidFill>
+                  <a:srgbClr val="000000"/>
+                </a:solidFill>
+                <a:latin typeface="Consolas"/>
+              </a:rPr>
+              <a:t>() {</a:t>
+            </a:r>
+          </a:p>
+          <a:p>
+            <a:r>
+              <a:rPr lang="de-DE" sz="1800" dirty="0">
+                <a:solidFill>
+                  <a:srgbClr val="000000"/>
+                </a:solidFill>
+                <a:latin typeface="Consolas"/>
+              </a:rPr>
+              <a:t>    </a:t>
+            </a:r>
+            <a:r>
+              <a:rPr lang="de-DE" sz="1800" b="1" dirty="0" err="1">
+                <a:solidFill>
+                  <a:srgbClr val="7F0055"/>
+                </a:solidFill>
+                <a:latin typeface="Consolas"/>
+              </a:rPr>
+              <a:t>var</a:t>
+            </a:r>
+            <a:r>
+              <a:rPr lang="de-DE" sz="1800" b="1" dirty="0">
+                <a:solidFill>
+                  <a:srgbClr val="000000"/>
+                </a:solidFill>
+                <a:latin typeface="Consolas"/>
+              </a:rPr>
+              <a:t> a = 7;</a:t>
+            </a:r>
+          </a:p>
+          <a:p>
+            <a:r>
+              <a:rPr lang="de-DE" sz="1800" dirty="0">
+                <a:solidFill>
+                  <a:srgbClr val="000000"/>
+                </a:solidFill>
+                <a:latin typeface="Consolas"/>
+              </a:rPr>
+              <a:t>    </a:t>
+            </a:r>
+            <a:r>
+              <a:rPr lang="de-DE" sz="1800" b="1" dirty="0" err="1">
+                <a:solidFill>
+                  <a:srgbClr val="7F0055"/>
+                </a:solidFill>
+                <a:latin typeface="Consolas"/>
+              </a:rPr>
+              <a:t>return</a:t>
+            </a:r>
+            <a:r>
+              <a:rPr lang="de-DE" sz="1800" b="1" dirty="0">
+                <a:solidFill>
+                  <a:srgbClr val="000000"/>
+                </a:solidFill>
+                <a:latin typeface="Consolas"/>
+              </a:rPr>
+              <a:t> </a:t>
+            </a:r>
+            <a:r>
+              <a:rPr lang="de-DE" sz="1800" b="1" dirty="0" err="1">
+                <a:solidFill>
+                  <a:srgbClr val="7F0055"/>
+                </a:solidFill>
+                <a:latin typeface="Consolas"/>
+              </a:rPr>
+              <a:t>function</a:t>
+            </a:r>
+            <a:r>
+              <a:rPr lang="de-DE" sz="1800" b="1" dirty="0">
+                <a:solidFill>
+                  <a:srgbClr val="000000"/>
+                </a:solidFill>
+                <a:latin typeface="Consolas"/>
+              </a:rPr>
+              <a:t>(b) {</a:t>
+            </a:r>
+          </a:p>
+          <a:p>
+            <a:r>
+              <a:rPr lang="de-DE" sz="1800" dirty="0">
+                <a:solidFill>
+                  <a:srgbClr val="000000"/>
+                </a:solidFill>
+                <a:latin typeface="Consolas"/>
+              </a:rPr>
+              <a:t>        alert(</a:t>
+            </a:r>
+            <a:r>
+              <a:rPr lang="de-DE" sz="1800" dirty="0" err="1">
+                <a:solidFill>
+                  <a:srgbClr val="000000"/>
+                </a:solidFill>
+                <a:latin typeface="Consolas"/>
+              </a:rPr>
+              <a:t>a+b</a:t>
+            </a:r>
+            <a:r>
+              <a:rPr lang="de-DE" sz="1800" dirty="0">
+                <a:solidFill>
+                  <a:srgbClr val="000000"/>
+                </a:solidFill>
+                <a:latin typeface="Consolas"/>
+              </a:rPr>
+              <a:t>);</a:t>
+            </a:r>
+          </a:p>
+          <a:p>
+            <a:r>
+              <a:rPr lang="de-DE" sz="1800" dirty="0">
+                <a:solidFill>
+                  <a:srgbClr val="000000"/>
+                </a:solidFill>
+                <a:latin typeface="Consolas"/>
+              </a:rPr>
+              <a:t>    }</a:t>
+            </a:r>
+          </a:p>
+          <a:p>
+            <a:r>
+              <a:rPr lang="de-DE" sz="1800" dirty="0">
+                <a:solidFill>
+                  <a:srgbClr val="000000"/>
+                </a:solidFill>
+                <a:latin typeface="Consolas"/>
+              </a:rPr>
+              <a:t>}</a:t>
+            </a:r>
+          </a:p>
+          <a:p>
+            <a:r>
+              <a:rPr lang="de-DE" sz="1800" b="1" dirty="0" err="1">
+                <a:solidFill>
+                  <a:srgbClr val="7F0055"/>
+                </a:solidFill>
+                <a:latin typeface="Consolas"/>
+              </a:rPr>
+              <a:t>var</a:t>
+            </a:r>
+            <a:r>
+              <a:rPr lang="de-DE" sz="1800" b="1" dirty="0">
+                <a:solidFill>
+                  <a:srgbClr val="000000"/>
+                </a:solidFill>
+                <a:latin typeface="Consolas"/>
+              </a:rPr>
+              <a:t> f = </a:t>
+            </a:r>
+            <a:r>
+              <a:rPr lang="de-DE" sz="1800" b="1" dirty="0" err="1">
+                <a:solidFill>
+                  <a:srgbClr val="000000"/>
+                </a:solidFill>
+                <a:latin typeface="Consolas"/>
+              </a:rPr>
+              <a:t>getFunc</a:t>
+            </a:r>
+            <a:r>
+              <a:rPr lang="de-DE" sz="1800" b="1" dirty="0">
+                <a:solidFill>
+                  <a:srgbClr val="000000"/>
+                </a:solidFill>
+                <a:latin typeface="Consolas"/>
+              </a:rPr>
+              <a:t>();</a:t>
+            </a:r>
+          </a:p>
+          <a:p>
+            <a:r>
+              <a:rPr lang="de-DE" sz="1800" dirty="0">
+                <a:solidFill>
+                  <a:srgbClr val="000000"/>
+                </a:solidFill>
+                <a:latin typeface="Consolas"/>
+              </a:rPr>
+              <a:t>f(5);</a:t>
+            </a:r>
+          </a:p>
+        </p:txBody>
+      </p:sp>
+    </p:spTree>
+    <p:extLst>
+      <p:ext uri="{BB962C8B-B14F-4D97-AF65-F5344CB8AC3E}">
+        <p14:creationId xmlns:p14="http://schemas.microsoft.com/office/powerpoint/2010/main" val="2927603225"/>
+      </p:ext>
+    </p:extLst>
+  </p:cSld>
+  <p:clrMapOvr>
+    <a:masterClrMapping/>
+  </p:clrMapOvr>
+  <p:transition spd="med"/>
+  <p:timing>
+    <p:tnLst>
+      <p:par>
+        <p:cTn id="1" dur="indefinite" restart="never" nodeType="tmRoot"/>
+      </p:par>
+    </p:tnLst>
+  </p:timing>
+</p:sld>
+</file>
+
+<file path=ppt/slides/slide24.xml><?xml version="1.0" encoding="utf-8"?>
+<p:sld xmlns:a="http://schemas.openxmlformats.org/drawingml/2006/main" xmlns:r="http://schemas.openxmlformats.org/officeDocument/2006/relationships" xmlns:p="http://schemas.openxmlformats.org/presentationml/2006/main">
+  <p:cSld>
+    <p:spTree>
+      <p:nvGrpSpPr>
+        <p:cNvPr id="1" name=""/>
+        <p:cNvGrpSpPr/>
+        <p:nvPr/>
+      </p:nvGrpSpPr>
+      <p:grpSpPr>
+        <a:xfrm>
+          <a:off x="0" y="0"/>
+          <a:ext cx="0" cy="0"/>
+          <a:chOff x="0" y="0"/>
+          <a:chExt cx="0" cy="0"/>
+        </a:xfrm>
+      </p:grpSpPr>
+      <p:sp>
+        <p:nvSpPr>
+          <p:cNvPr id="2" name="Title 1"/>
+          <p:cNvSpPr>
+            <a:spLocks noGrp="1"/>
+          </p:cNvSpPr>
+          <p:nvPr>
+            <p:ph type="title"/>
+          </p:nvPr>
+        </p:nvSpPr>
+        <p:spPr/>
+        <p:txBody>
+          <a:bodyPr/>
+          <a:lstStyle/>
+          <a:p>
+            <a:r>
+              <a:rPr lang="en-US" dirty="0" smtClean="0"/>
+              <a:t>Scope und Context: Quiz (3)</a:t>
+            </a:r>
+            <a:endParaRPr lang="en-US" dirty="0"/>
+          </a:p>
+        </p:txBody>
+      </p:sp>
+      <p:sp>
+        <p:nvSpPr>
+          <p:cNvPr id="13" name="Rectangle 12"/>
+          <p:cNvSpPr/>
+          <p:nvPr/>
+        </p:nvSpPr>
+        <p:spPr>
+          <a:xfrm>
+            <a:off x="370915" y="1416586"/>
+            <a:ext cx="6096000" cy="3139321"/>
+          </a:xfrm>
+          <a:prstGeom prst="rect">
+            <a:avLst/>
+          </a:prstGeom>
+        </p:spPr>
+        <p:txBody>
+          <a:bodyPr>
+            <a:spAutoFit/>
+          </a:bodyPr>
+          <a:lstStyle/>
+          <a:p>
+            <a:r>
+              <a:rPr lang="de-DE" sz="1800" b="1" dirty="0" err="1">
+                <a:solidFill>
+                  <a:srgbClr val="7F0055"/>
+                </a:solidFill>
+                <a:latin typeface="Consolas"/>
+              </a:rPr>
+              <a:t>function</a:t>
+            </a:r>
+            <a:r>
+              <a:rPr lang="de-DE" sz="1800" b="1" dirty="0">
+                <a:solidFill>
+                  <a:srgbClr val="000000"/>
+                </a:solidFill>
+                <a:latin typeface="Consolas"/>
+              </a:rPr>
+              <a:t> </a:t>
+            </a:r>
+            <a:r>
+              <a:rPr lang="de-DE" sz="1800" b="1" dirty="0" err="1">
+                <a:solidFill>
+                  <a:srgbClr val="000000"/>
+                </a:solidFill>
+                <a:latin typeface="Consolas"/>
+              </a:rPr>
+              <a:t>foo</a:t>
+            </a:r>
+            <a:r>
+              <a:rPr lang="de-DE" sz="1800" b="1" dirty="0">
+                <a:solidFill>
+                  <a:srgbClr val="000000"/>
+                </a:solidFill>
+                <a:latin typeface="Consolas"/>
+              </a:rPr>
+              <a:t>(a) {</a:t>
+            </a:r>
+          </a:p>
+          <a:p>
+            <a:r>
+              <a:rPr lang="de-DE" sz="1800" dirty="0" smtClean="0">
+                <a:solidFill>
+                  <a:srgbClr val="000000"/>
+                </a:solidFill>
+                <a:latin typeface="Consolas"/>
+              </a:rPr>
+              <a:t>    a</a:t>
+            </a:r>
+            <a:r>
+              <a:rPr lang="de-DE" sz="1800" dirty="0">
+                <a:solidFill>
+                  <a:srgbClr val="000000"/>
+                </a:solidFill>
+                <a:latin typeface="Consolas"/>
+              </a:rPr>
+              <a:t>();</a:t>
+            </a:r>
+          </a:p>
+          <a:p>
+            <a:r>
+              <a:rPr lang="de-DE" sz="1800" dirty="0">
+                <a:solidFill>
+                  <a:srgbClr val="000000"/>
+                </a:solidFill>
+                <a:latin typeface="Consolas"/>
+              </a:rPr>
+              <a:t>    </a:t>
+            </a:r>
+            <a:r>
+              <a:rPr lang="de-DE" sz="1800" b="1" dirty="0" err="1">
+                <a:solidFill>
+                  <a:srgbClr val="7F0055"/>
+                </a:solidFill>
+                <a:latin typeface="Consolas"/>
+              </a:rPr>
+              <a:t>function</a:t>
+            </a:r>
+            <a:r>
+              <a:rPr lang="de-DE" sz="1800" b="1" dirty="0">
+                <a:solidFill>
+                  <a:srgbClr val="000000"/>
+                </a:solidFill>
+                <a:latin typeface="Consolas"/>
+              </a:rPr>
+              <a:t> a() {</a:t>
+            </a:r>
+          </a:p>
+          <a:p>
+            <a:r>
+              <a:rPr lang="de-DE" sz="1800" dirty="0">
+                <a:solidFill>
+                  <a:srgbClr val="000000"/>
+                </a:solidFill>
+                <a:latin typeface="Consolas"/>
+              </a:rPr>
+              <a:t>        console.log(</a:t>
+            </a:r>
+            <a:r>
+              <a:rPr lang="de-DE" sz="1800" dirty="0">
+                <a:solidFill>
+                  <a:srgbClr val="2A00FF"/>
+                </a:solidFill>
+                <a:latin typeface="Consolas"/>
+              </a:rPr>
+              <a:t>"in a"</a:t>
+            </a:r>
+            <a:r>
+              <a:rPr lang="de-DE" sz="1800" dirty="0">
+                <a:solidFill>
+                  <a:srgbClr val="000000"/>
+                </a:solidFill>
+                <a:latin typeface="Consolas"/>
+              </a:rPr>
+              <a:t>);</a:t>
+            </a:r>
+          </a:p>
+          <a:p>
+            <a:r>
+              <a:rPr lang="de-DE" sz="1800" dirty="0">
+                <a:solidFill>
+                  <a:srgbClr val="000000"/>
+                </a:solidFill>
+                <a:latin typeface="Consolas"/>
+              </a:rPr>
+              <a:t>    }</a:t>
+            </a:r>
+          </a:p>
+          <a:p>
+            <a:r>
+              <a:rPr lang="de-DE" sz="1800" dirty="0" smtClean="0">
+                <a:solidFill>
+                  <a:srgbClr val="000000"/>
+                </a:solidFill>
+                <a:latin typeface="Consolas"/>
+              </a:rPr>
+              <a:t>}</a:t>
+            </a:r>
+          </a:p>
+          <a:p>
+            <a:endParaRPr lang="de-DE" sz="1800" dirty="0">
+              <a:solidFill>
+                <a:srgbClr val="000000"/>
+              </a:solidFill>
+              <a:latin typeface="Consolas"/>
+            </a:endParaRPr>
+          </a:p>
+          <a:p>
+            <a:r>
+              <a:rPr lang="de-DE" sz="1800" dirty="0" err="1">
+                <a:solidFill>
+                  <a:srgbClr val="000000"/>
+                </a:solidFill>
+                <a:latin typeface="Consolas"/>
+              </a:rPr>
+              <a:t>foo</a:t>
+            </a:r>
+            <a:r>
+              <a:rPr lang="de-DE" sz="1800" dirty="0">
+                <a:solidFill>
+                  <a:srgbClr val="000000"/>
+                </a:solidFill>
+                <a:latin typeface="Consolas"/>
+              </a:rPr>
+              <a:t>(</a:t>
+            </a:r>
+            <a:r>
+              <a:rPr lang="de-DE" sz="1800" b="1" dirty="0" err="1">
+                <a:solidFill>
+                  <a:srgbClr val="7F0055"/>
+                </a:solidFill>
+                <a:latin typeface="Consolas"/>
+              </a:rPr>
+              <a:t>function</a:t>
+            </a:r>
+            <a:r>
+              <a:rPr lang="de-DE" sz="1800" b="1" dirty="0">
+                <a:solidFill>
+                  <a:srgbClr val="000000"/>
+                </a:solidFill>
+                <a:latin typeface="Consolas"/>
+              </a:rPr>
+              <a:t>(a) {</a:t>
+            </a:r>
+          </a:p>
+          <a:p>
+            <a:r>
+              <a:rPr lang="de-DE" sz="1800" dirty="0" smtClean="0">
+                <a:solidFill>
+                  <a:srgbClr val="000000"/>
+                </a:solidFill>
+                <a:latin typeface="Consolas"/>
+              </a:rPr>
+              <a:t>    console.log</a:t>
+            </a:r>
+            <a:r>
+              <a:rPr lang="de-DE" sz="1800" dirty="0">
+                <a:solidFill>
+                  <a:srgbClr val="000000"/>
+                </a:solidFill>
+                <a:latin typeface="Consolas"/>
+              </a:rPr>
+              <a:t>(</a:t>
+            </a:r>
+            <a:r>
+              <a:rPr lang="de-DE" sz="1800" dirty="0">
+                <a:solidFill>
+                  <a:srgbClr val="2A00FF"/>
+                </a:solidFill>
+                <a:latin typeface="Consolas"/>
+              </a:rPr>
+              <a:t>"in </a:t>
+            </a:r>
+            <a:r>
+              <a:rPr lang="de-DE" sz="1800" dirty="0" err="1">
+                <a:solidFill>
+                  <a:srgbClr val="2A00FF"/>
+                </a:solidFill>
+                <a:latin typeface="Consolas"/>
+              </a:rPr>
+              <a:t>anonymous</a:t>
+            </a:r>
+            <a:r>
+              <a:rPr lang="de-DE" sz="1800" dirty="0">
+                <a:solidFill>
+                  <a:srgbClr val="2A00FF"/>
+                </a:solidFill>
+                <a:latin typeface="Consolas"/>
+              </a:rPr>
+              <a:t>"</a:t>
+            </a:r>
+            <a:r>
+              <a:rPr lang="de-DE" sz="1800" dirty="0">
+                <a:solidFill>
+                  <a:srgbClr val="000000"/>
+                </a:solidFill>
+                <a:latin typeface="Consolas"/>
+              </a:rPr>
+              <a:t>)</a:t>
+            </a:r>
+          </a:p>
+          <a:p>
+            <a:r>
+              <a:rPr lang="de-DE" sz="1800" dirty="0">
+                <a:solidFill>
+                  <a:srgbClr val="000000"/>
+                </a:solidFill>
+                <a:latin typeface="Consolas"/>
+              </a:rPr>
+              <a:t>});</a:t>
+            </a:r>
+          </a:p>
+          <a:p>
+            <a:endParaRPr lang="de-DE" sz="1800" dirty="0">
+              <a:solidFill>
+                <a:srgbClr val="000000"/>
+              </a:solidFill>
+              <a:latin typeface="Consolas"/>
+            </a:endParaRPr>
+          </a:p>
+        </p:txBody>
+      </p:sp>
+      <p:sp>
+        <p:nvSpPr>
+          <p:cNvPr id="4" name="Rectangle 3"/>
+          <p:cNvSpPr/>
+          <p:nvPr/>
+        </p:nvSpPr>
+        <p:spPr>
+          <a:xfrm>
+            <a:off x="6466915" y="1416586"/>
+            <a:ext cx="6096000" cy="1477328"/>
+          </a:xfrm>
+          <a:prstGeom prst="rect">
+            <a:avLst/>
+          </a:prstGeom>
+        </p:spPr>
+        <p:txBody>
+          <a:bodyPr>
+            <a:spAutoFit/>
+          </a:bodyPr>
+          <a:lstStyle/>
+          <a:p>
+            <a:r>
+              <a:rPr lang="de-DE" sz="1800" dirty="0">
+                <a:solidFill>
+                  <a:srgbClr val="000000"/>
+                </a:solidFill>
+                <a:latin typeface="Consolas"/>
+              </a:rPr>
+              <a:t>(</a:t>
+            </a:r>
+            <a:r>
+              <a:rPr lang="de-DE" sz="1800" b="1" dirty="0" err="1">
+                <a:solidFill>
+                  <a:srgbClr val="7F0055"/>
+                </a:solidFill>
+                <a:latin typeface="Consolas"/>
+              </a:rPr>
+              <a:t>function</a:t>
+            </a:r>
+            <a:r>
+              <a:rPr lang="de-DE" sz="1800" b="1" dirty="0">
+                <a:solidFill>
+                  <a:srgbClr val="000000"/>
+                </a:solidFill>
+                <a:latin typeface="Consolas"/>
+              </a:rPr>
+              <a:t> f(){</a:t>
+            </a:r>
+          </a:p>
+          <a:p>
+            <a:r>
+              <a:rPr lang="de-DE" sz="1800" b="1" dirty="0" smtClean="0">
+                <a:solidFill>
+                  <a:srgbClr val="7F0055"/>
+                </a:solidFill>
+                <a:latin typeface="Consolas"/>
+              </a:rPr>
+              <a:t>    </a:t>
+            </a:r>
+            <a:r>
+              <a:rPr lang="de-DE" sz="1800" b="1" dirty="0" err="1" smtClean="0">
+                <a:solidFill>
+                  <a:srgbClr val="7F0055"/>
+                </a:solidFill>
+                <a:latin typeface="Consolas"/>
+              </a:rPr>
+              <a:t>function</a:t>
+            </a:r>
+            <a:r>
+              <a:rPr lang="de-DE" sz="1800" b="1" dirty="0" smtClean="0">
+                <a:solidFill>
+                  <a:srgbClr val="000000"/>
+                </a:solidFill>
+                <a:latin typeface="Consolas"/>
+              </a:rPr>
+              <a:t> </a:t>
+            </a:r>
+            <a:r>
+              <a:rPr lang="de-DE" sz="1800" b="1" dirty="0">
+                <a:solidFill>
+                  <a:srgbClr val="000000"/>
+                </a:solidFill>
+                <a:latin typeface="Consolas"/>
+              </a:rPr>
+              <a:t>f(){ </a:t>
+            </a:r>
+            <a:r>
+              <a:rPr lang="de-DE" sz="1800" b="1" dirty="0" err="1">
+                <a:solidFill>
+                  <a:srgbClr val="7F0055"/>
+                </a:solidFill>
+                <a:latin typeface="Consolas"/>
+              </a:rPr>
+              <a:t>return</a:t>
+            </a:r>
+            <a:r>
+              <a:rPr lang="de-DE" sz="1800" b="1" dirty="0">
+                <a:solidFill>
+                  <a:srgbClr val="000000"/>
+                </a:solidFill>
+                <a:latin typeface="Consolas"/>
+              </a:rPr>
+              <a:t> 1; }</a:t>
+            </a:r>
+          </a:p>
+          <a:p>
+            <a:r>
+              <a:rPr lang="de-DE" sz="1800" dirty="0">
+                <a:solidFill>
+                  <a:srgbClr val="000000"/>
+                </a:solidFill>
+                <a:latin typeface="Consolas"/>
+              </a:rPr>
+              <a:t>    </a:t>
+            </a:r>
+            <a:r>
+              <a:rPr lang="de-DE" sz="1800" b="1" dirty="0" err="1">
+                <a:solidFill>
+                  <a:srgbClr val="7F0055"/>
+                </a:solidFill>
+                <a:latin typeface="Consolas"/>
+              </a:rPr>
+              <a:t>return</a:t>
+            </a:r>
+            <a:r>
+              <a:rPr lang="de-DE" sz="1800" b="1" dirty="0">
+                <a:solidFill>
+                  <a:srgbClr val="000000"/>
+                </a:solidFill>
+                <a:latin typeface="Consolas"/>
+              </a:rPr>
+              <a:t> f();</a:t>
+            </a:r>
+          </a:p>
+          <a:p>
+            <a:r>
+              <a:rPr lang="de-DE" sz="1800" dirty="0">
+                <a:solidFill>
+                  <a:srgbClr val="000000"/>
+                </a:solidFill>
+                <a:latin typeface="Consolas"/>
+              </a:rPr>
+              <a:t>    </a:t>
+            </a:r>
+            <a:r>
+              <a:rPr lang="de-DE" sz="1800" b="1" dirty="0" err="1">
+                <a:solidFill>
+                  <a:srgbClr val="7F0055"/>
+                </a:solidFill>
+                <a:latin typeface="Consolas"/>
+              </a:rPr>
+              <a:t>function</a:t>
+            </a:r>
+            <a:r>
+              <a:rPr lang="de-DE" sz="1800" b="1" dirty="0">
+                <a:solidFill>
+                  <a:srgbClr val="000000"/>
+                </a:solidFill>
+                <a:latin typeface="Consolas"/>
+              </a:rPr>
+              <a:t> f(){ </a:t>
+            </a:r>
+            <a:r>
+              <a:rPr lang="de-DE" sz="1800" b="1" dirty="0" err="1">
+                <a:solidFill>
+                  <a:srgbClr val="7F0055"/>
+                </a:solidFill>
+                <a:latin typeface="Consolas"/>
+              </a:rPr>
+              <a:t>return</a:t>
+            </a:r>
+            <a:r>
+              <a:rPr lang="de-DE" sz="1800" b="1" dirty="0">
+                <a:solidFill>
+                  <a:srgbClr val="000000"/>
+                </a:solidFill>
+                <a:latin typeface="Consolas"/>
+              </a:rPr>
+              <a:t> 2; }</a:t>
+            </a:r>
+          </a:p>
+          <a:p>
+            <a:r>
+              <a:rPr lang="de-DE" sz="1800" dirty="0">
+                <a:solidFill>
+                  <a:srgbClr val="000000"/>
+                </a:solidFill>
+                <a:latin typeface="Consolas"/>
+              </a:rPr>
+              <a:t>})();</a:t>
+            </a:r>
+          </a:p>
+        </p:txBody>
+      </p:sp>
+    </p:spTree>
+    <p:extLst>
+      <p:ext uri="{BB962C8B-B14F-4D97-AF65-F5344CB8AC3E}">
+        <p14:creationId xmlns:p14="http://schemas.microsoft.com/office/powerpoint/2010/main" val="2177051410"/>
+      </p:ext>
+    </p:extLst>
+  </p:cSld>
+  <p:clrMapOvr>
+    <a:masterClrMapping/>
+  </p:clrMapOvr>
+  <p:transition spd="med"/>
+  <p:timing>
+    <p:tnLst>
+      <p:par>
+        <p:cTn id="1" dur="indefinite" restart="never" nodeType="tmRoot"/>
+      </p:par>
+    </p:tnLst>
+  </p:timing>
+</p:sld>
+</file>
+
+<file path=ppt/slides/slide25.xml><?xml version="1.0" encoding="utf-8"?>
+<p:sld xmlns:a="http://schemas.openxmlformats.org/drawingml/2006/main" xmlns:r="http://schemas.openxmlformats.org/officeDocument/2006/relationships" xmlns:p="http://schemas.openxmlformats.org/presentationml/2006/main">
+  <p:cSld>
+    <p:spTree>
+      <p:nvGrpSpPr>
+        <p:cNvPr id="1" name=""/>
+        <p:cNvGrpSpPr/>
+        <p:nvPr/>
+      </p:nvGrpSpPr>
+      <p:grpSpPr>
+        <a:xfrm>
+          <a:off x="0" y="0"/>
+          <a:ext cx="0" cy="0"/>
+          <a:chOff x="0" y="0"/>
+          <a:chExt cx="0" cy="0"/>
+        </a:xfrm>
+      </p:grpSpPr>
+      <p:sp>
+        <p:nvSpPr>
           <p:cNvPr id="5" name="Title 4"/>
           <p:cNvSpPr>
             <a:spLocks noGrp="1"/>
@@ -20531,7 +22554,7 @@
 </p:sld>
 </file>
 
-<file path=ppt/slides/slide24.xml><?xml version="1.0" encoding="utf-8"?>
+<file path=ppt/slides/slide26.xml><?xml version="1.0" encoding="utf-8"?>
 <p:sld xmlns:a="http://schemas.openxmlformats.org/drawingml/2006/main" xmlns:r="http://schemas.openxmlformats.org/officeDocument/2006/relationships" xmlns:p="http://schemas.openxmlformats.org/presentationml/2006/main" show="0">
   <p:cSld>
     <p:spTree>
@@ -20564,7 +22587,7 @@
 </p:sld>
 </file>
 
-<file path=ppt/slides/slide25.xml><?xml version="1.0" encoding="utf-8"?>
+<file path=ppt/slides/slide27.xml><?xml version="1.0" encoding="utf-8"?>
 <p:sld xmlns:a="http://schemas.openxmlformats.org/drawingml/2006/main" xmlns:r="http://schemas.openxmlformats.org/officeDocument/2006/relationships" xmlns:p="http://schemas.openxmlformats.org/presentationml/2006/main" show="0">
   <p:cSld>
     <p:spTree>
@@ -20590,7 +22613,7 @@
 </p:sld>
 </file>
 
-<file path=ppt/slides/slide26.xml><?xml version="1.0" encoding="utf-8"?>
+<file path=ppt/slides/slide28.xml><?xml version="1.0" encoding="utf-8"?>
 <p:sld xmlns:a="http://schemas.openxmlformats.org/drawingml/2006/main" xmlns:r="http://schemas.openxmlformats.org/officeDocument/2006/relationships" xmlns:p="http://schemas.openxmlformats.org/presentationml/2006/main" show="0">
   <p:cSld>
     <p:spTree>
@@ -23509,7 +25532,15 @@
           <a:p>
             <a:r>
               <a:rPr lang="en-US" dirty="0" err="1" smtClean="0"/>
-              <a:t>Aufgaben</a:t>
+              <a:t>Rekursion</a:t>
+            </a:r>
+            <a:r>
+              <a:rPr lang="en-US" dirty="0" smtClean="0"/>
+              <a:t>: </a:t>
+            </a:r>
+            <a:r>
+              <a:rPr lang="en-US" dirty="0" err="1" smtClean="0"/>
+              <a:t>Übungen</a:t>
             </a:r>
             <a:endParaRPr lang="en-US" dirty="0"/>
           </a:p>

--- a/OllisTeile.pptx
+++ b/OllisTeile.pptx
@@ -163,7 +163,7 @@
   </p:defaultTextStyle>
   <p:extLst>
     <p:ext uri="{EFAFB233-063F-42B5-8137-9DF3F51BA10A}">
-      <p15:sldGuideLst xmlns:p15="http://schemas.microsoft.com/office/powerpoint/2012/main" xmlns="">
+      <p15:sldGuideLst xmlns="" xmlns:p15="http://schemas.microsoft.com/office/powerpoint/2012/main">
         <p15:guide id="1" orient="horz" pos="4118">
           <p15:clr>
             <a:srgbClr val="A4A3A4"/>
@@ -222,7 +222,7 @@
       </p15:sldGuideLst>
     </p:ext>
     <p:ext uri="{2D200454-40CA-4A62-9FC3-DE9A4176ACB9}">
-      <p15:notesGuideLst xmlns:p15="http://schemas.microsoft.com/office/powerpoint/2012/main" xmlns="">
+      <p15:notesGuideLst xmlns="" xmlns:p15="http://schemas.microsoft.com/office/powerpoint/2012/main">
         <p15:guide id="1" orient="horz" pos="3110">
           <p15:clr>
             <a:srgbClr val="A4A3A4"/>
@@ -6687,190 +6687,6 @@
             </a:r>
           </a:p>
           <a:p>
-            <a:r>
-              <a:rPr lang="de-DE" sz="1400" dirty="0" err="1" smtClean="0">
-                <a:solidFill>
-                  <a:srgbClr val="7F0055"/>
-                </a:solidFill>
-                <a:latin typeface="Consolas"/>
-              </a:rPr>
-              <a:t>var</a:t>
-            </a:r>
-            <a:r>
-              <a:rPr lang="de-DE" sz="1400" dirty="0" smtClean="0">
-                <a:solidFill>
-                  <a:srgbClr val="000000"/>
-                </a:solidFill>
-                <a:latin typeface="Consolas"/>
-              </a:rPr>
-              <a:t> </a:t>
-            </a:r>
-            <a:r>
-              <a:rPr lang="de-DE" sz="1400" dirty="0" err="1" smtClean="0">
-                <a:solidFill>
-                  <a:srgbClr val="000000"/>
-                </a:solidFill>
-                <a:latin typeface="Consolas"/>
-              </a:rPr>
-              <a:t>dropdown</a:t>
-            </a:r>
-            <a:r>
-              <a:rPr lang="de-DE" sz="1400" dirty="0" smtClean="0">
-                <a:solidFill>
-                  <a:srgbClr val="000000"/>
-                </a:solidFill>
-                <a:latin typeface="Consolas"/>
-              </a:rPr>
-              <a:t> = </a:t>
-            </a:r>
-            <a:r>
-              <a:rPr lang="de-DE" sz="1400" dirty="0" err="1" smtClean="0">
-                <a:solidFill>
-                  <a:srgbClr val="000000"/>
-                </a:solidFill>
-                <a:latin typeface="Consolas"/>
-              </a:rPr>
-              <a:t>document.getElementById</a:t>
-            </a:r>
-            <a:r>
-              <a:rPr lang="de-DE" sz="1400" dirty="0" smtClean="0">
-                <a:solidFill>
-                  <a:srgbClr val="000000"/>
-                </a:solidFill>
-                <a:latin typeface="Consolas"/>
-              </a:rPr>
-              <a:t>(</a:t>
-            </a:r>
-            <a:r>
-              <a:rPr lang="de-DE" sz="1400" dirty="0" smtClean="0">
-                <a:solidFill>
-                  <a:srgbClr val="2A00FF"/>
-                </a:solidFill>
-                <a:latin typeface="Consolas"/>
-              </a:rPr>
-              <a:t>"</a:t>
-            </a:r>
-            <a:r>
-              <a:rPr lang="de-DE" sz="1400" dirty="0" err="1" smtClean="0">
-                <a:solidFill>
-                  <a:srgbClr val="2A00FF"/>
-                </a:solidFill>
-                <a:latin typeface="Consolas"/>
-              </a:rPr>
-              <a:t>selectAmountSymbols</a:t>
-            </a:r>
-            <a:r>
-              <a:rPr lang="de-DE" sz="1400" dirty="0" smtClean="0">
-                <a:solidFill>
-                  <a:srgbClr val="2A00FF"/>
-                </a:solidFill>
-                <a:latin typeface="Consolas"/>
-              </a:rPr>
-              <a:t>"</a:t>
-            </a:r>
-            <a:r>
-              <a:rPr lang="de-DE" sz="1400" dirty="0" smtClean="0">
-                <a:solidFill>
-                  <a:srgbClr val="000000"/>
-                </a:solidFill>
-                <a:latin typeface="Consolas"/>
-              </a:rPr>
-              <a:t>);</a:t>
-            </a:r>
-          </a:p>
-          <a:p>
-            <a:r>
-              <a:rPr lang="de-DE" sz="1400" dirty="0" err="1" smtClean="0">
-                <a:solidFill>
-                  <a:srgbClr val="7F0055"/>
-                </a:solidFill>
-                <a:latin typeface="Consolas"/>
-              </a:rPr>
-              <a:t>var</a:t>
-            </a:r>
-            <a:r>
-              <a:rPr lang="de-DE" sz="1400" dirty="0" smtClean="0">
-                <a:solidFill>
-                  <a:srgbClr val="000000"/>
-                </a:solidFill>
-                <a:latin typeface="Consolas"/>
-              </a:rPr>
-              <a:t> </a:t>
-            </a:r>
-            <a:r>
-              <a:rPr lang="de-DE" sz="1400" dirty="0" err="1" smtClean="0">
-                <a:solidFill>
-                  <a:srgbClr val="000000"/>
-                </a:solidFill>
-                <a:latin typeface="Consolas"/>
-              </a:rPr>
-              <a:t>symbols</a:t>
-            </a:r>
-            <a:r>
-              <a:rPr lang="de-DE" sz="1400" dirty="0" smtClean="0">
-                <a:solidFill>
-                  <a:srgbClr val="000000"/>
-                </a:solidFill>
-                <a:latin typeface="Consolas"/>
-              </a:rPr>
-              <a:t> = </a:t>
-            </a:r>
-            <a:r>
-              <a:rPr lang="de-DE" sz="1400" dirty="0" err="1" smtClean="0">
-                <a:solidFill>
-                  <a:srgbClr val="000000"/>
-                </a:solidFill>
-                <a:latin typeface="Consolas"/>
-              </a:rPr>
-              <a:t>dropdown.options</a:t>
-            </a:r>
-            <a:r>
-              <a:rPr lang="de-DE" sz="1400" dirty="0" smtClean="0">
-                <a:solidFill>
-                  <a:srgbClr val="000000"/>
-                </a:solidFill>
-                <a:latin typeface="Consolas"/>
-              </a:rPr>
-              <a:t>[</a:t>
-            </a:r>
-            <a:r>
-              <a:rPr lang="de-DE" sz="1400" dirty="0" err="1" smtClean="0">
-                <a:solidFill>
-                  <a:srgbClr val="000000"/>
-                </a:solidFill>
-                <a:latin typeface="Consolas"/>
-              </a:rPr>
-              <a:t>dropdown.selectedIndex</a:t>
-            </a:r>
-            <a:r>
-              <a:rPr lang="de-DE" sz="1400" dirty="0" smtClean="0">
-                <a:solidFill>
-                  <a:srgbClr val="000000"/>
-                </a:solidFill>
-                <a:latin typeface="Consolas"/>
-              </a:rPr>
-              <a:t>].</a:t>
-            </a:r>
-            <a:r>
-              <a:rPr lang="de-DE" sz="1400" dirty="0" err="1" smtClean="0">
-                <a:solidFill>
-                  <a:srgbClr val="000000"/>
-                </a:solidFill>
-                <a:latin typeface="Consolas"/>
-              </a:rPr>
-              <a:t>value</a:t>
-            </a:r>
-            <a:r>
-              <a:rPr lang="de-DE" sz="1400" dirty="0" smtClean="0">
-                <a:solidFill>
-                  <a:srgbClr val="000000"/>
-                </a:solidFill>
-                <a:latin typeface="Consolas"/>
-              </a:rPr>
-              <a:t>;</a:t>
-            </a:r>
-          </a:p>
-          <a:p>
             <a:endParaRPr lang="en-US" dirty="0" smtClean="0"/>
           </a:p>
           <a:p>
@@ -13612,15 +13428,6 @@
               </a:rPr>
               <a:t>Internal</a:t>
             </a:r>
-            <a:endParaRPr kumimoji="0" lang="de-DE" sz="1000" b="0" i="0" u="none" kern="0" baseline="0" dirty="0" smtClean="0">
-              <a:solidFill>
-                <a:srgbClr val="FFFFFF"/>
-              </a:solidFill>
-              <a:latin typeface="Arial"/>
-              <a:ea typeface="Arial Unicode MS"/>
-              <a:cs typeface="Arial Unicode MS" pitchFamily="34" charset="-128"/>
-              <a:sym typeface="Arial"/>
-            </a:endParaRPr>
           </a:p>
         </p:txBody>
       </p:sp>
@@ -16037,7 +15844,7 @@
         <p:spPr>
           <a:xfrm>
             <a:off x="317146" y="2070485"/>
-            <a:ext cx="6096000" cy="3139321"/>
+            <a:ext cx="6096000" cy="3970318"/>
           </a:xfrm>
           <a:prstGeom prst="rect">
             <a:avLst/>
@@ -16130,8 +15937,140 @@
                 </a:solidFill>
                 <a:latin typeface="Consolas"/>
               </a:rPr>
-              <a:t> = 123;</a:t>
-            </a:r>
+              <a:t> = 123</a:t>
+            </a:r>
+            <a:r>
+              <a:rPr lang="de-DE" sz="1800" b="1" dirty="0" smtClean="0">
+                <a:solidFill>
+                  <a:srgbClr val="000000"/>
+                </a:solidFill>
+                <a:latin typeface="Consolas"/>
+              </a:rPr>
+              <a:t>;</a:t>
+            </a:r>
+          </a:p>
+          <a:p>
+            <a:r>
+              <a:rPr lang="de-DE" sz="1800" b="1" dirty="0">
+                <a:solidFill>
+                  <a:srgbClr val="000000"/>
+                </a:solidFill>
+                <a:latin typeface="Consolas"/>
+              </a:rPr>
+              <a:t> </a:t>
+            </a:r>
+            <a:r>
+              <a:rPr lang="de-DE" sz="1800" b="1" dirty="0" smtClean="0">
+                <a:solidFill>
+                  <a:srgbClr val="000000"/>
+                </a:solidFill>
+                <a:latin typeface="Consolas"/>
+              </a:rPr>
+              <a:t>   </a:t>
+            </a:r>
+            <a:r>
+              <a:rPr lang="de-DE" sz="1800" b="1" dirty="0" err="1" smtClean="0">
+                <a:solidFill>
+                  <a:srgbClr val="7F0055"/>
+                </a:solidFill>
+                <a:latin typeface="Consolas"/>
+              </a:rPr>
+              <a:t>function</a:t>
+            </a:r>
+            <a:r>
+              <a:rPr lang="de-DE" sz="1800" b="1" dirty="0" smtClean="0">
+                <a:solidFill>
+                  <a:srgbClr val="7F0055"/>
+                </a:solidFill>
+                <a:latin typeface="Consolas"/>
+              </a:rPr>
+              <a:t> </a:t>
+            </a:r>
+            <a:r>
+              <a:rPr lang="de-DE" sz="1800" b="1" dirty="0" err="1" smtClean="0">
+                <a:solidFill>
+                  <a:srgbClr val="000000"/>
+                </a:solidFill>
+                <a:latin typeface="Consolas"/>
+              </a:rPr>
+              <a:t>privateFunction</a:t>
+            </a:r>
+            <a:r>
+              <a:rPr lang="de-DE" sz="1800" b="1" dirty="0" smtClean="0">
+                <a:solidFill>
+                  <a:srgbClr val="000000"/>
+                </a:solidFill>
+                <a:latin typeface="Consolas"/>
+              </a:rPr>
+              <a:t>() {</a:t>
+            </a:r>
+            <a:br>
+              <a:rPr lang="de-DE" sz="1800" b="1" dirty="0" smtClean="0">
+                <a:solidFill>
+                  <a:srgbClr val="000000"/>
+                </a:solidFill>
+                <a:latin typeface="Consolas"/>
+              </a:rPr>
+            </a:br>
+            <a:r>
+              <a:rPr lang="de-DE" sz="1800" b="1" dirty="0" smtClean="0">
+                <a:solidFill>
+                  <a:srgbClr val="000000"/>
+                </a:solidFill>
+                <a:latin typeface="Consolas"/>
+              </a:rPr>
+              <a:t>        </a:t>
+            </a:r>
+            <a:r>
+              <a:rPr lang="de-DE" sz="1800" dirty="0">
+                <a:solidFill>
+                  <a:srgbClr val="3F7F5F"/>
+                </a:solidFill>
+                <a:latin typeface="Consolas"/>
+              </a:rPr>
+              <a:t>//do </a:t>
+            </a:r>
+            <a:r>
+              <a:rPr lang="de-DE" sz="1800" dirty="0" err="1" smtClean="0">
+                <a:solidFill>
+                  <a:srgbClr val="3F7F5F"/>
+                </a:solidFill>
+                <a:latin typeface="Consolas"/>
+              </a:rPr>
+              <a:t>stuff</a:t>
+            </a:r>
+            <a:r>
+              <a:rPr lang="de-DE" sz="1800" b="1" dirty="0" smtClean="0">
+                <a:solidFill>
+                  <a:srgbClr val="000000"/>
+                </a:solidFill>
+                <a:latin typeface="Consolas"/>
+              </a:rPr>
+              <a:t/>
+            </a:r>
+            <a:br>
+              <a:rPr lang="de-DE" sz="1800" b="1" dirty="0" smtClean="0">
+                <a:solidFill>
+                  <a:srgbClr val="000000"/>
+                </a:solidFill>
+                <a:latin typeface="Consolas"/>
+              </a:rPr>
+            </a:br>
+            <a:r>
+              <a:rPr lang="de-DE" sz="1800" b="1" dirty="0" smtClean="0">
+                <a:solidFill>
+                  <a:srgbClr val="000000"/>
+                </a:solidFill>
+                <a:latin typeface="Consolas"/>
+              </a:rPr>
+              <a:t>    }</a:t>
+            </a:r>
+            <a:endParaRPr lang="de-DE" sz="1800" b="1" dirty="0">
+              <a:solidFill>
+                <a:srgbClr val="000000"/>
+              </a:solidFill>
+              <a:latin typeface="Consolas"/>
+            </a:endParaRPr>
           </a:p>
           <a:p>
             <a:endParaRPr lang="de-DE" sz="1800" dirty="0">
@@ -16476,7 +16415,7 @@
         </p:nvSpPr>
         <p:spPr>
           <a:xfrm>
-            <a:off x="324000" y="1497434"/>
+            <a:off x="324000" y="1261466"/>
             <a:ext cx="11545200" cy="4392043"/>
           </a:xfrm>
         </p:spPr>
@@ -16502,12 +16441,8 @@
               <a:t> </a:t>
             </a:r>
             <a:r>
-              <a:rPr lang="en-US" b="0" dirty="0" err="1" smtClean="0"/>
-              <a:t>eine</a:t>
-            </a:r>
-            <a:r>
               <a:rPr lang="en-US" b="0" dirty="0" smtClean="0"/>
-              <a:t> </a:t>
+              <a:t>die </a:t>
             </a:r>
             <a:r>
               <a:rPr lang="en-US" b="0" dirty="0" err="1" smtClean="0"/>
@@ -16598,10 +16533,6 @@
             <a:r>
               <a:rPr lang="en-US" dirty="0"/>
               <a:t>:</a:t>
-            </a:r>
-            <a:r>
-              <a:rPr lang="en-US" dirty="0"/>
-              <a:t/>
             </a:r>
             <a:br>
               <a:rPr lang="en-US" dirty="0"/>
@@ -16634,19 +16565,15 @@
               <a:t> </a:t>
             </a:r>
             <a:r>
-              <a:rPr lang="en-US" b="0" dirty="0" err="1"/>
-              <a:t>eine</a:t>
-            </a:r>
-            <a:r>
-              <a:rPr lang="en-US" b="0" dirty="0"/>
-              <a:t> </a:t>
-            </a:r>
-            <a:r>
-              <a:rPr lang="en-US" b="0" dirty="0" err="1"/>
+              <a:rPr lang="en-US" b="0" dirty="0" smtClean="0"/>
+              <a:t>die </a:t>
+            </a:r>
+            <a:r>
+              <a:rPr lang="en-US" b="0" dirty="0" err="1" smtClean="0"/>
               <a:t>Funktion</a:t>
             </a:r>
             <a:r>
-              <a:rPr lang="en-US" b="0" dirty="0"/>
+              <a:rPr lang="en-US" b="0" dirty="0" smtClean="0"/>
               <a:t> </a:t>
             </a:r>
             <a:r>
@@ -16897,7 +16824,48 @@
             </a:r>
             <a:r>
               <a:rPr lang="en-US" b="0" dirty="0" smtClean="0"/>
-              <a:t>. </a:t>
+              <a:t> und </a:t>
+            </a:r>
+            <a:r>
+              <a:rPr lang="en-US" b="0" dirty="0" err="1" smtClean="0"/>
+              <a:t>bei</a:t>
+            </a:r>
+            <a:r>
+              <a:rPr lang="en-US" b="0" dirty="0" smtClean="0"/>
+              <a:t> Click auf </a:t>
+            </a:r>
+            <a:r>
+              <a:rPr lang="en-US" sz="1800" b="0" dirty="0" err="1">
+                <a:solidFill>
+                  <a:srgbClr val="000000"/>
+                </a:solidFill>
+                <a:latin typeface="Consolas"/>
+              </a:rPr>
+              <a:t>buttonSortFunctional</a:t>
+            </a:r>
+            <a:r>
+              <a:rPr lang="en-US" b="0" dirty="0" smtClean="0"/>
+              <a:t> </a:t>
+            </a:r>
+            <a:r>
+              <a:rPr lang="en-US" b="0" dirty="0" err="1" smtClean="0"/>
+              <a:t>ausgeführt</a:t>
+            </a:r>
+            <a:r>
+              <a:rPr lang="en-US" b="0" dirty="0" smtClean="0"/>
+              <a:t> </a:t>
+            </a:r>
+            <a:r>
+              <a:rPr lang="en-US" b="0" dirty="0" err="1" smtClean="0"/>
+              <a:t>werden</a:t>
+            </a:r>
+            <a:r>
+              <a:rPr lang="en-US" b="0" dirty="0" smtClean="0"/>
+              <a:t>. . </a:t>
+            </a:r>
+            <a:r>
+              <a:rPr lang="en-US" b="0" dirty="0" smtClean="0"/>
+              <a:t/>
             </a:r>
             <a:br>
               <a:rPr lang="en-US" b="0" dirty="0" smtClean="0"/>
@@ -17182,7 +17150,7 @@
         </p:nvSpPr>
         <p:spPr>
           <a:xfrm>
-            <a:off x="424722" y="2351928"/>
+            <a:off x="424722" y="2101212"/>
             <a:ext cx="6944266" cy="923330"/>
           </a:xfrm>
           <a:prstGeom prst="rect">
@@ -19543,10 +19511,6 @@
               </a:rPr>
               <a:t> </a:t>
             </a:r>
-            <a:endParaRPr lang="de-DE" sz="1800" kern="0" dirty="0" smtClean="0">
-              <a:ea typeface="Arial Unicode MS" pitchFamily="34" charset="-128"/>
-              <a:cs typeface="Arial Unicode MS" pitchFamily="34" charset="-128"/>
-            </a:endParaRPr>
           </a:p>
         </p:txBody>
       </p:sp>
@@ -24328,7 +24292,32 @@
             </a:r>
             <a:r>
               <a:rPr lang="en-US" b="0" dirty="0" smtClean="0"/>
-              <a:t> Event Listener </a:t>
+              <a:t> Event </a:t>
+            </a:r>
+            <a:r>
+              <a:rPr lang="en-US" b="0" dirty="0" smtClean="0"/>
+              <a:t>Listener </a:t>
+            </a:r>
+            <a:r>
+              <a:rPr lang="en-US" b="0" dirty="0" err="1" smtClean="0"/>
+              <a:t>durch</a:t>
+            </a:r>
+            <a:r>
+              <a:rPr lang="en-US" b="0" dirty="0" smtClean="0"/>
+              <a:t> </a:t>
+            </a:r>
+            <a:r>
+              <a:rPr lang="en-US" sz="1800" b="0" dirty="0" err="1">
+                <a:solidFill>
+                  <a:srgbClr val="000000"/>
+                </a:solidFill>
+                <a:latin typeface="Consolas"/>
+              </a:rPr>
+              <a:t>onButtonDateClick</a:t>
+            </a:r>
+            <a:r>
+              <a:rPr lang="en-US" b="0" dirty="0" smtClean="0"/>
+              <a:t>  </a:t>
             </a:r>
             <a:r>
               <a:rPr lang="en-US" b="0" dirty="0" err="1" smtClean="0"/>
@@ -24594,7 +24583,20 @@
             </a:r>
             <a:r>
               <a:rPr lang="de-DE" b="0" dirty="0" smtClean="0"/>
-              <a:t>in script.js einen Event </a:t>
+              <a:t>in </a:t>
+            </a:r>
+            <a:r>
+              <a:rPr lang="de-DE" sz="1800" b="0" dirty="0">
+                <a:solidFill>
+                  <a:srgbClr val="000000"/>
+                </a:solidFill>
+                <a:latin typeface="Consolas"/>
+              </a:rPr>
+              <a:t>script.js</a:t>
+            </a:r>
+            <a:r>
+              <a:rPr lang="de-DE" b="0" dirty="0" smtClean="0"/>
+              <a:t> einen Event </a:t>
             </a:r>
             <a:r>
               <a:rPr lang="de-DE" b="0" dirty="0" err="1" smtClean="0"/>
@@ -24777,6 +24779,266 @@
             <a:r>
               <a:rPr lang="en-US" b="0" dirty="0" smtClean="0"/>
               <a:t>.</a:t>
+            </a:r>
+            <a:br>
+              <a:rPr lang="en-US" b="0" dirty="0" smtClean="0"/>
+            </a:br>
+            <a:r>
+              <a:rPr lang="en-US" dirty="0" err="1" smtClean="0"/>
+              <a:t>Hinweis</a:t>
+            </a:r>
+            <a:r>
+              <a:rPr lang="en-US" dirty="0" smtClean="0"/>
+              <a:t> 3: </a:t>
+            </a:r>
+            <a:r>
+              <a:rPr lang="en-US" b="0" dirty="0" err="1" smtClean="0"/>
+              <a:t>Nutze</a:t>
+            </a:r>
+            <a:r>
+              <a:rPr lang="en-US" b="0" dirty="0" smtClean="0"/>
+              <a:t> </a:t>
+            </a:r>
+            <a:r>
+              <a:rPr lang="en-US" b="0" dirty="0" err="1" smtClean="0"/>
+              <a:t>folgenden</a:t>
+            </a:r>
+            <a:r>
+              <a:rPr lang="en-US" b="0" dirty="0" smtClean="0"/>
+              <a:t> Code, um den </a:t>
+            </a:r>
+            <a:r>
+              <a:rPr lang="en-US" b="0" dirty="0" err="1" smtClean="0"/>
+              <a:t>Inhalt</a:t>
+            </a:r>
+            <a:r>
+              <a:rPr lang="en-US" b="0" dirty="0" smtClean="0"/>
+              <a:t> des Dropdowns </a:t>
+            </a:r>
+            <a:r>
+              <a:rPr lang="en-US" b="0" dirty="0" err="1" smtClean="0"/>
+              <a:t>zu</a:t>
+            </a:r>
+            <a:r>
+              <a:rPr lang="en-US" b="0" dirty="0" smtClean="0"/>
+              <a:t> </a:t>
+            </a:r>
+            <a:r>
+              <a:rPr lang="en-US" b="0" dirty="0" err="1" smtClean="0"/>
+              <a:t>erhalten</a:t>
+            </a:r>
+            <a:r>
+              <a:rPr lang="en-US" b="0" dirty="0" smtClean="0"/>
+              <a:t>.</a:t>
+            </a:r>
+            <a:endParaRPr lang="en-US" b="0" dirty="0" smtClean="0"/>
+          </a:p>
+        </p:txBody>
+      </p:sp>
+      <p:sp>
+        <p:nvSpPr>
+          <p:cNvPr id="5" name="Rectangle 4"/>
+          <p:cNvSpPr/>
+          <p:nvPr/>
+        </p:nvSpPr>
+        <p:spPr>
+          <a:xfrm>
+            <a:off x="365379" y="5785214"/>
+            <a:ext cx="7849470" cy="523220"/>
+          </a:xfrm>
+          <a:prstGeom prst="rect">
+            <a:avLst/>
+          </a:prstGeom>
+        </p:spPr>
+        <p:txBody>
+          <a:bodyPr wrap="square">
+            <a:spAutoFit/>
+          </a:bodyPr>
+          <a:lstStyle/>
+          <a:p>
+            <a:pPr lvl="0"/>
+            <a:r>
+              <a:rPr lang="de-DE" sz="1400" dirty="0" err="1">
+                <a:solidFill>
+                  <a:srgbClr val="7F0055"/>
+                </a:solidFill>
+                <a:latin typeface="Consolas"/>
+              </a:rPr>
+              <a:t>var</a:t>
+            </a:r>
+            <a:r>
+              <a:rPr lang="de-DE" sz="1400" dirty="0">
+                <a:solidFill>
+                  <a:srgbClr val="000000"/>
+                </a:solidFill>
+                <a:latin typeface="Consolas"/>
+              </a:rPr>
+              <a:t> </a:t>
+            </a:r>
+            <a:r>
+              <a:rPr lang="de-DE" sz="1400" dirty="0" err="1">
+                <a:solidFill>
+                  <a:srgbClr val="000000"/>
+                </a:solidFill>
+                <a:latin typeface="Consolas"/>
+              </a:rPr>
+              <a:t>dropdown</a:t>
+            </a:r>
+            <a:r>
+              <a:rPr lang="de-DE" sz="1400" dirty="0">
+                <a:solidFill>
+                  <a:srgbClr val="000000"/>
+                </a:solidFill>
+                <a:latin typeface="Consolas"/>
+              </a:rPr>
+              <a:t> = </a:t>
+            </a:r>
+            <a:r>
+              <a:rPr lang="de-DE" sz="1400" dirty="0" err="1">
+                <a:solidFill>
+                  <a:srgbClr val="000000"/>
+                </a:solidFill>
+                <a:latin typeface="Consolas"/>
+              </a:rPr>
+              <a:t>document.getElementById</a:t>
+            </a:r>
+            <a:r>
+              <a:rPr lang="de-DE" sz="1400" dirty="0">
+                <a:solidFill>
+                  <a:srgbClr val="000000"/>
+                </a:solidFill>
+                <a:latin typeface="Consolas"/>
+              </a:rPr>
+              <a:t>(</a:t>
+            </a:r>
+            <a:r>
+              <a:rPr lang="de-DE" sz="1400" dirty="0">
+                <a:solidFill>
+                  <a:srgbClr val="2A00FF"/>
+                </a:solidFill>
+                <a:latin typeface="Consolas"/>
+              </a:rPr>
+              <a:t>"</a:t>
+            </a:r>
+            <a:r>
+              <a:rPr lang="de-DE" sz="1400" dirty="0" err="1">
+                <a:solidFill>
+                  <a:srgbClr val="2A00FF"/>
+                </a:solidFill>
+                <a:latin typeface="Consolas"/>
+              </a:rPr>
+              <a:t>selectAmountSymbols</a:t>
+            </a:r>
+            <a:r>
+              <a:rPr lang="de-DE" sz="1400" dirty="0">
+                <a:solidFill>
+                  <a:srgbClr val="2A00FF"/>
+                </a:solidFill>
+                <a:latin typeface="Consolas"/>
+              </a:rPr>
+              <a:t>"</a:t>
+            </a:r>
+            <a:r>
+              <a:rPr lang="de-DE" sz="1400" dirty="0">
+                <a:solidFill>
+                  <a:srgbClr val="000000"/>
+                </a:solidFill>
+                <a:latin typeface="Consolas"/>
+              </a:rPr>
+              <a:t>);</a:t>
+            </a:r>
+          </a:p>
+          <a:p>
+            <a:pPr lvl="0"/>
+            <a:r>
+              <a:rPr lang="de-DE" sz="1400" dirty="0" err="1">
+                <a:solidFill>
+                  <a:srgbClr val="7F0055"/>
+                </a:solidFill>
+                <a:latin typeface="Consolas"/>
+              </a:rPr>
+              <a:t>var</a:t>
+            </a:r>
+            <a:r>
+              <a:rPr lang="de-DE" sz="1400" dirty="0">
+                <a:solidFill>
+                  <a:srgbClr val="000000"/>
+                </a:solidFill>
+                <a:latin typeface="Consolas"/>
+              </a:rPr>
+              <a:t> </a:t>
+            </a:r>
+            <a:r>
+              <a:rPr lang="de-DE" sz="1400" dirty="0" err="1">
+                <a:solidFill>
+                  <a:srgbClr val="000000"/>
+                </a:solidFill>
+                <a:latin typeface="Consolas"/>
+              </a:rPr>
+              <a:t>symbols</a:t>
+            </a:r>
+            <a:r>
+              <a:rPr lang="de-DE" sz="1400" dirty="0">
+                <a:solidFill>
+                  <a:srgbClr val="000000"/>
+                </a:solidFill>
+                <a:latin typeface="Consolas"/>
+              </a:rPr>
+              <a:t> = </a:t>
+            </a:r>
+            <a:r>
+              <a:rPr lang="de-DE" sz="1400" dirty="0" err="1">
+                <a:solidFill>
+                  <a:srgbClr val="000000"/>
+                </a:solidFill>
+                <a:latin typeface="Consolas"/>
+              </a:rPr>
+              <a:t>dropdown.options</a:t>
+            </a:r>
+            <a:r>
+              <a:rPr lang="de-DE" sz="1400" dirty="0">
+                <a:solidFill>
+                  <a:srgbClr val="000000"/>
+                </a:solidFill>
+                <a:latin typeface="Consolas"/>
+              </a:rPr>
+              <a:t>[</a:t>
+            </a:r>
+            <a:r>
+              <a:rPr lang="de-DE" sz="1400" dirty="0" err="1">
+                <a:solidFill>
+                  <a:srgbClr val="000000"/>
+                </a:solidFill>
+                <a:latin typeface="Consolas"/>
+              </a:rPr>
+              <a:t>dropdown.selectedIndex</a:t>
+            </a:r>
+            <a:r>
+              <a:rPr lang="de-DE" sz="1400" dirty="0">
+                <a:solidFill>
+                  <a:srgbClr val="000000"/>
+                </a:solidFill>
+                <a:latin typeface="Consolas"/>
+              </a:rPr>
+              <a:t>].</a:t>
+            </a:r>
+            <a:r>
+              <a:rPr lang="de-DE" sz="1400" dirty="0" err="1">
+                <a:solidFill>
+                  <a:srgbClr val="000000"/>
+                </a:solidFill>
+                <a:latin typeface="Consolas"/>
+              </a:rPr>
+              <a:t>value</a:t>
+            </a:r>
+            <a:r>
+              <a:rPr lang="de-DE" sz="1400" dirty="0">
+                <a:solidFill>
+                  <a:srgbClr val="000000"/>
+                </a:solidFill>
+                <a:latin typeface="Consolas"/>
+              </a:rPr>
+              <a:t>;</a:t>
             </a:r>
           </a:p>
         </p:txBody>
@@ -25595,6 +25857,188 @@
               <a:t> in </a:t>
             </a:r>
             <a:r>
+              <a:rPr lang="en-US" b="0" dirty="0" smtClean="0"/>
+              <a:t>der </a:t>
+            </a:r>
+            <a:r>
+              <a:rPr lang="en-US" b="0" dirty="0" err="1" smtClean="0"/>
+              <a:t>Funktion</a:t>
+            </a:r>
+            <a:r>
+              <a:rPr lang="en-US" b="0" dirty="0" smtClean="0"/>
+              <a:t> </a:t>
+            </a:r>
+            <a:r>
+              <a:rPr lang="en-US" sz="1800" b="0" dirty="0" err="1">
+                <a:solidFill>
+                  <a:srgbClr val="000000"/>
+                </a:solidFill>
+                <a:latin typeface="Consolas"/>
+              </a:rPr>
+              <a:t>fibonacci</a:t>
+            </a:r>
+            <a:r>
+              <a:rPr lang="en-US" sz="1800" b="0" dirty="0">
+                <a:solidFill>
+                  <a:srgbClr val="000000"/>
+                </a:solidFill>
+                <a:latin typeface="Consolas"/>
+              </a:rPr>
+              <a:t>(n</a:t>
+            </a:r>
+            <a:r>
+              <a:rPr lang="en-US" b="0" dirty="0" smtClean="0"/>
+              <a:t>),</a:t>
+            </a:r>
+            <a:r>
+              <a:rPr lang="en-US" dirty="0" smtClean="0"/>
+              <a:t/>
+            </a:r>
+            <a:br>
+              <a:rPr lang="en-US" dirty="0" smtClean="0"/>
+            </a:br>
+            <a:r>
+              <a:rPr lang="en-US" dirty="0" err="1" smtClean="0"/>
+              <a:t>Hinweis</a:t>
+            </a:r>
+            <a:r>
+              <a:rPr lang="en-US" dirty="0" smtClean="0"/>
+              <a:t> 1: </a:t>
+            </a:r>
+            <a:r>
+              <a:rPr lang="en-US" b="0" dirty="0" smtClean="0"/>
+              <a:t>f(n) = f(n-1) + f(n-2</a:t>
+            </a:r>
+            <a:r>
+              <a:rPr lang="en-US" b="0" dirty="0" smtClean="0"/>
+              <a:t>)</a:t>
+            </a:r>
+            <a:br>
+              <a:rPr lang="en-US" b="0" dirty="0" smtClean="0"/>
+            </a:br>
+            <a:r>
+              <a:rPr lang="en-US" dirty="0" err="1" smtClean="0"/>
+              <a:t>Hinweis</a:t>
+            </a:r>
+            <a:r>
+              <a:rPr lang="en-US" dirty="0" smtClean="0"/>
+              <a:t> 2:</a:t>
+            </a:r>
+            <a:r>
+              <a:rPr lang="en-US" b="0" dirty="0" smtClean="0"/>
+              <a:t> </a:t>
+            </a:r>
+            <a:r>
+              <a:rPr lang="en-US" b="0" dirty="0" err="1" smtClean="0"/>
+              <a:t>Nutze</a:t>
+            </a:r>
+            <a:r>
+              <a:rPr lang="en-US" b="0" dirty="0" smtClean="0"/>
+              <a:t> die </a:t>
+            </a:r>
+            <a:r>
+              <a:rPr lang="en-US" b="0" dirty="0" err="1" smtClean="0"/>
+              <a:t>Elemente</a:t>
+            </a:r>
+            <a:r>
+              <a:rPr lang="en-US" b="0" dirty="0" smtClean="0"/>
+              <a:t> </a:t>
+            </a:r>
+            <a:r>
+              <a:rPr lang="en-US" sz="1800" b="0" dirty="0" err="1">
+                <a:solidFill>
+                  <a:srgbClr val="000000"/>
+                </a:solidFill>
+                <a:latin typeface="Consolas"/>
+              </a:rPr>
+              <a:t>inputFibonacci</a:t>
+            </a:r>
+            <a:r>
+              <a:rPr lang="en-US" b="0" dirty="0" smtClean="0"/>
+              <a:t> </a:t>
+            </a:r>
+            <a:r>
+              <a:rPr lang="en-US" b="0" dirty="0" err="1" smtClean="0"/>
+              <a:t>bzw</a:t>
+            </a:r>
+            <a:r>
+              <a:rPr lang="en-US" b="0" dirty="0" smtClean="0"/>
+              <a:t>. </a:t>
+            </a:r>
+            <a:r>
+              <a:rPr lang="en-US" sz="1800" b="0" dirty="0" err="1">
+                <a:solidFill>
+                  <a:srgbClr val="000000"/>
+                </a:solidFill>
+                <a:latin typeface="Consolas"/>
+              </a:rPr>
+              <a:t>labelFibonacci</a:t>
+            </a:r>
+            <a:r>
+              <a:rPr lang="en-US" b="0" dirty="0" smtClean="0"/>
+              <a:t> </a:t>
+            </a:r>
+            <a:r>
+              <a:rPr lang="en-US" b="0" dirty="0" err="1" smtClean="0"/>
+              <a:t>für</a:t>
+            </a:r>
+            <a:r>
+              <a:rPr lang="en-US" b="0" dirty="0" smtClean="0"/>
+              <a:t> die </a:t>
+            </a:r>
+            <a:r>
+              <a:rPr lang="en-US" b="0" dirty="0" err="1" smtClean="0"/>
+              <a:t>Ein</a:t>
+            </a:r>
+            <a:r>
+              <a:rPr lang="en-US" b="0" dirty="0" smtClean="0"/>
+              <a:t>- und </a:t>
+            </a:r>
+            <a:r>
+              <a:rPr lang="en-US" b="0" dirty="0" err="1" smtClean="0"/>
+              <a:t>Ausgabe</a:t>
+            </a:r>
+            <a:r>
+              <a:rPr lang="en-US" b="0" dirty="0" smtClean="0"/>
+              <a:t>.</a:t>
+            </a:r>
+            <a:endParaRPr lang="en-US" b="0" dirty="0" smtClean="0"/>
+          </a:p>
+          <a:p>
+            <a:pPr lvl="0"/>
+            <a:r>
+              <a:rPr lang="en-US" dirty="0" err="1" smtClean="0"/>
+              <a:t>Übung</a:t>
+            </a:r>
+            <a:r>
+              <a:rPr lang="en-US" dirty="0" smtClean="0"/>
+              <a:t> 2: </a:t>
+            </a:r>
+            <a:r>
+              <a:rPr lang="en-US" b="0" dirty="0" err="1" smtClean="0"/>
+              <a:t>Implementiere</a:t>
+            </a:r>
+            <a:r>
+              <a:rPr lang="en-US" b="0" dirty="0" smtClean="0"/>
+              <a:t> den </a:t>
+            </a:r>
+            <a:r>
+              <a:rPr lang="en-US" b="0" dirty="0" err="1" smtClean="0"/>
+              <a:t>binären</a:t>
+            </a:r>
+            <a:r>
+              <a:rPr lang="en-US" b="0" dirty="0" smtClean="0"/>
+              <a:t> </a:t>
+            </a:r>
+            <a:r>
+              <a:rPr lang="en-US" b="0" dirty="0" err="1" smtClean="0"/>
+              <a:t>Suchalgorithmus</a:t>
+            </a:r>
+            <a:r>
+              <a:rPr lang="en-US" b="0" dirty="0" smtClean="0"/>
+              <a:t> in </a:t>
+            </a:r>
+            <a:r>
               <a:rPr lang="en-US" b="0" dirty="0" err="1" smtClean="0"/>
               <a:t>einer</a:t>
             </a:r>
@@ -25611,13 +26055,20 @@
               <a:t> </a:t>
             </a:r>
             <a:r>
+              <a:rPr lang="en-US" dirty="0" smtClean="0"/>
+              <a:t/>
+            </a:r>
+            <a:br>
+              <a:rPr lang="en-US" dirty="0" smtClean="0"/>
+            </a:br>
+            <a:r>
               <a:rPr lang="en-US" sz="1800" b="0" dirty="0" err="1">
                 <a:solidFill>
                   <a:srgbClr val="000000"/>
                 </a:solidFill>
                 <a:latin typeface="Consolas"/>
               </a:rPr>
-              <a:t>fibonacci</a:t>
+              <a:t>binarySearch</a:t>
             </a:r>
             <a:r>
               <a:rPr lang="en-US" sz="1800" b="0" dirty="0">
@@ -25626,11 +26077,43 @@
                 </a:solidFill>
                 <a:latin typeface="Consolas"/>
               </a:rPr>
-              <a:t>(n</a:t>
-            </a:r>
-            <a:r>
-              <a:rPr lang="en-US" b="0" dirty="0" smtClean="0"/>
-              <a:t>)</a:t>
+              <a:t>(</a:t>
+            </a:r>
+            <a:r>
+              <a:rPr lang="en-US" sz="1800" b="0" dirty="0" err="1">
+                <a:solidFill>
+                  <a:srgbClr val="000000"/>
+                </a:solidFill>
+                <a:latin typeface="Consolas"/>
+              </a:rPr>
+              <a:t>arr</a:t>
+            </a:r>
+            <a:r>
+              <a:rPr lang="en-US" sz="1800" b="0" dirty="0">
+                <a:solidFill>
+                  <a:srgbClr val="000000"/>
+                </a:solidFill>
+                <a:latin typeface="Consolas"/>
+              </a:rPr>
+              <a:t>, </a:t>
+            </a:r>
+            <a:r>
+              <a:rPr lang="en-US" sz="1800" b="0" dirty="0" err="1">
+                <a:solidFill>
+                  <a:srgbClr val="000000"/>
+                </a:solidFill>
+                <a:latin typeface="Consolas"/>
+              </a:rPr>
+              <a:t>searchValue</a:t>
+            </a:r>
+            <a:r>
+              <a:rPr lang="en-US" sz="1800" b="0" dirty="0">
+                <a:solidFill>
+                  <a:srgbClr val="000000"/>
+                </a:solidFill>
+                <a:latin typeface="Consolas"/>
+              </a:rPr>
+              <a:t>, low, high)</a:t>
             </a:r>
             <a:r>
               <a:rPr lang="en-US" dirty="0" smtClean="0"/>
@@ -25645,138 +26128,7 @@
             </a:r>
             <a:r>
               <a:rPr lang="en-US" dirty="0" smtClean="0"/>
-              <a:t>: </a:t>
-            </a:r>
-            <a:r>
-              <a:rPr lang="en-US" b="0" dirty="0" smtClean="0"/>
-              <a:t>f(n) = f(n-1) + f(n-2)</a:t>
-            </a:r>
-          </a:p>
-          <a:p>
-            <a:pPr lvl="0"/>
-            <a:r>
-              <a:rPr lang="en-US" dirty="0" err="1" smtClean="0"/>
-              <a:t>Übung</a:t>
-            </a:r>
-            <a:r>
-              <a:rPr lang="en-US" dirty="0" smtClean="0"/>
-              <a:t> 2: </a:t>
-            </a:r>
-            <a:r>
-              <a:rPr lang="en-US" b="0" dirty="0" err="1" smtClean="0"/>
-              <a:t>Implementiere</a:t>
-            </a:r>
-            <a:r>
-              <a:rPr lang="en-US" b="0" dirty="0" smtClean="0"/>
-              <a:t> den </a:t>
-            </a:r>
-            <a:r>
-              <a:rPr lang="en-US" b="0" dirty="0" err="1" smtClean="0"/>
-              <a:t>binären</a:t>
-            </a:r>
-            <a:r>
-              <a:rPr lang="en-US" b="0" dirty="0" smtClean="0"/>
-              <a:t> </a:t>
-            </a:r>
-            <a:r>
-              <a:rPr lang="en-US" b="0" dirty="0" err="1" smtClean="0"/>
-              <a:t>Suchalgorithmus</a:t>
-            </a:r>
-            <a:r>
-              <a:rPr lang="en-US" b="0" dirty="0" smtClean="0"/>
-              <a:t> in </a:t>
-            </a:r>
-            <a:r>
-              <a:rPr lang="en-US" b="0" dirty="0" err="1" smtClean="0"/>
-              <a:t>einer</a:t>
-            </a:r>
-            <a:r>
-              <a:rPr lang="en-US" b="0" dirty="0" smtClean="0"/>
-              <a:t> </a:t>
-            </a:r>
-            <a:r>
-              <a:rPr lang="en-US" b="0" dirty="0" err="1" smtClean="0"/>
-              <a:t>Funktion</a:t>
-            </a:r>
-            <a:r>
-              <a:rPr lang="en-US" b="0" dirty="0" smtClean="0"/>
-              <a:t> </a:t>
-            </a:r>
-            <a:r>
-              <a:rPr lang="en-US" dirty="0" smtClean="0"/>
-              <a:t/>
-            </a:r>
-            <a:br>
-              <a:rPr lang="en-US" dirty="0" smtClean="0"/>
-            </a:br>
-            <a:r>
-              <a:rPr lang="en-US" sz="1800" b="0" dirty="0" err="1">
-                <a:solidFill>
-                  <a:srgbClr val="000000"/>
-                </a:solidFill>
-                <a:latin typeface="Consolas"/>
-              </a:rPr>
-              <a:t>binarySearch</a:t>
-            </a:r>
-            <a:r>
-              <a:rPr lang="en-US" sz="1800" b="0" dirty="0">
-                <a:solidFill>
-                  <a:srgbClr val="000000"/>
-                </a:solidFill>
-                <a:latin typeface="Consolas"/>
-              </a:rPr>
-              <a:t>(</a:t>
-            </a:r>
-            <a:r>
-              <a:rPr lang="en-US" sz="1800" b="0" dirty="0" err="1">
-                <a:solidFill>
-                  <a:srgbClr val="000000"/>
-                </a:solidFill>
-                <a:latin typeface="Consolas"/>
-              </a:rPr>
-              <a:t>arr</a:t>
-            </a:r>
-            <a:r>
-              <a:rPr lang="en-US" sz="1800" b="0" dirty="0">
-                <a:solidFill>
-                  <a:srgbClr val="000000"/>
-                </a:solidFill>
-                <a:latin typeface="Consolas"/>
-              </a:rPr>
-              <a:t>, </a:t>
-            </a:r>
-            <a:r>
-              <a:rPr lang="en-US" sz="1800" b="0" dirty="0" err="1">
-                <a:solidFill>
-                  <a:srgbClr val="000000"/>
-                </a:solidFill>
-                <a:latin typeface="Consolas"/>
-              </a:rPr>
-              <a:t>searchValue</a:t>
-            </a:r>
-            <a:r>
-              <a:rPr lang="en-US" sz="1800" b="0" dirty="0">
-                <a:solidFill>
-                  <a:srgbClr val="000000"/>
-                </a:solidFill>
-                <a:latin typeface="Consolas"/>
-              </a:rPr>
-              <a:t>, low, high)</a:t>
-            </a:r>
-            <a:r>
-              <a:rPr lang="en-US" dirty="0" smtClean="0"/>
-              <a:t/>
-            </a:r>
-            <a:br>
-              <a:rPr lang="en-US" dirty="0" smtClean="0"/>
-            </a:br>
-            <a:r>
-              <a:rPr lang="en-US" dirty="0" err="1" smtClean="0"/>
-              <a:t>Hinweis</a:t>
-            </a:r>
-            <a:r>
-              <a:rPr lang="en-US" dirty="0" smtClean="0"/>
-              <a:t>: </a:t>
+              <a:t> 1: </a:t>
             </a:r>
             <a:r>
               <a:rPr lang="en-US" b="0" dirty="0" err="1" smtClean="0"/>
@@ -26209,7 +26561,7 @@
   <a:extraClrSchemeLst/>
   <a:extLst>
     <a:ext uri="{05A4C25C-085E-4340-85A3-A5531E510DB2}">
-      <thm15:themeFamily xmlns:thm15="http://schemas.microsoft.com/office/thememl/2012/main" xmlns="" name="SAP_2015_16x9.pptx" id="{5F0E35BB-9363-4F64-BEA2-B70C65D49640}" vid="{DF215BA7-692B-4843-BF39-AC44F52AD0E9}"/>
+      <thm15:themeFamily xmlns="" xmlns:thm15="http://schemas.microsoft.com/office/thememl/2012/main" name="SAP_2015_16x9.pptx" id="{5F0E35BB-9363-4F64-BEA2-B70C65D49640}" vid="{DF215BA7-692B-4843-BF39-AC44F52AD0E9}"/>
     </a:ext>
   </a:extLst>
 </a:theme>

--- a/OllisTeile.pptx
+++ b/OllisTeile.pptx
@@ -5,10 +5,10 @@
     <p:sldMasterId id="2147483660" r:id="rId1"/>
   </p:sldMasterIdLst>
   <p:notesMasterIdLst>
-    <p:notesMasterId r:id="rId30"/>
+    <p:notesMasterId r:id="rId33"/>
   </p:notesMasterIdLst>
   <p:handoutMasterIdLst>
-    <p:handoutMasterId r:id="rId31"/>
+    <p:handoutMasterId r:id="rId34"/>
   </p:handoutMasterIdLst>
   <p:sldIdLst>
     <p:sldId id="353" r:id="rId2"/>
@@ -35,10 +35,13 @@
     <p:sldId id="383" r:id="rId23"/>
     <p:sldId id="384" r:id="rId24"/>
     <p:sldId id="385" r:id="rId25"/>
-    <p:sldId id="310" r:id="rId26"/>
-    <p:sldId id="265" r:id="rId27"/>
-    <p:sldId id="339" r:id="rId28"/>
-    <p:sldId id="346" r:id="rId29"/>
+    <p:sldId id="386" r:id="rId26"/>
+    <p:sldId id="387" r:id="rId27"/>
+    <p:sldId id="388" r:id="rId28"/>
+    <p:sldId id="310" r:id="rId29"/>
+    <p:sldId id="265" r:id="rId30"/>
+    <p:sldId id="339" r:id="rId31"/>
+    <p:sldId id="346" r:id="rId32"/>
   </p:sldIdLst>
   <p:sldSz cx="12195175" cy="6859588"/>
   <p:notesSz cx="6797675" cy="9874250"/>
@@ -163,7 +166,7 @@
   </p:defaultTextStyle>
   <p:extLst>
     <p:ext uri="{EFAFB233-063F-42B5-8137-9DF3F51BA10A}">
-      <p15:sldGuideLst xmlns="" xmlns:p15="http://schemas.microsoft.com/office/powerpoint/2012/main">
+      <p15:sldGuideLst xmlns:p15="http://schemas.microsoft.com/office/powerpoint/2012/main" xmlns="">
         <p15:guide id="1" orient="horz" pos="4118">
           <p15:clr>
             <a:srgbClr val="A4A3A4"/>
@@ -222,7 +225,7 @@
       </p15:sldGuideLst>
     </p:ext>
     <p:ext uri="{2D200454-40CA-4A62-9FC3-DE9A4176ACB9}">
-      <p15:notesGuideLst xmlns="" xmlns:p15="http://schemas.microsoft.com/office/powerpoint/2012/main">
+      <p15:notesGuideLst xmlns:p15="http://schemas.microsoft.com/office/powerpoint/2012/main" xmlns="">
         <p15:guide id="1" orient="horz" pos="3110">
           <p15:clr>
             <a:srgbClr val="A4A3A4"/>
@@ -297,7 +300,7 @@
             <a:fld id="{47855BD9-AF71-426C-9B9B-B0E52B88852E}" type="slidenum">
               <a:rPr lang="de-DE" sz="1000" smtClean="0"/>
               <a:pPr algn="ctr"/>
-              <a:t>‹#›</a:t>
+              <a:t>‹Nr.›</a:t>
             </a:fld>
             <a:endParaRPr lang="de-DE" sz="1000" dirty="0"/>
           </a:p>
@@ -446,7 +449,7 @@
             <a:fld id="{7D8C2C35-2B8A-446E-BEC0-FD36716C29AC}" type="slidenum">
               <a:rPr lang="de-DE" smtClean="0"/>
               <a:pPr/>
-              <a:t>‹#›</a:t>
+              <a:t>‹Nr.›</a:t>
             </a:fld>
             <a:endParaRPr lang="de-DE" dirty="0"/>
           </a:p>
@@ -4807,6 +4810,263 @@
       </p:grpSpPr>
       <p:sp>
         <p:nvSpPr>
+          <p:cNvPr id="2" name="Slide Image Placeholder 1"/>
+          <p:cNvSpPr>
+            <a:spLocks noGrp="1" noRot="1" noChangeAspect="1"/>
+          </p:cNvSpPr>
+          <p:nvPr>
+            <p:ph type="sldImg"/>
+          </p:nvPr>
+        </p:nvSpPr>
+        <p:spPr/>
+      </p:sp>
+      <p:sp>
+        <p:nvSpPr>
+          <p:cNvPr id="3" name="Notes Placeholder 2"/>
+          <p:cNvSpPr>
+            <a:spLocks noGrp="1"/>
+          </p:cNvSpPr>
+          <p:nvPr>
+            <p:ph type="body" idx="1"/>
+          </p:nvPr>
+        </p:nvSpPr>
+        <p:spPr/>
+        <p:txBody>
+          <a:bodyPr/>
+          <a:lstStyle/>
+          <a:p>
+            <a:r>
+              <a:rPr lang="en-US" dirty="0" err="1" smtClean="0"/>
+              <a:t>Hier</a:t>
+            </a:r>
+            <a:r>
+              <a:rPr lang="en-US" baseline="0" dirty="0" smtClean="0"/>
+              <a:t> </a:t>
+            </a:r>
+            <a:r>
+              <a:rPr lang="en-US" baseline="0" dirty="0" err="1" smtClean="0"/>
+              <a:t>gehen</a:t>
+            </a:r>
+            <a:r>
+              <a:rPr lang="en-US" baseline="0" dirty="0" smtClean="0"/>
+              <a:t> </a:t>
+            </a:r>
+            <a:r>
+              <a:rPr lang="en-US" baseline="0" dirty="0" err="1" smtClean="0"/>
+              <a:t>wir</a:t>
+            </a:r>
+            <a:r>
+              <a:rPr lang="en-US" baseline="0" dirty="0" smtClean="0"/>
+              <a:t> </a:t>
+            </a:r>
+            <a:r>
+              <a:rPr lang="en-US" baseline="0" dirty="0" err="1" smtClean="0"/>
+              <a:t>WebSockets</a:t>
+            </a:r>
+            <a:r>
+              <a:rPr lang="en-US" baseline="0" dirty="0" smtClean="0"/>
+              <a:t> </a:t>
+            </a:r>
+            <a:r>
+              <a:rPr lang="en-US" baseline="0" dirty="0" err="1" smtClean="0"/>
+              <a:t>ein</a:t>
+            </a:r>
+            <a:r>
+              <a:rPr lang="en-US" baseline="0" dirty="0" smtClean="0"/>
+              <a:t>, </a:t>
+            </a:r>
+            <a:r>
+              <a:rPr lang="en-US" baseline="0" dirty="0" err="1" smtClean="0"/>
+              <a:t>einer</a:t>
+            </a:r>
+            <a:r>
+              <a:rPr lang="en-US" baseline="0" dirty="0" smtClean="0"/>
+              <a:t> </a:t>
+            </a:r>
+            <a:r>
+              <a:rPr lang="en-US" baseline="0" dirty="0" err="1" smtClean="0"/>
+              <a:t>neuen</a:t>
+            </a:r>
+            <a:r>
+              <a:rPr lang="en-US" baseline="0" dirty="0" smtClean="0"/>
+              <a:t>  </a:t>
+            </a:r>
+            <a:r>
+              <a:rPr lang="en-US" baseline="0" dirty="0" err="1" smtClean="0"/>
+              <a:t>Technologie</a:t>
+            </a:r>
+            <a:r>
+              <a:rPr lang="en-US" baseline="0" dirty="0" smtClean="0"/>
+              <a:t> </a:t>
+            </a:r>
+            <a:r>
+              <a:rPr lang="en-US" baseline="0" dirty="0" err="1" smtClean="0"/>
+              <a:t>im</a:t>
+            </a:r>
+            <a:r>
+              <a:rPr lang="en-US" baseline="0" dirty="0" smtClean="0"/>
+              <a:t> </a:t>
+            </a:r>
+            <a:r>
+              <a:rPr lang="en-US" baseline="0" dirty="0" err="1" smtClean="0"/>
+              <a:t>gehypden</a:t>
+            </a:r>
+            <a:r>
+              <a:rPr lang="en-US" baseline="0" dirty="0" smtClean="0"/>
+              <a:t> HTML5</a:t>
+            </a:r>
+          </a:p>
+          <a:p>
+            <a:endParaRPr lang="en-US" baseline="0" dirty="0" smtClean="0"/>
+          </a:p>
+          <a:p>
+            <a:r>
+              <a:rPr lang="en-US" baseline="0" dirty="0" err="1" smtClean="0"/>
+              <a:t>Bevor</a:t>
+            </a:r>
+            <a:r>
+              <a:rPr lang="en-US" baseline="0" dirty="0" smtClean="0"/>
+              <a:t> </a:t>
+            </a:r>
+            <a:r>
+              <a:rPr lang="en-US" baseline="0" dirty="0" err="1" smtClean="0"/>
+              <a:t>wir</a:t>
+            </a:r>
+            <a:r>
+              <a:rPr lang="en-US" baseline="0" dirty="0" smtClean="0"/>
+              <a:t> </a:t>
+            </a:r>
+            <a:r>
+              <a:rPr lang="en-US" baseline="0" dirty="0" err="1" smtClean="0"/>
+              <a:t>anfangen</a:t>
+            </a:r>
+            <a:r>
+              <a:rPr lang="en-US" baseline="0" dirty="0" smtClean="0"/>
+              <a:t>, hat </a:t>
+            </a:r>
+            <a:r>
+              <a:rPr lang="en-US" baseline="0" dirty="0" err="1" smtClean="0"/>
+              <a:t>schonmal</a:t>
+            </a:r>
+            <a:r>
+              <a:rPr lang="en-US" baseline="0" dirty="0" smtClean="0"/>
+              <a:t> </a:t>
+            </a:r>
+            <a:r>
+              <a:rPr lang="en-US" baseline="0" dirty="0" err="1" smtClean="0"/>
+              <a:t>wer</a:t>
+            </a:r>
+            <a:r>
+              <a:rPr lang="en-US" baseline="0" dirty="0" smtClean="0"/>
+              <a:t> Java </a:t>
+            </a:r>
+            <a:r>
+              <a:rPr lang="en-US" baseline="0" dirty="0" err="1" smtClean="0"/>
+              <a:t>gemacht</a:t>
+            </a:r>
+            <a:r>
+              <a:rPr lang="en-US" baseline="0" dirty="0" smtClean="0"/>
+              <a:t>?</a:t>
+            </a:r>
+            <a:br>
+              <a:rPr lang="en-US" baseline="0" dirty="0" smtClean="0"/>
+            </a:br>
+            <a:r>
+              <a:rPr lang="en-US" baseline="0" dirty="0" smtClean="0"/>
+              <a:t>Und da Sockets </a:t>
+            </a:r>
+            <a:r>
+              <a:rPr lang="en-US" baseline="0" dirty="0" err="1" smtClean="0"/>
+              <a:t>gemacht</a:t>
+            </a:r>
+            <a:r>
+              <a:rPr lang="en-US" baseline="0" dirty="0" smtClean="0"/>
+              <a:t>?</a:t>
+            </a:r>
+          </a:p>
+          <a:p>
+            <a:r>
+              <a:rPr lang="en-US" baseline="0" dirty="0" smtClean="0"/>
+              <a:t>Was war </a:t>
+            </a:r>
+            <a:r>
+              <a:rPr lang="en-US" baseline="0" dirty="0" err="1" smtClean="0"/>
+              <a:t>bei</a:t>
+            </a:r>
+            <a:r>
+              <a:rPr lang="en-US" baseline="0" dirty="0" smtClean="0"/>
+              <a:t> den Sockets der </a:t>
+            </a:r>
+            <a:r>
+              <a:rPr lang="en-US" baseline="0" dirty="0" err="1" smtClean="0"/>
+              <a:t>Unterschied</a:t>
+            </a:r>
+            <a:r>
+              <a:rPr lang="en-US" baseline="0" dirty="0" smtClean="0"/>
+              <a:t> </a:t>
+            </a:r>
+            <a:r>
+              <a:rPr lang="en-US" baseline="0" dirty="0" err="1" smtClean="0"/>
+              <a:t>zu</a:t>
+            </a:r>
+            <a:r>
+              <a:rPr lang="en-US" baseline="0" dirty="0" smtClean="0"/>
+              <a:t> </a:t>
+            </a:r>
+            <a:r>
+              <a:rPr lang="en-US" baseline="0" dirty="0" err="1" smtClean="0"/>
+              <a:t>dem</a:t>
+            </a:r>
+            <a:r>
+              <a:rPr lang="en-US" baseline="0" dirty="0" smtClean="0"/>
+              <a:t> was </a:t>
+            </a:r>
+            <a:r>
+              <a:rPr lang="en-US" baseline="0" dirty="0" err="1" smtClean="0"/>
+              <a:t>wir</a:t>
+            </a:r>
+            <a:r>
+              <a:rPr lang="en-US" baseline="0" dirty="0" smtClean="0"/>
+              <a:t> </a:t>
+            </a:r>
+            <a:r>
+              <a:rPr lang="en-US" baseline="0" dirty="0" err="1" smtClean="0"/>
+              <a:t>vorhin</a:t>
+            </a:r>
+            <a:r>
+              <a:rPr lang="en-US" baseline="0" dirty="0" smtClean="0"/>
+              <a:t> </a:t>
+            </a:r>
+            <a:r>
+              <a:rPr lang="en-US" baseline="0" dirty="0" err="1" smtClean="0"/>
+              <a:t>mit</a:t>
+            </a:r>
+            <a:r>
+              <a:rPr lang="en-US" baseline="0" dirty="0" smtClean="0"/>
+              <a:t> AJAX </a:t>
+            </a:r>
+            <a:r>
+              <a:rPr lang="en-US" baseline="0" dirty="0" err="1" smtClean="0"/>
+              <a:t>gemacht</a:t>
+            </a:r>
+            <a:r>
+              <a:rPr lang="en-US" baseline="0" dirty="0" smtClean="0"/>
+              <a:t> </a:t>
+            </a:r>
+            <a:r>
+              <a:rPr lang="en-US" baseline="0" dirty="0" err="1" smtClean="0"/>
+              <a:t>haben</a:t>
+            </a:r>
+            <a:r>
+              <a:rPr lang="en-US" baseline="0" dirty="0" smtClean="0"/>
+              <a:t>?</a:t>
+            </a:r>
+            <a:endParaRPr lang="en-US" dirty="0"/>
+          </a:p>
+        </p:txBody>
+      </p:sp>
+      <p:sp>
+        <p:nvSpPr>
           <p:cNvPr id="4" name="Slide Number Placeholder 3"/>
           <p:cNvSpPr>
             <a:spLocks noGrp="1"/>
@@ -4821,49 +5081,18 @@
           <a:lstStyle/>
           <a:p>
             <a:fld id="{7D8C2C35-2B8A-446E-BEC0-FD36716C29AC}" type="slidenum">
-              <a:rPr lang="en-US" smtClean="0"/>
+              <a:rPr lang="de-DE" smtClean="0"/>
               <a:pPr/>
               <a:t>25</a:t>
             </a:fld>
-            <a:endParaRPr lang="en-US" dirty="0"/>
-          </a:p>
-        </p:txBody>
-      </p:sp>
-      <p:sp>
-        <p:nvSpPr>
-          <p:cNvPr id="3" name="Slide Image Placeholder 2"/>
-          <p:cNvSpPr>
-            <a:spLocks noGrp="1" noRot="1" noChangeAspect="1"/>
-          </p:cNvSpPr>
-          <p:nvPr>
-            <p:ph type="sldImg"/>
-          </p:nvPr>
-        </p:nvSpPr>
-        <p:spPr/>
-      </p:sp>
-      <p:sp>
-        <p:nvSpPr>
-          <p:cNvPr id="5" name="Notes Placeholder 4"/>
-          <p:cNvSpPr>
-            <a:spLocks noGrp="1"/>
-          </p:cNvSpPr>
-          <p:nvPr>
-            <p:ph type="body" idx="1"/>
-          </p:nvPr>
-        </p:nvSpPr>
-        <p:spPr/>
-        <p:txBody>
-          <a:bodyPr/>
-          <a:lstStyle/>
-          <a:p>
-            <a:endParaRPr lang="en-US"/>
+            <a:endParaRPr lang="de-DE" dirty="0"/>
           </a:p>
         </p:txBody>
       </p:sp>
     </p:spTree>
     <p:extLst>
       <p:ext uri="{BB962C8B-B14F-4D97-AF65-F5344CB8AC3E}">
-        <p14:creationId xmlns:p14="http://schemas.microsoft.com/office/powerpoint/2010/main" val="4081931190"/>
+        <p14:creationId xmlns:p14="http://schemas.microsoft.com/office/powerpoint/2010/main" val="99787737"/>
       </p:ext>
     </p:extLst>
   </p:cSld>
@@ -4941,14 +5170,114 @@
           <a:bodyPr/>
           <a:lstStyle/>
           <a:p>
-            <a:endParaRPr lang="en-US"/>
+            <a:r>
+              <a:rPr lang="en-US" dirty="0" err="1" smtClean="0"/>
+              <a:t>Asynchron</a:t>
+            </a:r>
+            <a:r>
+              <a:rPr lang="en-US" dirty="0" smtClean="0"/>
+              <a:t>, </a:t>
+            </a:r>
+            <a:r>
+              <a:rPr lang="en-US" dirty="0" err="1" smtClean="0"/>
+              <a:t>d.h</a:t>
+            </a:r>
+            <a:r>
+              <a:rPr lang="en-US" dirty="0" smtClean="0"/>
+              <a:t>. </a:t>
+            </a:r>
+            <a:r>
+              <a:rPr lang="en-US" dirty="0" err="1" smtClean="0"/>
+              <a:t>es</a:t>
+            </a:r>
+            <a:r>
+              <a:rPr lang="en-US" dirty="0" smtClean="0"/>
+              <a:t> </a:t>
+            </a:r>
+            <a:r>
+              <a:rPr lang="en-US" dirty="0" err="1" smtClean="0"/>
+              <a:t>blockiert</a:t>
+            </a:r>
+            <a:r>
+              <a:rPr lang="en-US" dirty="0" smtClean="0"/>
+              <a:t> </a:t>
+            </a:r>
+            <a:r>
+              <a:rPr lang="en-US" dirty="0" err="1" smtClean="0"/>
+              <a:t>nicht</a:t>
+            </a:r>
+            <a:r>
+              <a:rPr lang="en-US" dirty="0" smtClean="0"/>
+              <a:t> die </a:t>
+            </a:r>
+            <a:r>
+              <a:rPr lang="en-US" dirty="0" err="1" smtClean="0"/>
+              <a:t>ganze</a:t>
+            </a:r>
+            <a:r>
+              <a:rPr lang="en-US" dirty="0" smtClean="0"/>
+              <a:t> </a:t>
+            </a:r>
+            <a:r>
+              <a:rPr lang="en-US" dirty="0" err="1" smtClean="0"/>
+              <a:t>Webseite</a:t>
+            </a:r>
+            <a:r>
+              <a:rPr lang="en-US" dirty="0" smtClean="0"/>
+              <a:t> </a:t>
+            </a:r>
+            <a:r>
+              <a:rPr lang="en-US" dirty="0" err="1" smtClean="0"/>
+              <a:t>wie</a:t>
+            </a:r>
+            <a:r>
+              <a:rPr lang="en-US" dirty="0" smtClean="0"/>
+              <a:t> </a:t>
+            </a:r>
+            <a:r>
+              <a:rPr lang="en-US" dirty="0" err="1" smtClean="0"/>
+              <a:t>bei</a:t>
+            </a:r>
+            <a:r>
+              <a:rPr lang="en-US" dirty="0" smtClean="0"/>
+              <a:t> Java </a:t>
+            </a:r>
+            <a:r>
+              <a:rPr lang="en-US" dirty="0" err="1" smtClean="0"/>
+              <a:t>wenn</a:t>
+            </a:r>
+            <a:r>
+              <a:rPr lang="en-US" dirty="0" smtClean="0"/>
+              <a:t> man auf </a:t>
+            </a:r>
+            <a:r>
+              <a:rPr lang="en-US" dirty="0" err="1" smtClean="0"/>
+              <a:t>eine</a:t>
+            </a:r>
+            <a:r>
+              <a:rPr lang="en-US" dirty="0" smtClean="0"/>
+              <a:t> </a:t>
+            </a:r>
+            <a:r>
+              <a:rPr lang="en-US" dirty="0" err="1" smtClean="0"/>
+              <a:t>Antwort</a:t>
+            </a:r>
+            <a:r>
+              <a:rPr lang="en-US" dirty="0" smtClean="0"/>
+              <a:t> </a:t>
+            </a:r>
+            <a:r>
+              <a:rPr lang="en-US" dirty="0" err="1" smtClean="0"/>
+              <a:t>wartet</a:t>
+            </a:r>
+            <a:endParaRPr lang="en-US" dirty="0"/>
           </a:p>
         </p:txBody>
       </p:sp>
     </p:spTree>
     <p:extLst>
       <p:ext uri="{BB962C8B-B14F-4D97-AF65-F5344CB8AC3E}">
-        <p14:creationId xmlns:p14="http://schemas.microsoft.com/office/powerpoint/2010/main" val="1658375274"/>
+        <p14:creationId xmlns:p14="http://schemas.microsoft.com/office/powerpoint/2010/main" val="2312615371"/>
       </p:ext>
     </p:extLst>
   </p:cSld>
@@ -5026,14 +5355,114 @@
           <a:bodyPr/>
           <a:lstStyle/>
           <a:p>
-            <a:endParaRPr lang="en-US"/>
+            <a:r>
+              <a:rPr lang="en-US" dirty="0" err="1" smtClean="0"/>
+              <a:t>Asynchron</a:t>
+            </a:r>
+            <a:r>
+              <a:rPr lang="en-US" dirty="0" smtClean="0"/>
+              <a:t>, </a:t>
+            </a:r>
+            <a:r>
+              <a:rPr lang="en-US" dirty="0" err="1" smtClean="0"/>
+              <a:t>d.h</a:t>
+            </a:r>
+            <a:r>
+              <a:rPr lang="en-US" dirty="0" smtClean="0"/>
+              <a:t>. </a:t>
+            </a:r>
+            <a:r>
+              <a:rPr lang="en-US" dirty="0" err="1" smtClean="0"/>
+              <a:t>es</a:t>
+            </a:r>
+            <a:r>
+              <a:rPr lang="en-US" dirty="0" smtClean="0"/>
+              <a:t> </a:t>
+            </a:r>
+            <a:r>
+              <a:rPr lang="en-US" dirty="0" err="1" smtClean="0"/>
+              <a:t>blockiert</a:t>
+            </a:r>
+            <a:r>
+              <a:rPr lang="en-US" dirty="0" smtClean="0"/>
+              <a:t> </a:t>
+            </a:r>
+            <a:r>
+              <a:rPr lang="en-US" dirty="0" err="1" smtClean="0"/>
+              <a:t>nicht</a:t>
+            </a:r>
+            <a:r>
+              <a:rPr lang="en-US" dirty="0" smtClean="0"/>
+              <a:t> die </a:t>
+            </a:r>
+            <a:r>
+              <a:rPr lang="en-US" dirty="0" err="1" smtClean="0"/>
+              <a:t>ganze</a:t>
+            </a:r>
+            <a:r>
+              <a:rPr lang="en-US" dirty="0" smtClean="0"/>
+              <a:t> </a:t>
+            </a:r>
+            <a:r>
+              <a:rPr lang="en-US" dirty="0" err="1" smtClean="0"/>
+              <a:t>Webseite</a:t>
+            </a:r>
+            <a:r>
+              <a:rPr lang="en-US" dirty="0" smtClean="0"/>
+              <a:t> </a:t>
+            </a:r>
+            <a:r>
+              <a:rPr lang="en-US" dirty="0" err="1" smtClean="0"/>
+              <a:t>wie</a:t>
+            </a:r>
+            <a:r>
+              <a:rPr lang="en-US" dirty="0" smtClean="0"/>
+              <a:t> </a:t>
+            </a:r>
+            <a:r>
+              <a:rPr lang="en-US" dirty="0" err="1" smtClean="0"/>
+              <a:t>bei</a:t>
+            </a:r>
+            <a:r>
+              <a:rPr lang="en-US" dirty="0" smtClean="0"/>
+              <a:t> Java </a:t>
+            </a:r>
+            <a:r>
+              <a:rPr lang="en-US" dirty="0" err="1" smtClean="0"/>
+              <a:t>wenn</a:t>
+            </a:r>
+            <a:r>
+              <a:rPr lang="en-US" dirty="0" smtClean="0"/>
+              <a:t> man auf </a:t>
+            </a:r>
+            <a:r>
+              <a:rPr lang="en-US" dirty="0" err="1" smtClean="0"/>
+              <a:t>eine</a:t>
+            </a:r>
+            <a:r>
+              <a:rPr lang="en-US" dirty="0" smtClean="0"/>
+              <a:t> </a:t>
+            </a:r>
+            <a:r>
+              <a:rPr lang="en-US" dirty="0" err="1" smtClean="0"/>
+              <a:t>Antwort</a:t>
+            </a:r>
+            <a:r>
+              <a:rPr lang="en-US" dirty="0" smtClean="0"/>
+              <a:t> </a:t>
+            </a:r>
+            <a:r>
+              <a:rPr lang="en-US" smtClean="0"/>
+              <a:t>wartet</a:t>
+            </a:r>
+            <a:endParaRPr lang="en-US" dirty="0"/>
           </a:p>
         </p:txBody>
       </p:sp>
     </p:spTree>
     <p:extLst>
       <p:ext uri="{BB962C8B-B14F-4D97-AF65-F5344CB8AC3E}">
-        <p14:creationId xmlns:p14="http://schemas.microsoft.com/office/powerpoint/2010/main" val="1026738796"/>
+        <p14:creationId xmlns:p14="http://schemas.microsoft.com/office/powerpoint/2010/main" val="2312615371"/>
       </p:ext>
     </p:extLst>
   </p:cSld>
@@ -5118,7 +5547,92 @@
     </p:spTree>
     <p:extLst>
       <p:ext uri="{BB962C8B-B14F-4D97-AF65-F5344CB8AC3E}">
-        <p14:creationId xmlns:p14="http://schemas.microsoft.com/office/powerpoint/2010/main" val="2746944774"/>
+        <p14:creationId xmlns:p14="http://schemas.microsoft.com/office/powerpoint/2010/main" val="4081931190"/>
+      </p:ext>
+    </p:extLst>
+  </p:cSld>
+  <p:clrMapOvr>
+    <a:masterClrMapping/>
+  </p:clrMapOvr>
+</p:notes>
+</file>
+
+<file path=ppt/notesSlides/notesSlide29.xml><?xml version="1.0" encoding="utf-8"?>
+<p:notes xmlns:a="http://schemas.openxmlformats.org/drawingml/2006/main" xmlns:r="http://schemas.openxmlformats.org/officeDocument/2006/relationships" xmlns:p="http://schemas.openxmlformats.org/presentationml/2006/main">
+  <p:cSld>
+    <p:spTree>
+      <p:nvGrpSpPr>
+        <p:cNvPr id="1" name=""/>
+        <p:cNvGrpSpPr/>
+        <p:nvPr/>
+      </p:nvGrpSpPr>
+      <p:grpSpPr>
+        <a:xfrm>
+          <a:off x="0" y="0"/>
+          <a:ext cx="0" cy="0"/>
+          <a:chOff x="0" y="0"/>
+          <a:chExt cx="0" cy="0"/>
+        </a:xfrm>
+      </p:grpSpPr>
+      <p:sp>
+        <p:nvSpPr>
+          <p:cNvPr id="4" name="Slide Number Placeholder 3"/>
+          <p:cNvSpPr>
+            <a:spLocks noGrp="1"/>
+          </p:cNvSpPr>
+          <p:nvPr>
+            <p:ph type="sldNum" sz="quarter" idx="10"/>
+          </p:nvPr>
+        </p:nvSpPr>
+        <p:spPr/>
+        <p:txBody>
+          <a:bodyPr/>
+          <a:lstStyle/>
+          <a:p>
+            <a:fld id="{7D8C2C35-2B8A-446E-BEC0-FD36716C29AC}" type="slidenum">
+              <a:rPr lang="en-US" smtClean="0"/>
+              <a:pPr/>
+              <a:t>29</a:t>
+            </a:fld>
+            <a:endParaRPr lang="en-US" dirty="0"/>
+          </a:p>
+        </p:txBody>
+      </p:sp>
+      <p:sp>
+        <p:nvSpPr>
+          <p:cNvPr id="3" name="Slide Image Placeholder 2"/>
+          <p:cNvSpPr>
+            <a:spLocks noGrp="1" noRot="1" noChangeAspect="1"/>
+          </p:cNvSpPr>
+          <p:nvPr>
+            <p:ph type="sldImg"/>
+          </p:nvPr>
+        </p:nvSpPr>
+        <p:spPr/>
+      </p:sp>
+      <p:sp>
+        <p:nvSpPr>
+          <p:cNvPr id="5" name="Notes Placeholder 4"/>
+          <p:cNvSpPr>
+            <a:spLocks noGrp="1"/>
+          </p:cNvSpPr>
+          <p:nvPr>
+            <p:ph type="body" idx="1"/>
+          </p:nvPr>
+        </p:nvSpPr>
+        <p:spPr/>
+        <p:txBody>
+          <a:bodyPr/>
+          <a:lstStyle/>
+          <a:p>
+            <a:endParaRPr lang="en-US"/>
+          </a:p>
+        </p:txBody>
+      </p:sp>
+    </p:spTree>
+    <p:extLst>
+      <p:ext uri="{BB962C8B-B14F-4D97-AF65-F5344CB8AC3E}">
+        <p14:creationId xmlns:p14="http://schemas.microsoft.com/office/powerpoint/2010/main" val="1658375274"/>
       </p:ext>
     </p:extLst>
   </p:cSld>
@@ -5674,6 +6188,176 @@
     <p:extLst>
       <p:ext uri="{BB962C8B-B14F-4D97-AF65-F5344CB8AC3E}">
         <p14:creationId xmlns:p14="http://schemas.microsoft.com/office/powerpoint/2010/main" val="2312615371"/>
+      </p:ext>
+    </p:extLst>
+  </p:cSld>
+  <p:clrMapOvr>
+    <a:masterClrMapping/>
+  </p:clrMapOvr>
+</p:notes>
+</file>
+
+<file path=ppt/notesSlides/notesSlide30.xml><?xml version="1.0" encoding="utf-8"?>
+<p:notes xmlns:a="http://schemas.openxmlformats.org/drawingml/2006/main" xmlns:r="http://schemas.openxmlformats.org/officeDocument/2006/relationships" xmlns:p="http://schemas.openxmlformats.org/presentationml/2006/main">
+  <p:cSld>
+    <p:spTree>
+      <p:nvGrpSpPr>
+        <p:cNvPr id="1" name=""/>
+        <p:cNvGrpSpPr/>
+        <p:nvPr/>
+      </p:nvGrpSpPr>
+      <p:grpSpPr>
+        <a:xfrm>
+          <a:off x="0" y="0"/>
+          <a:ext cx="0" cy="0"/>
+          <a:chOff x="0" y="0"/>
+          <a:chExt cx="0" cy="0"/>
+        </a:xfrm>
+      </p:grpSpPr>
+      <p:sp>
+        <p:nvSpPr>
+          <p:cNvPr id="4" name="Slide Number Placeholder 3"/>
+          <p:cNvSpPr>
+            <a:spLocks noGrp="1"/>
+          </p:cNvSpPr>
+          <p:nvPr>
+            <p:ph type="sldNum" sz="quarter" idx="10"/>
+          </p:nvPr>
+        </p:nvSpPr>
+        <p:spPr/>
+        <p:txBody>
+          <a:bodyPr/>
+          <a:lstStyle/>
+          <a:p>
+            <a:fld id="{7D8C2C35-2B8A-446E-BEC0-FD36716C29AC}" type="slidenum">
+              <a:rPr lang="en-US" smtClean="0"/>
+              <a:pPr/>
+              <a:t>30</a:t>
+            </a:fld>
+            <a:endParaRPr lang="en-US" dirty="0"/>
+          </a:p>
+        </p:txBody>
+      </p:sp>
+      <p:sp>
+        <p:nvSpPr>
+          <p:cNvPr id="3" name="Slide Image Placeholder 2"/>
+          <p:cNvSpPr>
+            <a:spLocks noGrp="1" noRot="1" noChangeAspect="1"/>
+          </p:cNvSpPr>
+          <p:nvPr>
+            <p:ph type="sldImg"/>
+          </p:nvPr>
+        </p:nvSpPr>
+        <p:spPr/>
+      </p:sp>
+      <p:sp>
+        <p:nvSpPr>
+          <p:cNvPr id="5" name="Notes Placeholder 4"/>
+          <p:cNvSpPr>
+            <a:spLocks noGrp="1"/>
+          </p:cNvSpPr>
+          <p:nvPr>
+            <p:ph type="body" idx="1"/>
+          </p:nvPr>
+        </p:nvSpPr>
+        <p:spPr/>
+        <p:txBody>
+          <a:bodyPr/>
+          <a:lstStyle/>
+          <a:p>
+            <a:endParaRPr lang="en-US"/>
+          </a:p>
+        </p:txBody>
+      </p:sp>
+    </p:spTree>
+    <p:extLst>
+      <p:ext uri="{BB962C8B-B14F-4D97-AF65-F5344CB8AC3E}">
+        <p14:creationId xmlns:p14="http://schemas.microsoft.com/office/powerpoint/2010/main" val="1026738796"/>
+      </p:ext>
+    </p:extLst>
+  </p:cSld>
+  <p:clrMapOvr>
+    <a:masterClrMapping/>
+  </p:clrMapOvr>
+</p:notes>
+</file>
+
+<file path=ppt/notesSlides/notesSlide31.xml><?xml version="1.0" encoding="utf-8"?>
+<p:notes xmlns:a="http://schemas.openxmlformats.org/drawingml/2006/main" xmlns:r="http://schemas.openxmlformats.org/officeDocument/2006/relationships" xmlns:p="http://schemas.openxmlformats.org/presentationml/2006/main">
+  <p:cSld>
+    <p:spTree>
+      <p:nvGrpSpPr>
+        <p:cNvPr id="1" name=""/>
+        <p:cNvGrpSpPr/>
+        <p:nvPr/>
+      </p:nvGrpSpPr>
+      <p:grpSpPr>
+        <a:xfrm>
+          <a:off x="0" y="0"/>
+          <a:ext cx="0" cy="0"/>
+          <a:chOff x="0" y="0"/>
+          <a:chExt cx="0" cy="0"/>
+        </a:xfrm>
+      </p:grpSpPr>
+      <p:sp>
+        <p:nvSpPr>
+          <p:cNvPr id="4" name="Slide Number Placeholder 3"/>
+          <p:cNvSpPr>
+            <a:spLocks noGrp="1"/>
+          </p:cNvSpPr>
+          <p:nvPr>
+            <p:ph type="sldNum" sz="quarter" idx="10"/>
+          </p:nvPr>
+        </p:nvSpPr>
+        <p:spPr/>
+        <p:txBody>
+          <a:bodyPr/>
+          <a:lstStyle/>
+          <a:p>
+            <a:fld id="{7D8C2C35-2B8A-446E-BEC0-FD36716C29AC}" type="slidenum">
+              <a:rPr lang="en-US" smtClean="0"/>
+              <a:pPr/>
+              <a:t>31</a:t>
+            </a:fld>
+            <a:endParaRPr lang="en-US" dirty="0"/>
+          </a:p>
+        </p:txBody>
+      </p:sp>
+      <p:sp>
+        <p:nvSpPr>
+          <p:cNvPr id="3" name="Slide Image Placeholder 2"/>
+          <p:cNvSpPr>
+            <a:spLocks noGrp="1" noRot="1" noChangeAspect="1"/>
+          </p:cNvSpPr>
+          <p:nvPr>
+            <p:ph type="sldImg"/>
+          </p:nvPr>
+        </p:nvSpPr>
+        <p:spPr/>
+      </p:sp>
+      <p:sp>
+        <p:nvSpPr>
+          <p:cNvPr id="5" name="Notes Placeholder 4"/>
+          <p:cNvSpPr>
+            <a:spLocks noGrp="1"/>
+          </p:cNvSpPr>
+          <p:nvPr>
+            <p:ph type="body" idx="1"/>
+          </p:nvPr>
+        </p:nvSpPr>
+        <p:spPr/>
+        <p:txBody>
+          <a:bodyPr/>
+          <a:lstStyle/>
+          <a:p>
+            <a:endParaRPr lang="en-US"/>
+          </a:p>
+        </p:txBody>
+      </p:sp>
+    </p:spTree>
+    <p:extLst>
+      <p:ext uri="{BB962C8B-B14F-4D97-AF65-F5344CB8AC3E}">
+        <p14:creationId xmlns:p14="http://schemas.microsoft.com/office/powerpoint/2010/main" val="2746944774"/>
       </p:ext>
     </p:extLst>
   </p:cSld>
@@ -10188,7 +10872,7 @@
                 <a:buFont typeface="Arial" pitchFamily="34" charset="0"/>
                 <a:buNone/>
               </a:pPr>
-              <a:t>‹#›</a:t>
+              <a:t>‹Nr.›</a:t>
             </a:fld>
             <a:endParaRPr lang="en-US" sz="1000" noProof="0" dirty="0" smtClean="0">
               <a:solidFill>
@@ -13372,7 +14056,7 @@
                 <a:buFont typeface="Arial" pitchFamily="34" charset="0"/>
                 <a:buNone/>
               </a:pPr>
-              <a:t>‹#›</a:t>
+              <a:t>‹Nr.›</a:t>
             </a:fld>
             <a:endParaRPr lang="en-US" sz="1000" noProof="0" dirty="0" smtClean="0">
               <a:solidFill>
@@ -16438,11 +17122,7 @@
             </a:r>
             <a:r>
               <a:rPr lang="en-US" b="0" dirty="0" smtClean="0"/>
-              <a:t> </a:t>
-            </a:r>
-            <a:r>
-              <a:rPr lang="en-US" b="0" dirty="0" smtClean="0"/>
-              <a:t>die </a:t>
+              <a:t> die </a:t>
             </a:r>
             <a:r>
               <a:rPr lang="en-US" b="0" dirty="0" err="1" smtClean="0"/>
@@ -16862,10 +17542,6 @@
             <a:r>
               <a:rPr lang="en-US" b="0" dirty="0" smtClean="0"/>
               <a:t>. . </a:t>
-            </a:r>
-            <a:r>
-              <a:rPr lang="en-US" b="0" dirty="0" smtClean="0"/>
-              <a:t/>
             </a:r>
             <a:br>
               <a:rPr lang="en-US" b="0" dirty="0" smtClean="0"/>
@@ -22433,6 +23109,991 @@
       </p:grpSpPr>
       <p:sp>
         <p:nvSpPr>
+          <p:cNvPr id="2" name="Title 1"/>
+          <p:cNvSpPr>
+            <a:spLocks noGrp="1"/>
+          </p:cNvSpPr>
+          <p:nvPr>
+            <p:ph type="ctrTitle"/>
+          </p:nvPr>
+        </p:nvSpPr>
+        <p:spPr/>
+        <p:txBody>
+          <a:bodyPr/>
+          <a:lstStyle/>
+          <a:p>
+            <a:r>
+              <a:rPr lang="de-DE" dirty="0" err="1" smtClean="0"/>
+              <a:t>WebSockets</a:t>
+            </a:r>
+            <a:endParaRPr lang="en-US" dirty="0"/>
+          </a:p>
+        </p:txBody>
+      </p:sp>
+      <p:sp>
+        <p:nvSpPr>
+          <p:cNvPr id="3" name="Text Placeholder 2"/>
+          <p:cNvSpPr>
+            <a:spLocks noGrp="1"/>
+          </p:cNvSpPr>
+          <p:nvPr>
+            <p:ph type="body" sz="quarter" idx="10"/>
+          </p:nvPr>
+        </p:nvSpPr>
+        <p:spPr/>
+        <p:txBody>
+          <a:bodyPr/>
+          <a:lstStyle/>
+          <a:p>
+            <a:endParaRPr lang="en-US"/>
+          </a:p>
+        </p:txBody>
+      </p:sp>
+    </p:spTree>
+    <p:extLst>
+      <p:ext uri="{BB962C8B-B14F-4D97-AF65-F5344CB8AC3E}">
+        <p14:creationId xmlns:p14="http://schemas.microsoft.com/office/powerpoint/2010/main" val="3501568314"/>
+      </p:ext>
+    </p:extLst>
+  </p:cSld>
+  <p:clrMapOvr>
+    <a:masterClrMapping/>
+  </p:clrMapOvr>
+</p:sld>
+</file>
+
+<file path=ppt/slides/slide26.xml><?xml version="1.0" encoding="utf-8"?>
+<p:sld xmlns:a="http://schemas.openxmlformats.org/drawingml/2006/main" xmlns:r="http://schemas.openxmlformats.org/officeDocument/2006/relationships" xmlns:p="http://schemas.openxmlformats.org/presentationml/2006/main">
+  <p:cSld>
+    <p:spTree>
+      <p:nvGrpSpPr>
+        <p:cNvPr id="1" name=""/>
+        <p:cNvGrpSpPr/>
+        <p:nvPr/>
+      </p:nvGrpSpPr>
+      <p:grpSpPr>
+        <a:xfrm>
+          <a:off x="0" y="0"/>
+          <a:ext cx="0" cy="0"/>
+          <a:chOff x="0" y="0"/>
+          <a:chExt cx="0" cy="0"/>
+        </a:xfrm>
+      </p:grpSpPr>
+      <p:sp>
+        <p:nvSpPr>
+          <p:cNvPr id="2" name="Title 1"/>
+          <p:cNvSpPr>
+            <a:spLocks noGrp="1"/>
+          </p:cNvSpPr>
+          <p:nvPr>
+            <p:ph type="title"/>
+          </p:nvPr>
+        </p:nvSpPr>
+        <p:spPr/>
+        <p:txBody>
+          <a:bodyPr/>
+          <a:lstStyle/>
+          <a:p>
+            <a:r>
+              <a:rPr lang="en-US" dirty="0" err="1" smtClean="0"/>
+              <a:t>WebSockets</a:t>
+            </a:r>
+            <a:r>
+              <a:rPr lang="en-US" dirty="0" smtClean="0"/>
+              <a:t>: </a:t>
+            </a:r>
+            <a:r>
+              <a:rPr lang="en-US" dirty="0" err="1" smtClean="0"/>
+              <a:t>Übungen</a:t>
+            </a:r>
+            <a:endParaRPr lang="en-US" dirty="0"/>
+          </a:p>
+        </p:txBody>
+      </p:sp>
+      <p:sp>
+        <p:nvSpPr>
+          <p:cNvPr id="3" name="Text Placeholder 2"/>
+          <p:cNvSpPr>
+            <a:spLocks noGrp="1"/>
+          </p:cNvSpPr>
+          <p:nvPr>
+            <p:ph type="body" sz="quarter" idx="10"/>
+          </p:nvPr>
+        </p:nvSpPr>
+        <p:spPr/>
+        <p:txBody>
+          <a:bodyPr/>
+          <a:lstStyle/>
+          <a:p>
+            <a:pPr lvl="0"/>
+            <a:r>
+              <a:rPr lang="en-GB" dirty="0" err="1" smtClean="0"/>
+              <a:t>Bidirektionale</a:t>
+            </a:r>
+            <a:r>
+              <a:rPr lang="en-GB" dirty="0" smtClean="0"/>
+              <a:t> </a:t>
+            </a:r>
+            <a:r>
+              <a:rPr lang="en-GB" dirty="0" err="1" smtClean="0"/>
+              <a:t>Kommunikation</a:t>
+            </a:r>
+            <a:r>
+              <a:rPr lang="en-GB" dirty="0" smtClean="0"/>
+              <a:t> </a:t>
+            </a:r>
+            <a:r>
+              <a:rPr lang="en-GB" dirty="0" err="1" smtClean="0"/>
+              <a:t>mit</a:t>
+            </a:r>
+            <a:r>
+              <a:rPr lang="en-GB" dirty="0" smtClean="0"/>
+              <a:t> </a:t>
+            </a:r>
+            <a:r>
+              <a:rPr lang="en-GB" dirty="0" err="1" smtClean="0"/>
+              <a:t>einem</a:t>
+            </a:r>
+            <a:r>
+              <a:rPr lang="en-GB" dirty="0" smtClean="0"/>
+              <a:t> Server</a:t>
+            </a:r>
+          </a:p>
+          <a:p>
+            <a:pPr lvl="0"/>
+            <a:r>
+              <a:rPr lang="en-GB" dirty="0" err="1" smtClean="0"/>
+              <a:t>Asynchron</a:t>
+            </a:r>
+            <a:endParaRPr lang="en-GB" dirty="0" smtClean="0"/>
+          </a:p>
+          <a:p>
+            <a:pPr lvl="0"/>
+            <a:r>
+              <a:rPr lang="en-GB" dirty="0" smtClean="0"/>
+              <a:t>Event Listener Modell </a:t>
+            </a:r>
+            <a:r>
+              <a:rPr lang="en-GB" dirty="0" err="1" smtClean="0"/>
+              <a:t>mit</a:t>
+            </a:r>
+            <a:r>
+              <a:rPr lang="en-GB" dirty="0" smtClean="0"/>
+              <a:t> </a:t>
+            </a:r>
+            <a:r>
+              <a:rPr lang="en-GB" dirty="0" err="1" smtClean="0"/>
+              <a:t>Callbacks</a:t>
+            </a:r>
+            <a:endParaRPr lang="en-GB" dirty="0" smtClean="0"/>
+          </a:p>
+        </p:txBody>
+      </p:sp>
+      <p:sp>
+        <p:nvSpPr>
+          <p:cNvPr id="5" name="Rectangle 4"/>
+          <p:cNvSpPr/>
+          <p:nvPr/>
+        </p:nvSpPr>
+        <p:spPr>
+          <a:xfrm>
+            <a:off x="317146" y="3244882"/>
+            <a:ext cx="6096000" cy="3139321"/>
+          </a:xfrm>
+          <a:prstGeom prst="rect">
+            <a:avLst/>
+          </a:prstGeom>
+        </p:spPr>
+        <p:txBody>
+          <a:bodyPr>
+            <a:spAutoFit/>
+          </a:bodyPr>
+          <a:lstStyle/>
+          <a:p>
+            <a:r>
+              <a:rPr lang="de-DE" sz="1800" b="1" dirty="0" err="1">
+                <a:solidFill>
+                  <a:srgbClr val="7F0055"/>
+                </a:solidFill>
+                <a:latin typeface="Consolas"/>
+              </a:rPr>
+              <a:t>var</a:t>
+            </a:r>
+            <a:r>
+              <a:rPr lang="de-DE" sz="1800" b="1" dirty="0">
+                <a:solidFill>
+                  <a:srgbClr val="000000"/>
+                </a:solidFill>
+                <a:latin typeface="Consolas"/>
+              </a:rPr>
+              <a:t> </a:t>
+            </a:r>
+            <a:r>
+              <a:rPr lang="de-DE" sz="1800" b="1" dirty="0" err="1">
+                <a:solidFill>
+                  <a:srgbClr val="000000"/>
+                </a:solidFill>
+                <a:latin typeface="Consolas"/>
+              </a:rPr>
+              <a:t>ws</a:t>
+            </a:r>
+            <a:r>
+              <a:rPr lang="de-DE" sz="1800" b="1" dirty="0">
+                <a:solidFill>
+                  <a:srgbClr val="000000"/>
+                </a:solidFill>
+                <a:latin typeface="Consolas"/>
+              </a:rPr>
+              <a:t> = </a:t>
+            </a:r>
+            <a:r>
+              <a:rPr lang="de-DE" sz="1800" b="1" dirty="0" err="1">
+                <a:solidFill>
+                  <a:srgbClr val="000000"/>
+                </a:solidFill>
+                <a:latin typeface="Consolas"/>
+              </a:rPr>
+              <a:t>new</a:t>
+            </a:r>
+            <a:r>
+              <a:rPr lang="de-DE" sz="1800" b="1" dirty="0">
+                <a:solidFill>
+                  <a:srgbClr val="000000"/>
+                </a:solidFill>
+                <a:latin typeface="Consolas"/>
+              </a:rPr>
+              <a:t> </a:t>
+            </a:r>
+            <a:r>
+              <a:rPr lang="de-DE" sz="1800" b="1" dirty="0" err="1">
+                <a:solidFill>
+                  <a:srgbClr val="000000"/>
+                </a:solidFill>
+                <a:latin typeface="Consolas"/>
+              </a:rPr>
+              <a:t>WebSocket</a:t>
+            </a:r>
+            <a:r>
+              <a:rPr lang="de-DE" sz="1800" b="1" dirty="0">
+                <a:solidFill>
+                  <a:srgbClr val="000000"/>
+                </a:solidFill>
+                <a:latin typeface="Consolas"/>
+              </a:rPr>
+              <a:t>(</a:t>
+            </a:r>
+            <a:r>
+              <a:rPr lang="de-DE" sz="1800" dirty="0">
+                <a:solidFill>
+                  <a:srgbClr val="2A00FF"/>
+                </a:solidFill>
+                <a:latin typeface="Consolas"/>
+              </a:rPr>
+              <a:t>"</a:t>
+            </a:r>
+            <a:r>
+              <a:rPr lang="de-DE" sz="1800" dirty="0" err="1">
+                <a:solidFill>
+                  <a:srgbClr val="2A00FF"/>
+                </a:solidFill>
+                <a:latin typeface="Consolas"/>
+              </a:rPr>
+              <a:t>ws</a:t>
+            </a:r>
+            <a:r>
+              <a:rPr lang="de-DE" sz="1800" dirty="0">
+                <a:solidFill>
+                  <a:srgbClr val="2A00FF"/>
+                </a:solidFill>
+                <a:latin typeface="Consolas"/>
+              </a:rPr>
+              <a:t>://</a:t>
+            </a:r>
+            <a:r>
+              <a:rPr lang="de-DE" sz="1800" dirty="0" err="1">
+                <a:solidFill>
+                  <a:srgbClr val="2A00FF"/>
+                </a:solidFill>
+                <a:latin typeface="Consolas"/>
+              </a:rPr>
+              <a:t>host:port</a:t>
+            </a:r>
+            <a:r>
+              <a:rPr lang="de-DE" sz="1800" dirty="0" smtClean="0">
+                <a:solidFill>
+                  <a:srgbClr val="2A00FF"/>
+                </a:solidFill>
+                <a:latin typeface="Consolas"/>
+              </a:rPr>
+              <a:t>"</a:t>
+            </a:r>
+            <a:r>
+              <a:rPr lang="de-DE" sz="1800" b="1" dirty="0" smtClean="0">
+                <a:solidFill>
+                  <a:srgbClr val="000000"/>
+                </a:solidFill>
+                <a:latin typeface="Consolas"/>
+              </a:rPr>
+              <a:t>);</a:t>
+            </a:r>
+          </a:p>
+          <a:p>
+            <a:endParaRPr lang="en-GB" sz="1800" b="1" dirty="0">
+              <a:solidFill>
+                <a:srgbClr val="000000"/>
+              </a:solidFill>
+              <a:latin typeface="Consolas"/>
+            </a:endParaRPr>
+          </a:p>
+          <a:p>
+            <a:r>
+              <a:rPr lang="en-GB" sz="1800" b="1" dirty="0" err="1">
+                <a:solidFill>
+                  <a:srgbClr val="7F0055"/>
+                </a:solidFill>
+                <a:latin typeface="Consolas"/>
+              </a:rPr>
+              <a:t>ws.onopen</a:t>
+            </a:r>
+            <a:r>
+              <a:rPr lang="en-GB" sz="1800" b="1" dirty="0">
+                <a:solidFill>
+                  <a:srgbClr val="7F0055"/>
+                </a:solidFill>
+                <a:latin typeface="Consolas"/>
+              </a:rPr>
+              <a:t> = function(event) </a:t>
+            </a:r>
+            <a:r>
+              <a:rPr lang="en-GB" sz="1800" b="1" dirty="0" smtClean="0">
+                <a:solidFill>
+                  <a:srgbClr val="7F0055"/>
+                </a:solidFill>
+                <a:latin typeface="Consolas"/>
+              </a:rPr>
+              <a:t>{};</a:t>
+            </a:r>
+            <a:endParaRPr lang="en-GB" sz="1800" b="1" dirty="0" smtClean="0">
+              <a:solidFill>
+                <a:srgbClr val="000000"/>
+              </a:solidFill>
+              <a:latin typeface="Consolas"/>
+            </a:endParaRPr>
+          </a:p>
+          <a:p>
+            <a:r>
+              <a:rPr lang="en-GB" sz="1800" b="1" dirty="0" err="1">
+                <a:solidFill>
+                  <a:srgbClr val="7F0055"/>
+                </a:solidFill>
+                <a:latin typeface="Consolas"/>
+              </a:rPr>
+              <a:t>ws.onerror</a:t>
+            </a:r>
+            <a:r>
+              <a:rPr lang="en-GB" sz="1800" b="1" dirty="0">
+                <a:solidFill>
+                  <a:srgbClr val="7F0055"/>
+                </a:solidFill>
+                <a:latin typeface="Consolas"/>
+              </a:rPr>
+              <a:t> = function(event) </a:t>
+            </a:r>
+            <a:r>
+              <a:rPr lang="en-GB" sz="1800" b="1" dirty="0" smtClean="0">
+                <a:solidFill>
+                  <a:srgbClr val="7F0055"/>
+                </a:solidFill>
+                <a:latin typeface="Consolas"/>
+              </a:rPr>
+              <a:t>{};</a:t>
+            </a:r>
+            <a:endParaRPr lang="en-GB" sz="1800" b="1" dirty="0" smtClean="0">
+              <a:solidFill>
+                <a:srgbClr val="000000"/>
+              </a:solidFill>
+              <a:latin typeface="Consolas"/>
+            </a:endParaRPr>
+          </a:p>
+          <a:p>
+            <a:endParaRPr lang="de-DE" sz="1800" b="1" dirty="0" smtClean="0">
+              <a:solidFill>
+                <a:srgbClr val="000000"/>
+              </a:solidFill>
+              <a:latin typeface="Consolas"/>
+            </a:endParaRPr>
+          </a:p>
+          <a:p>
+            <a:r>
+              <a:rPr lang="en-GB" sz="1800" b="1" dirty="0" err="1" smtClean="0">
+                <a:solidFill>
+                  <a:srgbClr val="000000"/>
+                </a:solidFill>
+                <a:latin typeface="Consolas"/>
+              </a:rPr>
+              <a:t>ws.send</a:t>
+            </a:r>
+            <a:r>
+              <a:rPr lang="en-GB" sz="1800" b="1" dirty="0" smtClean="0">
+                <a:solidFill>
+                  <a:srgbClr val="000000"/>
+                </a:solidFill>
+                <a:latin typeface="Consolas"/>
+              </a:rPr>
+              <a:t>(</a:t>
+            </a:r>
+            <a:r>
+              <a:rPr lang="de-DE" sz="1800" dirty="0" smtClean="0">
+                <a:solidFill>
+                  <a:srgbClr val="2A00FF"/>
+                </a:solidFill>
+                <a:latin typeface="Consolas"/>
+              </a:rPr>
+              <a:t>"</a:t>
+            </a:r>
+            <a:r>
+              <a:rPr lang="de-DE" sz="1800" dirty="0" err="1" smtClean="0">
+                <a:solidFill>
+                  <a:srgbClr val="2A00FF"/>
+                </a:solidFill>
+                <a:latin typeface="Consolas"/>
+              </a:rPr>
+              <a:t>Hello</a:t>
+            </a:r>
+            <a:r>
+              <a:rPr lang="de-DE" sz="1800" dirty="0" smtClean="0">
+                <a:solidFill>
+                  <a:srgbClr val="2A00FF"/>
+                </a:solidFill>
+                <a:latin typeface="Consolas"/>
+              </a:rPr>
+              <a:t> </a:t>
+            </a:r>
+            <a:r>
+              <a:rPr lang="de-DE" sz="1800" dirty="0" err="1" smtClean="0">
+                <a:solidFill>
+                  <a:srgbClr val="2A00FF"/>
+                </a:solidFill>
+                <a:latin typeface="Consolas"/>
+              </a:rPr>
+              <a:t>world</a:t>
+            </a:r>
+            <a:r>
+              <a:rPr lang="de-DE" sz="1800" dirty="0" smtClean="0">
+                <a:solidFill>
+                  <a:srgbClr val="2A00FF"/>
+                </a:solidFill>
+                <a:latin typeface="Consolas"/>
+              </a:rPr>
+              <a:t>!"</a:t>
+            </a:r>
+            <a:r>
+              <a:rPr lang="de-DE" sz="1800" b="1" dirty="0" smtClean="0">
+                <a:solidFill>
+                  <a:srgbClr val="000000"/>
+                </a:solidFill>
+                <a:latin typeface="Consolas"/>
+              </a:rPr>
+              <a:t>);</a:t>
+            </a:r>
+          </a:p>
+          <a:p>
+            <a:endParaRPr lang="de-DE" sz="1800" b="1" dirty="0">
+              <a:solidFill>
+                <a:srgbClr val="000000"/>
+              </a:solidFill>
+              <a:latin typeface="Consolas"/>
+            </a:endParaRPr>
+          </a:p>
+          <a:p>
+            <a:r>
+              <a:rPr lang="en-GB" sz="1800" b="1" dirty="0" err="1" smtClean="0">
+                <a:solidFill>
+                  <a:srgbClr val="7F0055"/>
+                </a:solidFill>
+                <a:latin typeface="Consolas"/>
+              </a:rPr>
+              <a:t>ws.onmessage</a:t>
+            </a:r>
+            <a:r>
+              <a:rPr lang="en-GB" sz="1800" b="1" dirty="0" smtClean="0">
+                <a:solidFill>
+                  <a:srgbClr val="7F0055"/>
+                </a:solidFill>
+                <a:latin typeface="Consolas"/>
+              </a:rPr>
+              <a:t> </a:t>
+            </a:r>
+            <a:r>
+              <a:rPr lang="en-GB" sz="1800" b="1" dirty="0">
+                <a:solidFill>
+                  <a:srgbClr val="7F0055"/>
+                </a:solidFill>
+                <a:latin typeface="Consolas"/>
+              </a:rPr>
+              <a:t>= function(event) </a:t>
+            </a:r>
+            <a:r>
+              <a:rPr lang="en-GB" sz="1800" b="1" dirty="0" smtClean="0">
+                <a:solidFill>
+                  <a:srgbClr val="7F0055"/>
+                </a:solidFill>
+                <a:latin typeface="Consolas"/>
+              </a:rPr>
+              <a:t>{</a:t>
+            </a:r>
+          </a:p>
+          <a:p>
+            <a:r>
+              <a:rPr lang="en-GB" sz="1800" b="1" dirty="0" smtClean="0">
+                <a:solidFill>
+                  <a:srgbClr val="7F0055"/>
+                </a:solidFill>
+                <a:latin typeface="Consolas"/>
+              </a:rPr>
+              <a:t>    </a:t>
+            </a:r>
+            <a:r>
+              <a:rPr lang="de-DE" sz="1800" dirty="0" smtClean="0">
+                <a:solidFill>
+                  <a:srgbClr val="3F7F5F"/>
+                </a:solidFill>
+                <a:latin typeface="Consolas"/>
+              </a:rPr>
+              <a:t>//Zugriff auf Daten mit </a:t>
+            </a:r>
+            <a:r>
+              <a:rPr lang="de-DE" sz="1800" dirty="0" err="1" smtClean="0">
+                <a:solidFill>
+                  <a:srgbClr val="3F7F5F"/>
+                </a:solidFill>
+                <a:latin typeface="Consolas"/>
+              </a:rPr>
+              <a:t>event.data</a:t>
+            </a:r>
+            <a:endParaRPr lang="en-GB" sz="1800" b="1" dirty="0">
+              <a:solidFill>
+                <a:srgbClr val="7F0055"/>
+              </a:solidFill>
+              <a:latin typeface="Consolas"/>
+            </a:endParaRPr>
+          </a:p>
+          <a:p>
+            <a:r>
+              <a:rPr lang="en-GB" sz="1800" b="1" dirty="0" smtClean="0">
+                <a:solidFill>
+                  <a:srgbClr val="7F0055"/>
+                </a:solidFill>
+                <a:latin typeface="Consolas"/>
+              </a:rPr>
+              <a:t>}; </a:t>
+            </a:r>
+            <a:endParaRPr lang="en-GB" sz="1800" b="1" dirty="0">
+              <a:solidFill>
+                <a:srgbClr val="7F0055"/>
+              </a:solidFill>
+              <a:latin typeface="Consolas"/>
+            </a:endParaRPr>
+          </a:p>
+          <a:p>
+            <a:r>
+              <a:rPr lang="en-GB" sz="1800" b="1" dirty="0" err="1" smtClean="0">
+                <a:solidFill>
+                  <a:srgbClr val="7F0055"/>
+                </a:solidFill>
+                <a:latin typeface="Consolas"/>
+              </a:rPr>
+              <a:t>ws.onclose</a:t>
+            </a:r>
+            <a:r>
+              <a:rPr lang="en-GB" sz="1800" b="1" dirty="0" smtClean="0">
+                <a:solidFill>
+                  <a:srgbClr val="7F0055"/>
+                </a:solidFill>
+                <a:latin typeface="Consolas"/>
+              </a:rPr>
+              <a:t> </a:t>
+            </a:r>
+            <a:r>
+              <a:rPr lang="en-GB" sz="1800" b="1" dirty="0">
+                <a:solidFill>
+                  <a:srgbClr val="7F0055"/>
+                </a:solidFill>
+                <a:latin typeface="Consolas"/>
+              </a:rPr>
+              <a:t>= function(event) </a:t>
+            </a:r>
+            <a:r>
+              <a:rPr lang="en-GB" sz="1800" b="1" dirty="0" smtClean="0">
+                <a:solidFill>
+                  <a:srgbClr val="7F0055"/>
+                </a:solidFill>
+                <a:latin typeface="Consolas"/>
+              </a:rPr>
+              <a:t>{};</a:t>
+            </a:r>
+            <a:endParaRPr lang="en-GB" sz="1800" b="1" dirty="0">
+              <a:solidFill>
+                <a:srgbClr val="7F0055"/>
+              </a:solidFill>
+              <a:latin typeface="Consolas"/>
+            </a:endParaRPr>
+          </a:p>
+        </p:txBody>
+      </p:sp>
+    </p:spTree>
+    <p:extLst>
+      <p:ext uri="{BB962C8B-B14F-4D97-AF65-F5344CB8AC3E}">
+        <p14:creationId xmlns:p14="http://schemas.microsoft.com/office/powerpoint/2010/main" val="1347808768"/>
+      </p:ext>
+    </p:extLst>
+  </p:cSld>
+  <p:clrMapOvr>
+    <a:masterClrMapping/>
+  </p:clrMapOvr>
+  <p:transition spd="med"/>
+  <p:timing>
+    <p:tnLst>
+      <p:par>
+        <p:cTn id="1" dur="indefinite" restart="never" nodeType="tmRoot"/>
+      </p:par>
+    </p:tnLst>
+  </p:timing>
+</p:sld>
+</file>
+
+<file path=ppt/slides/slide27.xml><?xml version="1.0" encoding="utf-8"?>
+<p:sld xmlns:a="http://schemas.openxmlformats.org/drawingml/2006/main" xmlns:r="http://schemas.openxmlformats.org/officeDocument/2006/relationships" xmlns:p="http://schemas.openxmlformats.org/presentationml/2006/main">
+  <p:cSld>
+    <p:spTree>
+      <p:nvGrpSpPr>
+        <p:cNvPr id="1" name=""/>
+        <p:cNvGrpSpPr/>
+        <p:nvPr/>
+      </p:nvGrpSpPr>
+      <p:grpSpPr>
+        <a:xfrm>
+          <a:off x="0" y="0"/>
+          <a:ext cx="0" cy="0"/>
+          <a:chOff x="0" y="0"/>
+          <a:chExt cx="0" cy="0"/>
+        </a:xfrm>
+      </p:grpSpPr>
+      <p:sp>
+        <p:nvSpPr>
+          <p:cNvPr id="2" name="Title 1"/>
+          <p:cNvSpPr>
+            <a:spLocks noGrp="1"/>
+          </p:cNvSpPr>
+          <p:nvPr>
+            <p:ph type="title"/>
+          </p:nvPr>
+        </p:nvSpPr>
+        <p:spPr/>
+        <p:txBody>
+          <a:bodyPr/>
+          <a:lstStyle/>
+          <a:p>
+            <a:r>
+              <a:rPr lang="en-US" dirty="0" err="1" smtClean="0"/>
+              <a:t>WebSockets</a:t>
+            </a:r>
+            <a:endParaRPr lang="en-US" dirty="0"/>
+          </a:p>
+        </p:txBody>
+      </p:sp>
+      <p:sp>
+        <p:nvSpPr>
+          <p:cNvPr id="8" name="Text Placeholder 2"/>
+          <p:cNvSpPr>
+            <a:spLocks noGrp="1"/>
+          </p:cNvSpPr>
+          <p:nvPr>
+            <p:ph type="body" sz="quarter" idx="10"/>
+          </p:nvPr>
+        </p:nvSpPr>
+        <p:spPr>
+          <a:xfrm>
+            <a:off x="324000" y="1261466"/>
+            <a:ext cx="11545200" cy="4392043"/>
+          </a:xfrm>
+        </p:spPr>
+        <p:txBody>
+          <a:bodyPr/>
+          <a:lstStyle/>
+          <a:p>
+            <a:pPr lvl="0"/>
+            <a:r>
+              <a:rPr lang="en-US" dirty="0" err="1" smtClean="0"/>
+              <a:t>Übung</a:t>
+            </a:r>
+            <a:r>
+              <a:rPr lang="en-US" dirty="0" smtClean="0"/>
+              <a:t> 1: </a:t>
+            </a:r>
+            <a:r>
+              <a:rPr lang="en-US" b="0" dirty="0" err="1" smtClean="0"/>
+              <a:t>Implementiere</a:t>
+            </a:r>
+            <a:r>
+              <a:rPr lang="en-US" b="0" dirty="0" smtClean="0"/>
+              <a:t> </a:t>
+            </a:r>
+            <a:r>
+              <a:rPr lang="en-US" b="0" dirty="0" err="1" smtClean="0"/>
+              <a:t>im</a:t>
+            </a:r>
+            <a:r>
+              <a:rPr lang="en-US" b="0" dirty="0"/>
+              <a:t> </a:t>
+            </a:r>
+            <a:r>
+              <a:rPr lang="en-US" b="0" dirty="0" smtClean="0"/>
+              <a:t>“</a:t>
+            </a:r>
+            <a:r>
+              <a:rPr lang="en-US" b="0" dirty="0" err="1" smtClean="0"/>
+              <a:t>WebSockets</a:t>
+            </a:r>
+            <a:r>
+              <a:rPr lang="en-US" b="0" dirty="0" smtClean="0"/>
+              <a:t>” Tab </a:t>
+            </a:r>
+            <a:r>
+              <a:rPr lang="en-US" b="0" dirty="0" err="1" smtClean="0"/>
+              <a:t>zur</a:t>
+            </a:r>
+            <a:r>
+              <a:rPr lang="en-US" b="0" dirty="0" smtClean="0"/>
+              <a:t> </a:t>
+            </a:r>
+            <a:r>
+              <a:rPr lang="en-US" b="0" dirty="0" err="1" smtClean="0"/>
+              <a:t>Kommunikation</a:t>
+            </a:r>
+            <a:r>
+              <a:rPr lang="en-US" b="0" dirty="0" smtClean="0"/>
+              <a:t> </a:t>
+            </a:r>
+            <a:r>
+              <a:rPr lang="en-US" b="0" dirty="0" err="1" smtClean="0"/>
+              <a:t>mit</a:t>
+            </a:r>
+            <a:r>
+              <a:rPr lang="en-US" b="0" dirty="0" smtClean="0"/>
+              <a:t> den </a:t>
+            </a:r>
+            <a:r>
+              <a:rPr lang="en-US" b="0" dirty="0" err="1" smtClean="0"/>
+              <a:t>anderen</a:t>
+            </a:r>
+            <a:r>
+              <a:rPr lang="en-US" b="0" dirty="0" smtClean="0"/>
+              <a:t> </a:t>
+            </a:r>
+            <a:r>
+              <a:rPr lang="en-US" b="0" dirty="0" err="1" smtClean="0"/>
+              <a:t>Teilnehmern</a:t>
+            </a:r>
+            <a:r>
+              <a:rPr lang="en-US" b="0" dirty="0" smtClean="0"/>
+              <a:t> </a:t>
+            </a:r>
+            <a:r>
+              <a:rPr lang="en-US" b="0" dirty="0" err="1" smtClean="0"/>
+              <a:t>einen</a:t>
+            </a:r>
+            <a:r>
+              <a:rPr lang="en-US" b="0" dirty="0" smtClean="0"/>
+              <a:t> Chat. </a:t>
+            </a:r>
+            <a:r>
+              <a:rPr lang="en-US" dirty="0"/>
+              <a:t/>
+            </a:r>
+            <a:br>
+              <a:rPr lang="en-US" dirty="0"/>
+            </a:br>
+            <a:r>
+              <a:rPr lang="en-US" dirty="0" err="1" smtClean="0"/>
+              <a:t>Hinweis</a:t>
+            </a:r>
+            <a:r>
+              <a:rPr lang="en-US" dirty="0" smtClean="0"/>
+              <a:t> 1: </a:t>
+            </a:r>
+            <a:r>
+              <a:rPr lang="en-US" b="0" dirty="0" err="1" smtClean="0"/>
+              <a:t>Suche</a:t>
+            </a:r>
+            <a:r>
+              <a:rPr lang="en-US" b="0" dirty="0" smtClean="0"/>
+              <a:t> </a:t>
+            </a:r>
+            <a:r>
+              <a:rPr lang="en-US" b="0" dirty="0" err="1" smtClean="0"/>
+              <a:t>im</a:t>
+            </a:r>
+            <a:r>
+              <a:rPr lang="en-US" b="0" dirty="0" smtClean="0"/>
+              <a:t> HTML </a:t>
+            </a:r>
+            <a:r>
+              <a:rPr lang="en-US" b="0" dirty="0" err="1" smtClean="0"/>
+              <a:t>oder</a:t>
+            </a:r>
+            <a:r>
+              <a:rPr lang="en-US" b="0" dirty="0" smtClean="0"/>
+              <a:t> </a:t>
+            </a:r>
+            <a:r>
+              <a:rPr lang="en-US" b="0" dirty="0" err="1" smtClean="0"/>
+              <a:t>mithilfe</a:t>
+            </a:r>
+            <a:r>
+              <a:rPr lang="en-US" b="0" dirty="0" smtClean="0"/>
+              <a:t> der Developer Tools </a:t>
+            </a:r>
+            <a:r>
+              <a:rPr lang="en-US" b="0" dirty="0" err="1" smtClean="0"/>
+              <a:t>selbst</a:t>
+            </a:r>
+            <a:r>
+              <a:rPr lang="en-US" b="0" dirty="0" smtClean="0"/>
+              <a:t> </a:t>
+            </a:r>
+            <a:r>
+              <a:rPr lang="en-US" b="0" dirty="0" err="1" smtClean="0"/>
+              <a:t>nach</a:t>
+            </a:r>
+            <a:r>
+              <a:rPr lang="en-US" b="0" dirty="0" smtClean="0"/>
+              <a:t> </a:t>
+            </a:r>
+            <a:r>
+              <a:rPr lang="en-US" b="0" dirty="0" err="1" smtClean="0"/>
+              <a:t>geeigneten</a:t>
+            </a:r>
+            <a:r>
+              <a:rPr lang="en-US" b="0" dirty="0" smtClean="0"/>
+              <a:t> </a:t>
+            </a:r>
+            <a:r>
+              <a:rPr lang="en-US" b="0" dirty="0" err="1" smtClean="0"/>
+              <a:t>Elementen</a:t>
+            </a:r>
+            <a:r>
+              <a:rPr lang="en-US" b="0" dirty="0" smtClean="0"/>
+              <a:t> </a:t>
+            </a:r>
+            <a:r>
+              <a:rPr lang="en-US" b="0" dirty="0" err="1" smtClean="0"/>
+              <a:t>zur</a:t>
+            </a:r>
+            <a:r>
+              <a:rPr lang="en-US" b="0" dirty="0" smtClean="0"/>
+              <a:t> </a:t>
+            </a:r>
+            <a:r>
+              <a:rPr lang="en-US" b="0" dirty="0" err="1" smtClean="0"/>
+              <a:t>Ein</a:t>
+            </a:r>
+            <a:r>
+              <a:rPr lang="en-US" b="0" dirty="0" smtClean="0"/>
+              <a:t>- und </a:t>
+            </a:r>
+            <a:r>
+              <a:rPr lang="en-US" b="0" dirty="0" err="1" smtClean="0"/>
+              <a:t>Ausgabe</a:t>
+            </a:r>
+            <a:r>
+              <a:rPr lang="en-US" b="0" dirty="0" smtClean="0"/>
+              <a:t>. </a:t>
+            </a:r>
+            <a:br>
+              <a:rPr lang="en-US" b="0" dirty="0" smtClean="0"/>
+            </a:br>
+            <a:r>
+              <a:rPr lang="en-US" dirty="0" err="1" smtClean="0"/>
+              <a:t>Hinweis</a:t>
+            </a:r>
+            <a:r>
+              <a:rPr lang="en-US" dirty="0" smtClean="0"/>
+              <a:t> 2: </a:t>
+            </a:r>
+            <a:r>
+              <a:rPr lang="en-US" b="0" dirty="0" err="1" smtClean="0"/>
+              <a:t>Benutze</a:t>
+            </a:r>
+            <a:r>
+              <a:rPr lang="en-US" b="0" dirty="0" smtClean="0"/>
+              <a:t> </a:t>
+            </a:r>
+            <a:r>
+              <a:rPr lang="en-US" b="0" dirty="0" err="1" smtClean="0"/>
+              <a:t>als</a:t>
+            </a:r>
+            <a:r>
+              <a:rPr lang="en-US" b="0" dirty="0" smtClean="0"/>
+              <a:t> Host den String </a:t>
+            </a:r>
+            <a:r>
+              <a:rPr lang="en-US" sz="1800" b="0" dirty="0">
+                <a:solidFill>
+                  <a:srgbClr val="000000"/>
+                </a:solidFill>
+                <a:latin typeface="Consolas"/>
+              </a:rPr>
+              <a:t>ws://jscc.herokuapp.com</a:t>
+            </a:r>
+            <a:r>
+              <a:rPr lang="en-US" b="0" dirty="0" smtClean="0"/>
+              <a:t>.</a:t>
+            </a:r>
+            <a:endParaRPr lang="en-US" dirty="0" smtClean="0"/>
+          </a:p>
+        </p:txBody>
+      </p:sp>
+    </p:spTree>
+    <p:extLst>
+      <p:ext uri="{BB962C8B-B14F-4D97-AF65-F5344CB8AC3E}">
+        <p14:creationId xmlns:p14="http://schemas.microsoft.com/office/powerpoint/2010/main" val="3295111311"/>
+      </p:ext>
+    </p:extLst>
+  </p:cSld>
+  <p:clrMapOvr>
+    <a:masterClrMapping/>
+  </p:clrMapOvr>
+  <p:transition spd="med"/>
+  <p:timing>
+    <p:tnLst>
+      <p:par>
+        <p:cTn id="1" dur="indefinite" restart="never" nodeType="tmRoot"/>
+      </p:par>
+    </p:tnLst>
+  </p:timing>
+</p:sld>
+</file>
+
+<file path=ppt/slides/slide28.xml><?xml version="1.0" encoding="utf-8"?>
+<p:sld xmlns:a="http://schemas.openxmlformats.org/drawingml/2006/main" xmlns:r="http://schemas.openxmlformats.org/officeDocument/2006/relationships" xmlns:p="http://schemas.openxmlformats.org/presentationml/2006/main">
+  <p:cSld>
+    <p:spTree>
+      <p:nvGrpSpPr>
+        <p:cNvPr id="1" name=""/>
+        <p:cNvGrpSpPr/>
+        <p:nvPr/>
+      </p:nvGrpSpPr>
+      <p:grpSpPr>
+        <a:xfrm>
+          <a:off x="0" y="0"/>
+          <a:ext cx="0" cy="0"/>
+          <a:chOff x="0" y="0"/>
+          <a:chExt cx="0" cy="0"/>
+        </a:xfrm>
+      </p:grpSpPr>
+      <p:sp>
+        <p:nvSpPr>
           <p:cNvPr id="5" name="Title 4"/>
           <p:cNvSpPr>
             <a:spLocks noGrp="1"/>
@@ -22518,7 +24179,7 @@
 </p:sld>
 </file>
 
-<file path=ppt/slides/slide26.xml><?xml version="1.0" encoding="utf-8"?>
+<file path=ppt/slides/slide29.xml><?xml version="1.0" encoding="utf-8"?>
 <p:sld xmlns:a="http://schemas.openxmlformats.org/drawingml/2006/main" xmlns:r="http://schemas.openxmlformats.org/officeDocument/2006/relationships" xmlns:p="http://schemas.openxmlformats.org/presentationml/2006/main" show="0">
   <p:cSld>
     <p:spTree>
@@ -22551,7 +24212,494 @@
 </p:sld>
 </file>
 
-<file path=ppt/slides/slide27.xml><?xml version="1.0" encoding="utf-8"?>
+<file path=ppt/slides/slide3.xml><?xml version="1.0" encoding="utf-8"?>
+<p:sld xmlns:a="http://schemas.openxmlformats.org/drawingml/2006/main" xmlns:r="http://schemas.openxmlformats.org/officeDocument/2006/relationships" xmlns:p="http://schemas.openxmlformats.org/presentationml/2006/main">
+  <p:cSld>
+    <p:spTree>
+      <p:nvGrpSpPr>
+        <p:cNvPr id="1" name=""/>
+        <p:cNvGrpSpPr/>
+        <p:nvPr/>
+      </p:nvGrpSpPr>
+      <p:grpSpPr>
+        <a:xfrm>
+          <a:off x="0" y="0"/>
+          <a:ext cx="0" cy="0"/>
+          <a:chOff x="0" y="0"/>
+          <a:chExt cx="0" cy="0"/>
+        </a:xfrm>
+      </p:grpSpPr>
+      <p:sp>
+        <p:nvSpPr>
+          <p:cNvPr id="2" name="Title 1"/>
+          <p:cNvSpPr>
+            <a:spLocks noGrp="1"/>
+          </p:cNvSpPr>
+          <p:nvPr>
+            <p:ph type="title"/>
+          </p:nvPr>
+        </p:nvSpPr>
+        <p:spPr/>
+        <p:txBody>
+          <a:bodyPr/>
+          <a:lstStyle/>
+          <a:p>
+            <a:r>
+              <a:rPr lang="en-US" dirty="0" smtClean="0"/>
+              <a:t>Document Object Model </a:t>
+            </a:r>
+            <a:endParaRPr lang="en-US" dirty="0"/>
+          </a:p>
+        </p:txBody>
+      </p:sp>
+      <p:sp>
+        <p:nvSpPr>
+          <p:cNvPr id="3" name="Text Placeholder 2"/>
+          <p:cNvSpPr>
+            <a:spLocks noGrp="1"/>
+          </p:cNvSpPr>
+          <p:nvPr>
+            <p:ph type="body" sz="quarter" idx="10"/>
+          </p:nvPr>
+        </p:nvSpPr>
+        <p:spPr/>
+        <p:txBody>
+          <a:bodyPr/>
+          <a:lstStyle/>
+          <a:p>
+            <a:pPr lvl="0"/>
+            <a:r>
+              <a:rPr lang="en-US" dirty="0" smtClean="0"/>
+              <a:t>Element </a:t>
+            </a:r>
+            <a:r>
+              <a:rPr lang="en-US" dirty="0" err="1" smtClean="0"/>
+              <a:t>selektieren</a:t>
+            </a:r>
+            <a:r>
+              <a:rPr lang="en-US" dirty="0" smtClean="0"/>
+              <a:t>:</a:t>
+            </a:r>
+          </a:p>
+          <a:p>
+            <a:pPr marL="342900" lvl="0" indent="-342900">
+              <a:buFontTx/>
+              <a:buChar char="-"/>
+            </a:pPr>
+            <a:endParaRPr lang="en-US" dirty="0" smtClean="0"/>
+          </a:p>
+          <a:p>
+            <a:pPr lvl="0"/>
+            <a:r>
+              <a:rPr lang="en-US" dirty="0" smtClean="0"/>
+              <a:t/>
+            </a:r>
+            <a:br>
+              <a:rPr lang="en-US" dirty="0" smtClean="0"/>
+            </a:br>
+            <a:r>
+              <a:rPr lang="en-US" dirty="0" err="1" smtClean="0"/>
+              <a:t>Mehrere</a:t>
+            </a:r>
+            <a:r>
+              <a:rPr lang="en-US" dirty="0" smtClean="0"/>
+              <a:t> </a:t>
+            </a:r>
+            <a:r>
+              <a:rPr lang="en-US" dirty="0" err="1" smtClean="0"/>
+              <a:t>Elemente</a:t>
+            </a:r>
+            <a:r>
+              <a:rPr lang="en-US" dirty="0" smtClean="0"/>
+              <a:t> </a:t>
+            </a:r>
+            <a:r>
+              <a:rPr lang="en-US" dirty="0" err="1" smtClean="0"/>
+              <a:t>selektieren</a:t>
+            </a:r>
+            <a:r>
+              <a:rPr lang="en-US" dirty="0" smtClean="0"/>
+              <a:t>:</a:t>
+            </a:r>
+            <a:endParaRPr lang="en-US" dirty="0"/>
+          </a:p>
+          <a:p>
+            <a:pPr marL="342900" lvl="0" indent="-342900">
+              <a:buFontTx/>
+              <a:buChar char="-"/>
+            </a:pPr>
+            <a:endParaRPr lang="en-US" dirty="0" smtClean="0"/>
+          </a:p>
+        </p:txBody>
+      </p:sp>
+      <p:sp>
+        <p:nvSpPr>
+          <p:cNvPr id="7" name="Rectangle 6"/>
+          <p:cNvSpPr/>
+          <p:nvPr/>
+        </p:nvSpPr>
+        <p:spPr>
+          <a:xfrm>
+            <a:off x="295630" y="2045313"/>
+            <a:ext cx="7697301" cy="923330"/>
+          </a:xfrm>
+          <a:prstGeom prst="rect">
+            <a:avLst/>
+          </a:prstGeom>
+        </p:spPr>
+        <p:txBody>
+          <a:bodyPr wrap="square">
+            <a:spAutoFit/>
+          </a:bodyPr>
+          <a:lstStyle/>
+          <a:p>
+            <a:r>
+              <a:rPr lang="de-DE" sz="1800" dirty="0" err="1">
+                <a:solidFill>
+                  <a:srgbClr val="7F0055"/>
+                </a:solidFill>
+                <a:latin typeface="Consolas"/>
+              </a:rPr>
+              <a:t>var</a:t>
+            </a:r>
+            <a:r>
+              <a:rPr lang="de-DE" sz="1800" dirty="0">
+                <a:solidFill>
+                  <a:srgbClr val="000000"/>
+                </a:solidFill>
+                <a:latin typeface="Consolas"/>
+              </a:rPr>
+              <a:t> </a:t>
+            </a:r>
+            <a:r>
+              <a:rPr lang="de-DE" sz="1800" dirty="0" err="1">
+                <a:solidFill>
+                  <a:srgbClr val="000000"/>
+                </a:solidFill>
+                <a:latin typeface="Consolas"/>
+              </a:rPr>
+              <a:t>element</a:t>
+            </a:r>
+            <a:r>
+              <a:rPr lang="de-DE" sz="1800" dirty="0">
+                <a:solidFill>
+                  <a:srgbClr val="000000"/>
+                </a:solidFill>
+                <a:latin typeface="Consolas"/>
+              </a:rPr>
+              <a:t> = </a:t>
+            </a:r>
+            <a:r>
+              <a:rPr lang="de-DE" sz="1800" dirty="0" err="1">
+                <a:solidFill>
+                  <a:srgbClr val="000000"/>
+                </a:solidFill>
+                <a:latin typeface="Consolas"/>
+              </a:rPr>
+              <a:t>document.getElementById</a:t>
+            </a:r>
+            <a:r>
+              <a:rPr lang="de-DE" sz="1800" dirty="0">
+                <a:solidFill>
+                  <a:srgbClr val="000000"/>
+                </a:solidFill>
+                <a:latin typeface="Consolas"/>
+              </a:rPr>
+              <a:t>(</a:t>
+            </a:r>
+            <a:r>
+              <a:rPr lang="de-DE" sz="1800" dirty="0">
+                <a:solidFill>
+                  <a:srgbClr val="2A00FF"/>
+                </a:solidFill>
+                <a:latin typeface="Consolas"/>
+              </a:rPr>
+              <a:t>"</a:t>
+            </a:r>
+            <a:r>
+              <a:rPr lang="de-DE" sz="1800" dirty="0" err="1">
+                <a:solidFill>
+                  <a:srgbClr val="2A00FF"/>
+                </a:solidFill>
+                <a:latin typeface="Consolas"/>
+              </a:rPr>
+              <a:t>myElement</a:t>
+            </a:r>
+            <a:r>
+              <a:rPr lang="de-DE" sz="1800" dirty="0">
+                <a:solidFill>
+                  <a:srgbClr val="2A00FF"/>
+                </a:solidFill>
+                <a:latin typeface="Consolas"/>
+              </a:rPr>
+              <a:t>"</a:t>
+            </a:r>
+            <a:r>
+              <a:rPr lang="de-DE" sz="1800" dirty="0">
+                <a:solidFill>
+                  <a:srgbClr val="000000"/>
+                </a:solidFill>
+                <a:latin typeface="Consolas"/>
+              </a:rPr>
+              <a:t>); </a:t>
+            </a:r>
+          </a:p>
+          <a:p>
+            <a:r>
+              <a:rPr lang="de-DE" sz="1800" dirty="0" err="1">
+                <a:solidFill>
+                  <a:srgbClr val="7F0055"/>
+                </a:solidFill>
+                <a:latin typeface="Consolas"/>
+              </a:rPr>
+              <a:t>var</a:t>
+            </a:r>
+            <a:r>
+              <a:rPr lang="de-DE" sz="1800" dirty="0">
+                <a:solidFill>
+                  <a:srgbClr val="000000"/>
+                </a:solidFill>
+                <a:latin typeface="Consolas"/>
+              </a:rPr>
+              <a:t> </a:t>
+            </a:r>
+            <a:r>
+              <a:rPr lang="de-DE" sz="1800" dirty="0" err="1">
+                <a:solidFill>
+                  <a:srgbClr val="000000"/>
+                </a:solidFill>
+                <a:latin typeface="Consolas"/>
+              </a:rPr>
+              <a:t>parentElement</a:t>
+            </a:r>
+            <a:r>
+              <a:rPr lang="de-DE" sz="1800" dirty="0">
+                <a:solidFill>
+                  <a:srgbClr val="000000"/>
+                </a:solidFill>
+                <a:latin typeface="Consolas"/>
+              </a:rPr>
+              <a:t> = </a:t>
+            </a:r>
+            <a:r>
+              <a:rPr lang="de-DE" sz="1800" dirty="0" err="1">
+                <a:solidFill>
+                  <a:srgbClr val="000000"/>
+                </a:solidFill>
+                <a:latin typeface="Consolas"/>
+              </a:rPr>
+              <a:t>element.parentElement</a:t>
+            </a:r>
+            <a:r>
+              <a:rPr lang="de-DE" sz="1800" dirty="0">
+                <a:solidFill>
+                  <a:srgbClr val="000000"/>
+                </a:solidFill>
+                <a:latin typeface="Consolas"/>
+              </a:rPr>
+              <a:t>; </a:t>
+            </a:r>
+          </a:p>
+          <a:p>
+            <a:r>
+              <a:rPr lang="de-DE" sz="1800" dirty="0" err="1">
+                <a:solidFill>
+                  <a:srgbClr val="000000"/>
+                </a:solidFill>
+                <a:latin typeface="Consolas"/>
+              </a:rPr>
+              <a:t>element.classList.add</a:t>
+            </a:r>
+            <a:r>
+              <a:rPr lang="de-DE" sz="1800" dirty="0">
+                <a:solidFill>
+                  <a:srgbClr val="000000"/>
+                </a:solidFill>
+                <a:latin typeface="Consolas"/>
+              </a:rPr>
+              <a:t>(</a:t>
+            </a:r>
+            <a:r>
+              <a:rPr lang="de-DE" sz="1800" dirty="0">
+                <a:solidFill>
+                  <a:srgbClr val="2A00FF"/>
+                </a:solidFill>
+                <a:latin typeface="Consolas"/>
+              </a:rPr>
+              <a:t>"</a:t>
+            </a:r>
+            <a:r>
+              <a:rPr lang="de-DE" sz="1800" dirty="0" err="1">
+                <a:solidFill>
+                  <a:srgbClr val="2A00FF"/>
+                </a:solidFill>
+                <a:latin typeface="Consolas"/>
+              </a:rPr>
+              <a:t>myClass</a:t>
+            </a:r>
+            <a:r>
+              <a:rPr lang="de-DE" sz="1800" dirty="0">
+                <a:solidFill>
+                  <a:srgbClr val="2A00FF"/>
+                </a:solidFill>
+                <a:latin typeface="Consolas"/>
+              </a:rPr>
+              <a:t>"</a:t>
+            </a:r>
+            <a:r>
+              <a:rPr lang="de-DE" sz="1800" dirty="0">
+                <a:solidFill>
+                  <a:srgbClr val="000000"/>
+                </a:solidFill>
+                <a:latin typeface="Consolas"/>
+              </a:rPr>
+              <a:t>);</a:t>
+            </a:r>
+          </a:p>
+        </p:txBody>
+      </p:sp>
+      <p:sp>
+        <p:nvSpPr>
+          <p:cNvPr id="9" name="Rectangle 8"/>
+          <p:cNvSpPr/>
+          <p:nvPr/>
+        </p:nvSpPr>
+        <p:spPr>
+          <a:xfrm>
+            <a:off x="295630" y="3644590"/>
+            <a:ext cx="8256699" cy="369332"/>
+          </a:xfrm>
+          <a:prstGeom prst="rect">
+            <a:avLst/>
+          </a:prstGeom>
+        </p:spPr>
+        <p:txBody>
+          <a:bodyPr wrap="square">
+            <a:spAutoFit/>
+          </a:bodyPr>
+          <a:lstStyle/>
+          <a:p>
+            <a:r>
+              <a:rPr lang="de-DE" sz="1800" dirty="0" err="1">
+                <a:solidFill>
+                  <a:srgbClr val="7F0055"/>
+                </a:solidFill>
+                <a:latin typeface="Consolas"/>
+              </a:rPr>
+              <a:t>var</a:t>
+            </a:r>
+            <a:r>
+              <a:rPr lang="de-DE" sz="1800" dirty="0">
+                <a:solidFill>
+                  <a:srgbClr val="000000"/>
+                </a:solidFill>
+                <a:latin typeface="Consolas"/>
+              </a:rPr>
+              <a:t> </a:t>
+            </a:r>
+            <a:r>
+              <a:rPr lang="de-DE" sz="1800" dirty="0" err="1">
+                <a:solidFill>
+                  <a:srgbClr val="000000"/>
+                </a:solidFill>
+                <a:latin typeface="Consolas"/>
+              </a:rPr>
+              <a:t>elements</a:t>
+            </a:r>
+            <a:r>
+              <a:rPr lang="de-DE" sz="1800" dirty="0">
+                <a:solidFill>
+                  <a:srgbClr val="000000"/>
+                </a:solidFill>
+                <a:latin typeface="Consolas"/>
+              </a:rPr>
+              <a:t> = </a:t>
+            </a:r>
+            <a:r>
+              <a:rPr lang="de-DE" sz="1800" dirty="0" err="1" smtClean="0">
+                <a:solidFill>
+                  <a:srgbClr val="000000"/>
+                </a:solidFill>
+                <a:latin typeface="Consolas"/>
+              </a:rPr>
+              <a:t>document.querySelectorAll</a:t>
+            </a:r>
+            <a:r>
+              <a:rPr lang="de-DE" sz="1800" dirty="0" smtClean="0">
+                <a:solidFill>
+                  <a:srgbClr val="000000"/>
+                </a:solidFill>
+                <a:latin typeface="Consolas"/>
+              </a:rPr>
+              <a:t>(</a:t>
+            </a:r>
+            <a:r>
+              <a:rPr lang="de-DE" sz="1800" dirty="0" smtClean="0">
+                <a:solidFill>
+                  <a:srgbClr val="2A00FF"/>
+                </a:solidFill>
+                <a:latin typeface="Consolas"/>
+              </a:rPr>
+              <a:t>".</a:t>
+            </a:r>
+            <a:r>
+              <a:rPr lang="de-DE" sz="1800" dirty="0" err="1" smtClean="0">
+                <a:solidFill>
+                  <a:srgbClr val="2A00FF"/>
+                </a:solidFill>
+                <a:latin typeface="Consolas"/>
+              </a:rPr>
+              <a:t>myClass</a:t>
+            </a:r>
+            <a:r>
+              <a:rPr lang="de-DE" sz="1800" dirty="0" smtClean="0">
+                <a:solidFill>
+                  <a:srgbClr val="2A00FF"/>
+                </a:solidFill>
+                <a:latin typeface="Consolas"/>
+              </a:rPr>
+              <a:t>"</a:t>
+            </a:r>
+            <a:r>
+              <a:rPr lang="de-DE" sz="1800" dirty="0" smtClean="0">
+                <a:solidFill>
+                  <a:srgbClr val="000000"/>
+                </a:solidFill>
+                <a:latin typeface="Consolas"/>
+              </a:rPr>
+              <a:t>);</a:t>
+            </a:r>
+            <a:endParaRPr lang="de-DE" sz="1800" dirty="0">
+              <a:solidFill>
+                <a:srgbClr val="000000"/>
+              </a:solidFill>
+              <a:latin typeface="Consolas"/>
+            </a:endParaRPr>
+          </a:p>
+        </p:txBody>
+      </p:sp>
+    </p:spTree>
+    <p:extLst>
+      <p:ext uri="{BB962C8B-B14F-4D97-AF65-F5344CB8AC3E}">
+        <p14:creationId xmlns:p14="http://schemas.microsoft.com/office/powerpoint/2010/main" val="65971653"/>
+      </p:ext>
+    </p:extLst>
+  </p:cSld>
+  <p:clrMapOvr>
+    <a:masterClrMapping/>
+  </p:clrMapOvr>
+  <p:transition spd="med"/>
+  <p:timing>
+    <p:tnLst>
+      <p:par>
+        <p:cTn id="1" dur="indefinite" restart="never" nodeType="tmRoot"/>
+      </p:par>
+    </p:tnLst>
+  </p:timing>
+</p:sld>
+</file>
+
+<file path=ppt/slides/slide30.xml><?xml version="1.0" encoding="utf-8"?>
 <p:sld xmlns:a="http://schemas.openxmlformats.org/drawingml/2006/main" xmlns:r="http://schemas.openxmlformats.org/officeDocument/2006/relationships" xmlns:p="http://schemas.openxmlformats.org/presentationml/2006/main" show="0">
   <p:cSld>
     <p:spTree>
@@ -22577,7 +24725,7 @@
 </p:sld>
 </file>
 
-<file path=ppt/slides/slide28.xml><?xml version="1.0" encoding="utf-8"?>
+<file path=ppt/slides/slide31.xml><?xml version="1.0" encoding="utf-8"?>
 <p:sld xmlns:a="http://schemas.openxmlformats.org/drawingml/2006/main" xmlns:r="http://schemas.openxmlformats.org/officeDocument/2006/relationships" xmlns:p="http://schemas.openxmlformats.org/presentationml/2006/main" show="0">
   <p:cSld>
     <p:spTree>
@@ -23278,493 +25426,6 @@
 </p:sld>
 </file>
 
-<file path=ppt/slides/slide3.xml><?xml version="1.0" encoding="utf-8"?>
-<p:sld xmlns:a="http://schemas.openxmlformats.org/drawingml/2006/main" xmlns:r="http://schemas.openxmlformats.org/officeDocument/2006/relationships" xmlns:p="http://schemas.openxmlformats.org/presentationml/2006/main">
-  <p:cSld>
-    <p:spTree>
-      <p:nvGrpSpPr>
-        <p:cNvPr id="1" name=""/>
-        <p:cNvGrpSpPr/>
-        <p:nvPr/>
-      </p:nvGrpSpPr>
-      <p:grpSpPr>
-        <a:xfrm>
-          <a:off x="0" y="0"/>
-          <a:ext cx="0" cy="0"/>
-          <a:chOff x="0" y="0"/>
-          <a:chExt cx="0" cy="0"/>
-        </a:xfrm>
-      </p:grpSpPr>
-      <p:sp>
-        <p:nvSpPr>
-          <p:cNvPr id="2" name="Title 1"/>
-          <p:cNvSpPr>
-            <a:spLocks noGrp="1"/>
-          </p:cNvSpPr>
-          <p:nvPr>
-            <p:ph type="title"/>
-          </p:nvPr>
-        </p:nvSpPr>
-        <p:spPr/>
-        <p:txBody>
-          <a:bodyPr/>
-          <a:lstStyle/>
-          <a:p>
-            <a:r>
-              <a:rPr lang="en-US" dirty="0" smtClean="0"/>
-              <a:t>Document Object Model </a:t>
-            </a:r>
-            <a:endParaRPr lang="en-US" dirty="0"/>
-          </a:p>
-        </p:txBody>
-      </p:sp>
-      <p:sp>
-        <p:nvSpPr>
-          <p:cNvPr id="3" name="Text Placeholder 2"/>
-          <p:cNvSpPr>
-            <a:spLocks noGrp="1"/>
-          </p:cNvSpPr>
-          <p:nvPr>
-            <p:ph type="body" sz="quarter" idx="10"/>
-          </p:nvPr>
-        </p:nvSpPr>
-        <p:spPr/>
-        <p:txBody>
-          <a:bodyPr/>
-          <a:lstStyle/>
-          <a:p>
-            <a:pPr lvl="0"/>
-            <a:r>
-              <a:rPr lang="en-US" dirty="0" smtClean="0"/>
-              <a:t>Element </a:t>
-            </a:r>
-            <a:r>
-              <a:rPr lang="en-US" dirty="0" err="1" smtClean="0"/>
-              <a:t>selektieren</a:t>
-            </a:r>
-            <a:r>
-              <a:rPr lang="en-US" dirty="0" smtClean="0"/>
-              <a:t>:</a:t>
-            </a:r>
-          </a:p>
-          <a:p>
-            <a:pPr marL="342900" lvl="0" indent="-342900">
-              <a:buFontTx/>
-              <a:buChar char="-"/>
-            </a:pPr>
-            <a:endParaRPr lang="en-US" dirty="0" smtClean="0"/>
-          </a:p>
-          <a:p>
-            <a:pPr lvl="0"/>
-            <a:r>
-              <a:rPr lang="en-US" dirty="0" smtClean="0"/>
-              <a:t/>
-            </a:r>
-            <a:br>
-              <a:rPr lang="en-US" dirty="0" smtClean="0"/>
-            </a:br>
-            <a:r>
-              <a:rPr lang="en-US" dirty="0" err="1" smtClean="0"/>
-              <a:t>Mehrere</a:t>
-            </a:r>
-            <a:r>
-              <a:rPr lang="en-US" dirty="0" smtClean="0"/>
-              <a:t> </a:t>
-            </a:r>
-            <a:r>
-              <a:rPr lang="en-US" dirty="0" err="1" smtClean="0"/>
-              <a:t>Elemente</a:t>
-            </a:r>
-            <a:r>
-              <a:rPr lang="en-US" dirty="0" smtClean="0"/>
-              <a:t> </a:t>
-            </a:r>
-            <a:r>
-              <a:rPr lang="en-US" dirty="0" err="1" smtClean="0"/>
-              <a:t>selektieren</a:t>
-            </a:r>
-            <a:r>
-              <a:rPr lang="en-US" dirty="0" smtClean="0"/>
-              <a:t>:</a:t>
-            </a:r>
-            <a:endParaRPr lang="en-US" dirty="0"/>
-          </a:p>
-          <a:p>
-            <a:pPr marL="342900" lvl="0" indent="-342900">
-              <a:buFontTx/>
-              <a:buChar char="-"/>
-            </a:pPr>
-            <a:endParaRPr lang="en-US" dirty="0" smtClean="0"/>
-          </a:p>
-        </p:txBody>
-      </p:sp>
-      <p:sp>
-        <p:nvSpPr>
-          <p:cNvPr id="7" name="Rectangle 6"/>
-          <p:cNvSpPr/>
-          <p:nvPr/>
-        </p:nvSpPr>
-        <p:spPr>
-          <a:xfrm>
-            <a:off x="295630" y="2045313"/>
-            <a:ext cx="7697301" cy="923330"/>
-          </a:xfrm>
-          <a:prstGeom prst="rect">
-            <a:avLst/>
-          </a:prstGeom>
-        </p:spPr>
-        <p:txBody>
-          <a:bodyPr wrap="square">
-            <a:spAutoFit/>
-          </a:bodyPr>
-          <a:lstStyle/>
-          <a:p>
-            <a:r>
-              <a:rPr lang="de-DE" sz="1800" dirty="0" err="1">
-                <a:solidFill>
-                  <a:srgbClr val="7F0055"/>
-                </a:solidFill>
-                <a:latin typeface="Consolas"/>
-              </a:rPr>
-              <a:t>var</a:t>
-            </a:r>
-            <a:r>
-              <a:rPr lang="de-DE" sz="1800" dirty="0">
-                <a:solidFill>
-                  <a:srgbClr val="000000"/>
-                </a:solidFill>
-                <a:latin typeface="Consolas"/>
-              </a:rPr>
-              <a:t> </a:t>
-            </a:r>
-            <a:r>
-              <a:rPr lang="de-DE" sz="1800" dirty="0" err="1">
-                <a:solidFill>
-                  <a:srgbClr val="000000"/>
-                </a:solidFill>
-                <a:latin typeface="Consolas"/>
-              </a:rPr>
-              <a:t>element</a:t>
-            </a:r>
-            <a:r>
-              <a:rPr lang="de-DE" sz="1800" dirty="0">
-                <a:solidFill>
-                  <a:srgbClr val="000000"/>
-                </a:solidFill>
-                <a:latin typeface="Consolas"/>
-              </a:rPr>
-              <a:t> = </a:t>
-            </a:r>
-            <a:r>
-              <a:rPr lang="de-DE" sz="1800" dirty="0" err="1">
-                <a:solidFill>
-                  <a:srgbClr val="000000"/>
-                </a:solidFill>
-                <a:latin typeface="Consolas"/>
-              </a:rPr>
-              <a:t>document.getElementById</a:t>
-            </a:r>
-            <a:r>
-              <a:rPr lang="de-DE" sz="1800" dirty="0">
-                <a:solidFill>
-                  <a:srgbClr val="000000"/>
-                </a:solidFill>
-                <a:latin typeface="Consolas"/>
-              </a:rPr>
-              <a:t>(</a:t>
-            </a:r>
-            <a:r>
-              <a:rPr lang="de-DE" sz="1800" dirty="0">
-                <a:solidFill>
-                  <a:srgbClr val="2A00FF"/>
-                </a:solidFill>
-                <a:latin typeface="Consolas"/>
-              </a:rPr>
-              <a:t>"</a:t>
-            </a:r>
-            <a:r>
-              <a:rPr lang="de-DE" sz="1800" dirty="0" err="1">
-                <a:solidFill>
-                  <a:srgbClr val="2A00FF"/>
-                </a:solidFill>
-                <a:latin typeface="Consolas"/>
-              </a:rPr>
-              <a:t>myElement</a:t>
-            </a:r>
-            <a:r>
-              <a:rPr lang="de-DE" sz="1800" dirty="0">
-                <a:solidFill>
-                  <a:srgbClr val="2A00FF"/>
-                </a:solidFill>
-                <a:latin typeface="Consolas"/>
-              </a:rPr>
-              <a:t>"</a:t>
-            </a:r>
-            <a:r>
-              <a:rPr lang="de-DE" sz="1800" dirty="0">
-                <a:solidFill>
-                  <a:srgbClr val="000000"/>
-                </a:solidFill>
-                <a:latin typeface="Consolas"/>
-              </a:rPr>
-              <a:t>); </a:t>
-            </a:r>
-          </a:p>
-          <a:p>
-            <a:r>
-              <a:rPr lang="de-DE" sz="1800" dirty="0" err="1">
-                <a:solidFill>
-                  <a:srgbClr val="7F0055"/>
-                </a:solidFill>
-                <a:latin typeface="Consolas"/>
-              </a:rPr>
-              <a:t>var</a:t>
-            </a:r>
-            <a:r>
-              <a:rPr lang="de-DE" sz="1800" dirty="0">
-                <a:solidFill>
-                  <a:srgbClr val="000000"/>
-                </a:solidFill>
-                <a:latin typeface="Consolas"/>
-              </a:rPr>
-              <a:t> </a:t>
-            </a:r>
-            <a:r>
-              <a:rPr lang="de-DE" sz="1800" dirty="0" err="1">
-                <a:solidFill>
-                  <a:srgbClr val="000000"/>
-                </a:solidFill>
-                <a:latin typeface="Consolas"/>
-              </a:rPr>
-              <a:t>parentElement</a:t>
-            </a:r>
-            <a:r>
-              <a:rPr lang="de-DE" sz="1800" dirty="0">
-                <a:solidFill>
-                  <a:srgbClr val="000000"/>
-                </a:solidFill>
-                <a:latin typeface="Consolas"/>
-              </a:rPr>
-              <a:t> = </a:t>
-            </a:r>
-            <a:r>
-              <a:rPr lang="de-DE" sz="1800" dirty="0" err="1">
-                <a:solidFill>
-                  <a:srgbClr val="000000"/>
-                </a:solidFill>
-                <a:latin typeface="Consolas"/>
-              </a:rPr>
-              <a:t>element.parentElement</a:t>
-            </a:r>
-            <a:r>
-              <a:rPr lang="de-DE" sz="1800" dirty="0">
-                <a:solidFill>
-                  <a:srgbClr val="000000"/>
-                </a:solidFill>
-                <a:latin typeface="Consolas"/>
-              </a:rPr>
-              <a:t>; </a:t>
-            </a:r>
-          </a:p>
-          <a:p>
-            <a:r>
-              <a:rPr lang="de-DE" sz="1800" dirty="0" err="1">
-                <a:solidFill>
-                  <a:srgbClr val="000000"/>
-                </a:solidFill>
-                <a:latin typeface="Consolas"/>
-              </a:rPr>
-              <a:t>element.classList.add</a:t>
-            </a:r>
-            <a:r>
-              <a:rPr lang="de-DE" sz="1800" dirty="0">
-                <a:solidFill>
-                  <a:srgbClr val="000000"/>
-                </a:solidFill>
-                <a:latin typeface="Consolas"/>
-              </a:rPr>
-              <a:t>(</a:t>
-            </a:r>
-            <a:r>
-              <a:rPr lang="de-DE" sz="1800" dirty="0">
-                <a:solidFill>
-                  <a:srgbClr val="2A00FF"/>
-                </a:solidFill>
-                <a:latin typeface="Consolas"/>
-              </a:rPr>
-              <a:t>"</a:t>
-            </a:r>
-            <a:r>
-              <a:rPr lang="de-DE" sz="1800" dirty="0" err="1">
-                <a:solidFill>
-                  <a:srgbClr val="2A00FF"/>
-                </a:solidFill>
-                <a:latin typeface="Consolas"/>
-              </a:rPr>
-              <a:t>myClass</a:t>
-            </a:r>
-            <a:r>
-              <a:rPr lang="de-DE" sz="1800" dirty="0">
-                <a:solidFill>
-                  <a:srgbClr val="2A00FF"/>
-                </a:solidFill>
-                <a:latin typeface="Consolas"/>
-              </a:rPr>
-              <a:t>"</a:t>
-            </a:r>
-            <a:r>
-              <a:rPr lang="de-DE" sz="1800" dirty="0">
-                <a:solidFill>
-                  <a:srgbClr val="000000"/>
-                </a:solidFill>
-                <a:latin typeface="Consolas"/>
-              </a:rPr>
-              <a:t>);</a:t>
-            </a:r>
-          </a:p>
-        </p:txBody>
-      </p:sp>
-      <p:sp>
-        <p:nvSpPr>
-          <p:cNvPr id="9" name="Rectangle 8"/>
-          <p:cNvSpPr/>
-          <p:nvPr/>
-        </p:nvSpPr>
-        <p:spPr>
-          <a:xfrm>
-            <a:off x="295630" y="3644590"/>
-            <a:ext cx="8256699" cy="369332"/>
-          </a:xfrm>
-          <a:prstGeom prst="rect">
-            <a:avLst/>
-          </a:prstGeom>
-        </p:spPr>
-        <p:txBody>
-          <a:bodyPr wrap="square">
-            <a:spAutoFit/>
-          </a:bodyPr>
-          <a:lstStyle/>
-          <a:p>
-            <a:r>
-              <a:rPr lang="de-DE" sz="1800" dirty="0" err="1">
-                <a:solidFill>
-                  <a:srgbClr val="7F0055"/>
-                </a:solidFill>
-                <a:latin typeface="Consolas"/>
-              </a:rPr>
-              <a:t>var</a:t>
-            </a:r>
-            <a:r>
-              <a:rPr lang="de-DE" sz="1800" dirty="0">
-                <a:solidFill>
-                  <a:srgbClr val="000000"/>
-                </a:solidFill>
-                <a:latin typeface="Consolas"/>
-              </a:rPr>
-              <a:t> </a:t>
-            </a:r>
-            <a:r>
-              <a:rPr lang="de-DE" sz="1800" dirty="0" err="1">
-                <a:solidFill>
-                  <a:srgbClr val="000000"/>
-                </a:solidFill>
-                <a:latin typeface="Consolas"/>
-              </a:rPr>
-              <a:t>elements</a:t>
-            </a:r>
-            <a:r>
-              <a:rPr lang="de-DE" sz="1800" dirty="0">
-                <a:solidFill>
-                  <a:srgbClr val="000000"/>
-                </a:solidFill>
-                <a:latin typeface="Consolas"/>
-              </a:rPr>
-              <a:t> = </a:t>
-            </a:r>
-            <a:r>
-              <a:rPr lang="de-DE" sz="1800" dirty="0" err="1" smtClean="0">
-                <a:solidFill>
-                  <a:srgbClr val="000000"/>
-                </a:solidFill>
-                <a:latin typeface="Consolas"/>
-              </a:rPr>
-              <a:t>document.querySelectorAll</a:t>
-            </a:r>
-            <a:r>
-              <a:rPr lang="de-DE" sz="1800" dirty="0" smtClean="0">
-                <a:solidFill>
-                  <a:srgbClr val="000000"/>
-                </a:solidFill>
-                <a:latin typeface="Consolas"/>
-              </a:rPr>
-              <a:t>(</a:t>
-            </a:r>
-            <a:r>
-              <a:rPr lang="de-DE" sz="1800" dirty="0" smtClean="0">
-                <a:solidFill>
-                  <a:srgbClr val="2A00FF"/>
-                </a:solidFill>
-                <a:latin typeface="Consolas"/>
-              </a:rPr>
-              <a:t>".</a:t>
-            </a:r>
-            <a:r>
-              <a:rPr lang="de-DE" sz="1800" dirty="0" err="1" smtClean="0">
-                <a:solidFill>
-                  <a:srgbClr val="2A00FF"/>
-                </a:solidFill>
-                <a:latin typeface="Consolas"/>
-              </a:rPr>
-              <a:t>myClass</a:t>
-            </a:r>
-            <a:r>
-              <a:rPr lang="de-DE" sz="1800" dirty="0" smtClean="0">
-                <a:solidFill>
-                  <a:srgbClr val="2A00FF"/>
-                </a:solidFill>
-                <a:latin typeface="Consolas"/>
-              </a:rPr>
-              <a:t>"</a:t>
-            </a:r>
-            <a:r>
-              <a:rPr lang="de-DE" sz="1800" dirty="0" smtClean="0">
-                <a:solidFill>
-                  <a:srgbClr val="000000"/>
-                </a:solidFill>
-                <a:latin typeface="Consolas"/>
-              </a:rPr>
-              <a:t>);</a:t>
-            </a:r>
-            <a:endParaRPr lang="de-DE" sz="1800" dirty="0">
-              <a:solidFill>
-                <a:srgbClr val="000000"/>
-              </a:solidFill>
-              <a:latin typeface="Consolas"/>
-            </a:endParaRPr>
-          </a:p>
-        </p:txBody>
-      </p:sp>
-    </p:spTree>
-    <p:extLst>
-      <p:ext uri="{BB962C8B-B14F-4D97-AF65-F5344CB8AC3E}">
-        <p14:creationId xmlns:p14="http://schemas.microsoft.com/office/powerpoint/2010/main" val="65971653"/>
-      </p:ext>
-    </p:extLst>
-  </p:cSld>
-  <p:clrMapOvr>
-    <a:masterClrMapping/>
-  </p:clrMapOvr>
-  <p:transition spd="med"/>
-  <p:timing>
-    <p:tnLst>
-      <p:par>
-        <p:cTn id="1" dur="indefinite" restart="never" nodeType="tmRoot"/>
-      </p:par>
-    </p:tnLst>
-  </p:timing>
-</p:sld>
-</file>
-
 <file path=ppt/slides/slide4.xml><?xml version="1.0" encoding="utf-8"?>
 <p:sld xmlns:a="http://schemas.openxmlformats.org/drawingml/2006/main" xmlns:r="http://schemas.openxmlformats.org/officeDocument/2006/relationships" xmlns:p="http://schemas.openxmlformats.org/presentationml/2006/main">
   <p:cSld>
@@ -24292,11 +25953,7 @@
             </a:r>
             <a:r>
               <a:rPr lang="en-US" b="0" dirty="0" smtClean="0"/>
-              <a:t> Event </a:t>
-            </a:r>
-            <a:r>
-              <a:rPr lang="en-US" b="0" dirty="0" smtClean="0"/>
-              <a:t>Listener </a:t>
+              <a:t> Event Listener </a:t>
             </a:r>
             <a:r>
               <a:rPr lang="en-US" b="0" dirty="0" err="1" smtClean="0"/>
@@ -24831,7 +26488,6 @@
               <a:rPr lang="en-US" b="0" dirty="0" smtClean="0"/>
               <a:t>.</a:t>
             </a:r>
-            <a:endParaRPr lang="en-US" b="0" dirty="0" smtClean="0"/>
           </a:p>
         </p:txBody>
       </p:sp>
@@ -25854,11 +27510,7 @@
             </a:r>
             <a:r>
               <a:rPr lang="en-US" b="0" dirty="0" smtClean="0"/>
-              <a:t> in </a:t>
-            </a:r>
-            <a:r>
-              <a:rPr lang="en-US" b="0" dirty="0" smtClean="0"/>
-              <a:t>der </a:t>
+              <a:t> in der </a:t>
             </a:r>
             <a:r>
               <a:rPr lang="en-US" b="0" dirty="0" err="1" smtClean="0"/>
@@ -25907,11 +27559,7 @@
             </a:r>
             <a:r>
               <a:rPr lang="en-US" b="0" dirty="0" smtClean="0"/>
-              <a:t>f(n) = f(n-1) + f(n-2</a:t>
-            </a:r>
-            <a:r>
-              <a:rPr lang="en-US" b="0" dirty="0" smtClean="0"/>
-              <a:t>)</a:t>
+              <a:t>f(n) = f(n-1) + f(n-2)</a:t>
             </a:r>
             <a:br>
               <a:rPr lang="en-US" b="0" dirty="0" smtClean="0"/>
@@ -26002,7 +27650,6 @@
               <a:rPr lang="en-US" b="0" dirty="0" smtClean="0"/>
               <a:t>.</a:t>
             </a:r>
-            <a:endParaRPr lang="en-US" b="0" dirty="0" smtClean="0"/>
           </a:p>
           <a:p>
             <a:pPr lvl="0"/>
@@ -26561,7 +28208,7 @@
   <a:extraClrSchemeLst/>
   <a:extLst>
     <a:ext uri="{05A4C25C-085E-4340-85A3-A5531E510DB2}">
-      <thm15:themeFamily xmlns="" xmlns:thm15="http://schemas.microsoft.com/office/thememl/2012/main" name="SAP_2015_16x9.pptx" id="{5F0E35BB-9363-4F64-BEA2-B70C65D49640}" vid="{DF215BA7-692B-4843-BF39-AC44F52AD0E9}"/>
+      <thm15:themeFamily xmlns:thm15="http://schemas.microsoft.com/office/thememl/2012/main" xmlns="" name="SAP_2015_16x9.pptx" id="{5F0E35BB-9363-4F64-BEA2-B70C65D49640}" vid="{DF215BA7-692B-4843-BF39-AC44F52AD0E9}"/>
     </a:ext>
   </a:extLst>
 </a:theme>
